--- a/Presentacion.pptx
+++ b/Presentacion.pptx
@@ -5,7 +5,7 @@
     <p:sldMasterId id="2147483648" r:id="rId1"/>
   </p:sldMasterIdLst>
   <p:notesMasterIdLst>
-    <p:notesMasterId r:id="rId32"/>
+    <p:notesMasterId r:id="rId38"/>
   </p:notesMasterIdLst>
   <p:sldIdLst>
     <p:sldId id="256" r:id="rId2"/>
@@ -38,6 +38,12 @@
     <p:sldId id="272" r:id="rId29"/>
     <p:sldId id="271" r:id="rId30"/>
     <p:sldId id="273" r:id="rId31"/>
+    <p:sldId id="289" r:id="rId32"/>
+    <p:sldId id="292" r:id="rId33"/>
+    <p:sldId id="290" r:id="rId34"/>
+    <p:sldId id="291" r:id="rId35"/>
+    <p:sldId id="293" r:id="rId36"/>
+    <p:sldId id="294" r:id="rId37"/>
   </p:sldIdLst>
   <p:sldSz cx="12192000" cy="6858000"/>
   <p:notesSz cx="6858000" cy="9144000"/>
@@ -226,7 +232,7 @@
           <a:p>
             <a:fld id="{B1F018D7-01AD-4413-ACF1-CA5C284ABF1D}" type="datetimeFigureOut">
               <a:rPr lang="es-ES" smtClean="0"/>
-              <a:t>11/04/2022</a:t>
+              <a:t>13/04/2022</a:t>
             </a:fld>
             <a:endParaRPr lang="es-ES"/>
           </a:p>
@@ -745,6 +751,90 @@
 </p:notes>
 </file>
 
+<file path=ppt/notesSlides/notesSlide4.xml><?xml version="1.0" encoding="utf-8"?>
+<p:notes xmlns:a="http://schemas.openxmlformats.org/drawingml/2006/main" xmlns:r="http://schemas.openxmlformats.org/officeDocument/2006/relationships" xmlns:p="http://schemas.openxmlformats.org/presentationml/2006/main">
+  <p:cSld>
+    <p:spTree>
+      <p:nvGrpSpPr>
+        <p:cNvPr id="1" name=""/>
+        <p:cNvGrpSpPr/>
+        <p:nvPr/>
+      </p:nvGrpSpPr>
+      <p:grpSpPr>
+        <a:xfrm>
+          <a:off x="0" y="0"/>
+          <a:ext cx="0" cy="0"/>
+          <a:chOff x="0" y="0"/>
+          <a:chExt cx="0" cy="0"/>
+        </a:xfrm>
+      </p:grpSpPr>
+      <p:sp>
+        <p:nvSpPr>
+          <p:cNvPr id="2" name="Marcador de imagen de diapositiva 1"/>
+          <p:cNvSpPr>
+            <a:spLocks noGrp="1" noRot="1" noChangeAspect="1"/>
+          </p:cNvSpPr>
+          <p:nvPr>
+            <p:ph type="sldImg"/>
+          </p:nvPr>
+        </p:nvSpPr>
+        <p:spPr/>
+      </p:sp>
+      <p:sp>
+        <p:nvSpPr>
+          <p:cNvPr id="3" name="Marcador de notas 2"/>
+          <p:cNvSpPr>
+            <a:spLocks noGrp="1"/>
+          </p:cNvSpPr>
+          <p:nvPr>
+            <p:ph type="body" idx="1"/>
+          </p:nvPr>
+        </p:nvSpPr>
+        <p:spPr/>
+        <p:txBody>
+          <a:bodyPr/>
+          <a:lstStyle/>
+          <a:p>
+            <a:endParaRPr lang="es-ES" dirty="0"/>
+          </a:p>
+        </p:txBody>
+      </p:sp>
+      <p:sp>
+        <p:nvSpPr>
+          <p:cNvPr id="4" name="Marcador de número de diapositiva 3"/>
+          <p:cNvSpPr>
+            <a:spLocks noGrp="1"/>
+          </p:cNvSpPr>
+          <p:nvPr>
+            <p:ph type="sldNum" sz="quarter" idx="5"/>
+          </p:nvPr>
+        </p:nvSpPr>
+        <p:spPr/>
+        <p:txBody>
+          <a:bodyPr/>
+          <a:lstStyle/>
+          <a:p>
+            <a:fld id="{115F0914-A388-4757-8442-86BD77315D8F}" type="slidenum">
+              <a:rPr lang="es-ES" smtClean="0"/>
+              <a:t>35</a:t>
+            </a:fld>
+            <a:endParaRPr lang="es-ES"/>
+          </a:p>
+        </p:txBody>
+      </p:sp>
+    </p:spTree>
+    <p:extLst>
+      <p:ext uri="{BB962C8B-B14F-4D97-AF65-F5344CB8AC3E}">
+        <p14:creationId xmlns:p14="http://schemas.microsoft.com/office/powerpoint/2010/main" val="2081358853"/>
+      </p:ext>
+    </p:extLst>
+  </p:cSld>
+  <p:clrMapOvr>
+    <a:masterClrMapping/>
+  </p:clrMapOvr>
+</p:notes>
+</file>
+
 <file path=ppt/slideLayouts/slideLayout1.xml><?xml version="1.0" encoding="utf-8"?>
 <p:sldLayout xmlns:a="http://schemas.openxmlformats.org/drawingml/2006/main" xmlns:r="http://schemas.openxmlformats.org/officeDocument/2006/relationships" xmlns:p="http://schemas.openxmlformats.org/presentationml/2006/main" type="title" preserve="1">
   <p:cSld name="Diapositiva de título">
@@ -892,7 +982,7 @@
           <a:p>
             <a:fld id="{17321F09-57B9-4431-8E2D-17B39AD68799}" type="datetimeFigureOut">
               <a:rPr lang="es-ES" smtClean="0"/>
-              <a:t>11/04/2022</a:t>
+              <a:t>13/04/2022</a:t>
             </a:fld>
             <a:endParaRPr lang="es-ES"/>
           </a:p>
@@ -1090,7 +1180,7 @@
           <a:p>
             <a:fld id="{17321F09-57B9-4431-8E2D-17B39AD68799}" type="datetimeFigureOut">
               <a:rPr lang="es-ES" smtClean="0"/>
-              <a:t>11/04/2022</a:t>
+              <a:t>13/04/2022</a:t>
             </a:fld>
             <a:endParaRPr lang="es-ES"/>
           </a:p>
@@ -1298,7 +1388,7 @@
           <a:p>
             <a:fld id="{17321F09-57B9-4431-8E2D-17B39AD68799}" type="datetimeFigureOut">
               <a:rPr lang="es-ES" smtClean="0"/>
-              <a:t>11/04/2022</a:t>
+              <a:t>13/04/2022</a:t>
             </a:fld>
             <a:endParaRPr lang="es-ES"/>
           </a:p>
@@ -1496,7 +1586,7 @@
           <a:p>
             <a:fld id="{17321F09-57B9-4431-8E2D-17B39AD68799}" type="datetimeFigureOut">
               <a:rPr lang="es-ES" smtClean="0"/>
-              <a:t>11/04/2022</a:t>
+              <a:t>13/04/2022</a:t>
             </a:fld>
             <a:endParaRPr lang="es-ES"/>
           </a:p>
@@ -1771,7 +1861,7 @@
           <a:p>
             <a:fld id="{17321F09-57B9-4431-8E2D-17B39AD68799}" type="datetimeFigureOut">
               <a:rPr lang="es-ES" smtClean="0"/>
-              <a:t>11/04/2022</a:t>
+              <a:t>13/04/2022</a:t>
             </a:fld>
             <a:endParaRPr lang="es-ES"/>
           </a:p>
@@ -2036,7 +2126,7 @@
           <a:p>
             <a:fld id="{17321F09-57B9-4431-8E2D-17B39AD68799}" type="datetimeFigureOut">
               <a:rPr lang="es-ES" smtClean="0"/>
-              <a:t>11/04/2022</a:t>
+              <a:t>13/04/2022</a:t>
             </a:fld>
             <a:endParaRPr lang="es-ES"/>
           </a:p>
@@ -2448,7 +2538,7 @@
           <a:p>
             <a:fld id="{17321F09-57B9-4431-8E2D-17B39AD68799}" type="datetimeFigureOut">
               <a:rPr lang="es-ES" smtClean="0"/>
-              <a:t>11/04/2022</a:t>
+              <a:t>13/04/2022</a:t>
             </a:fld>
             <a:endParaRPr lang="es-ES"/>
           </a:p>
@@ -2589,7 +2679,7 @@
           <a:p>
             <a:fld id="{17321F09-57B9-4431-8E2D-17B39AD68799}" type="datetimeFigureOut">
               <a:rPr lang="es-ES" smtClean="0"/>
-              <a:t>11/04/2022</a:t>
+              <a:t>13/04/2022</a:t>
             </a:fld>
             <a:endParaRPr lang="es-ES"/>
           </a:p>
@@ -2702,7 +2792,7 @@
           <a:p>
             <a:fld id="{17321F09-57B9-4431-8E2D-17B39AD68799}" type="datetimeFigureOut">
               <a:rPr lang="es-ES" smtClean="0"/>
-              <a:t>11/04/2022</a:t>
+              <a:t>13/04/2022</a:t>
             </a:fld>
             <a:endParaRPr lang="es-ES"/>
           </a:p>
@@ -3013,7 +3103,7 @@
           <a:p>
             <a:fld id="{17321F09-57B9-4431-8E2D-17B39AD68799}" type="datetimeFigureOut">
               <a:rPr lang="es-ES" smtClean="0"/>
-              <a:t>11/04/2022</a:t>
+              <a:t>13/04/2022</a:t>
             </a:fld>
             <a:endParaRPr lang="es-ES"/>
           </a:p>
@@ -3301,7 +3391,7 @@
           <a:p>
             <a:fld id="{17321F09-57B9-4431-8E2D-17B39AD68799}" type="datetimeFigureOut">
               <a:rPr lang="es-ES" smtClean="0"/>
-              <a:t>11/04/2022</a:t>
+              <a:t>13/04/2022</a:t>
             </a:fld>
             <a:endParaRPr lang="es-ES"/>
           </a:p>
@@ -3542,7 +3632,7 @@
           <a:p>
             <a:fld id="{17321F09-57B9-4431-8E2D-17B39AD68799}" type="datetimeFigureOut">
               <a:rPr lang="es-ES" smtClean="0"/>
-              <a:t>11/04/2022</a:t>
+              <a:t>13/04/2022</a:t>
             </a:fld>
             <a:endParaRPr lang="es-ES"/>
           </a:p>
@@ -5966,12 +6056,8 @@
             </a:r>
             <a:r>
               <a:rPr lang="es-ES" dirty="0"/>
-              <a:t> vs Browser: diferencias entre cómo se ejecuta JS en un entorno y otro. No entraremos mucho en el DOM.</a:t>
-            </a:r>
-          </a:p>
-          <a:p>
-            <a:pPr algn="just"/>
-            <a:endParaRPr lang="es-ES" dirty="0"/>
+              <a:t> vs Browser: diferencias entre cómo se ejecuta JS en un entorno y otro. </a:t>
+            </a:r>
           </a:p>
         </p:txBody>
       </p:sp>
@@ -8166,6 +8252,9 @@
             </a:r>
           </a:p>
           <a:p>
+            <a:pPr marL="0" indent="0" algn="just">
+              <a:buNone/>
+            </a:pPr>
             <a:endParaRPr lang="es-ES" dirty="0"/>
           </a:p>
           <a:p>
@@ -8175,57 +8264,11 @@
             </a:r>
             <a:r>
               <a:rPr lang="es-ES" dirty="0"/>
-              <a:t> intermedio: </a:t>
-            </a:r>
-            <a:r>
-              <a:rPr lang="es-ES" dirty="0" err="1"/>
-              <a:t>streams</a:t>
-            </a:r>
-            <a:r>
-              <a:rPr lang="es-ES" dirty="0"/>
-              <a:t>, http, </a:t>
-            </a:r>
-            <a:r>
-              <a:rPr lang="es-ES" dirty="0" err="1"/>
-              <a:t>webSockets</a:t>
-            </a:r>
-            <a:r>
-              <a:rPr lang="es-ES" dirty="0"/>
-              <a:t>.</a:t>
-            </a:r>
-          </a:p>
-          <a:p>
-            <a:pPr algn="just"/>
-            <a:endParaRPr lang="es-ES" dirty="0"/>
-          </a:p>
-          <a:p>
-            <a:r>
-              <a:rPr lang="es-ES" dirty="0" err="1"/>
-              <a:t>NodeJS</a:t>
-            </a:r>
-            <a:r>
-              <a:rPr lang="es-ES" dirty="0"/>
-              <a:t> avanzado: </a:t>
+              <a:t> avanzado: http, </a:t>
             </a:r>
             <a:r>
               <a:rPr lang="es-ES" dirty="0" err="1"/>
               <a:t>express</a:t>
-            </a:r>
-            <a:r>
-              <a:rPr lang="es-ES" dirty="0"/>
-              <a:t>, </a:t>
-            </a:r>
-            <a:r>
-              <a:rPr lang="es-ES" dirty="0" err="1"/>
-              <a:t>clustering</a:t>
-            </a:r>
-            <a:r>
-              <a:rPr lang="es-ES" dirty="0"/>
-              <a:t>, </a:t>
-            </a:r>
-            <a:r>
-              <a:rPr lang="es-ES" dirty="0" err="1"/>
-              <a:t>worker-threads</a:t>
             </a:r>
             <a:r>
               <a:rPr lang="es-ES" dirty="0"/>
@@ -8405,6 +8448,1204 @@
     <p:extLst>
       <p:ext uri="{BB962C8B-B14F-4D97-AF65-F5344CB8AC3E}">
         <p14:creationId xmlns:p14="http://schemas.microsoft.com/office/powerpoint/2010/main" val="3324844850"/>
+      </p:ext>
+    </p:extLst>
+  </p:cSld>
+  <p:clrMapOvr>
+    <a:masterClrMapping/>
+  </p:clrMapOvr>
+</p:sld>
+</file>
+
+<file path=ppt/slides/slide31.xml><?xml version="1.0" encoding="utf-8"?>
+<p:sld xmlns:a="http://schemas.openxmlformats.org/drawingml/2006/main" xmlns:r="http://schemas.openxmlformats.org/officeDocument/2006/relationships" xmlns:p="http://schemas.openxmlformats.org/presentationml/2006/main">
+  <p:cSld>
+    <p:spTree>
+      <p:nvGrpSpPr>
+        <p:cNvPr id="1" name=""/>
+        <p:cNvGrpSpPr/>
+        <p:nvPr/>
+      </p:nvGrpSpPr>
+      <p:grpSpPr>
+        <a:xfrm>
+          <a:off x="0" y="0"/>
+          <a:ext cx="0" cy="0"/>
+          <a:chOff x="0" y="0"/>
+          <a:chExt cx="0" cy="0"/>
+        </a:xfrm>
+      </p:grpSpPr>
+      <p:sp>
+        <p:nvSpPr>
+          <p:cNvPr id="2" name="Título 1">
+            <a:extLst>
+              <a:ext uri="{FF2B5EF4-FFF2-40B4-BE49-F238E27FC236}">
+                <a16:creationId xmlns:a16="http://schemas.microsoft.com/office/drawing/2014/main" id="{BD32990B-711D-454E-91B3-CC8607A1E285}"/>
+              </a:ext>
+            </a:extLst>
+          </p:cNvPr>
+          <p:cNvSpPr>
+            <a:spLocks noGrp="1"/>
+          </p:cNvSpPr>
+          <p:nvPr>
+            <p:ph type="title"/>
+          </p:nvPr>
+        </p:nvSpPr>
+        <p:spPr/>
+        <p:txBody>
+          <a:bodyPr/>
+          <a:lstStyle/>
+          <a:p>
+            <a:r>
+              <a:rPr lang="es-ES" dirty="0"/>
+              <a:t>JavaScript básico: condicionales</a:t>
+            </a:r>
+          </a:p>
+        </p:txBody>
+      </p:sp>
+      <p:pic>
+        <p:nvPicPr>
+          <p:cNvPr id="5" name="Imagen 4">
+            <a:extLst>
+              <a:ext uri="{FF2B5EF4-FFF2-40B4-BE49-F238E27FC236}">
+                <a16:creationId xmlns:a16="http://schemas.microsoft.com/office/drawing/2014/main" id="{259BE079-4A83-4C7A-A89A-98CEF3E4D14A}"/>
+              </a:ext>
+            </a:extLst>
+          </p:cNvPr>
+          <p:cNvPicPr>
+            <a:picLocks noChangeAspect="1"/>
+          </p:cNvPicPr>
+          <p:nvPr/>
+        </p:nvPicPr>
+        <p:blipFill>
+          <a:blip r:embed="rId2"/>
+          <a:stretch>
+            <a:fillRect/>
+          </a:stretch>
+        </p:blipFill>
+        <p:spPr>
+          <a:xfrm>
+            <a:off x="678484" y="2432066"/>
+            <a:ext cx="4010025" cy="2295525"/>
+          </a:xfrm>
+          <a:prstGeom prst="rect">
+            <a:avLst/>
+          </a:prstGeom>
+        </p:spPr>
+      </p:pic>
+      <p:pic>
+        <p:nvPicPr>
+          <p:cNvPr id="7" name="Imagen 6">
+            <a:extLst>
+              <a:ext uri="{FF2B5EF4-FFF2-40B4-BE49-F238E27FC236}">
+                <a16:creationId xmlns:a16="http://schemas.microsoft.com/office/drawing/2014/main" id="{6072796E-24A4-4C35-9962-5312F54E60B6}"/>
+              </a:ext>
+            </a:extLst>
+          </p:cNvPr>
+          <p:cNvPicPr>
+            <a:picLocks noChangeAspect="1"/>
+          </p:cNvPicPr>
+          <p:nvPr/>
+        </p:nvPicPr>
+        <p:blipFill>
+          <a:blip r:embed="rId3"/>
+          <a:stretch>
+            <a:fillRect/>
+          </a:stretch>
+        </p:blipFill>
+        <p:spPr>
+          <a:xfrm>
+            <a:off x="6519862" y="1989153"/>
+            <a:ext cx="4638675" cy="3181350"/>
+          </a:xfrm>
+          <a:prstGeom prst="rect">
+            <a:avLst/>
+          </a:prstGeom>
+        </p:spPr>
+      </p:pic>
+    </p:spTree>
+    <p:extLst>
+      <p:ext uri="{BB962C8B-B14F-4D97-AF65-F5344CB8AC3E}">
+        <p14:creationId xmlns:p14="http://schemas.microsoft.com/office/powerpoint/2010/main" val="3808550862"/>
+      </p:ext>
+    </p:extLst>
+  </p:cSld>
+  <p:clrMapOvr>
+    <a:masterClrMapping/>
+  </p:clrMapOvr>
+</p:sld>
+</file>
+
+<file path=ppt/slides/slide32.xml><?xml version="1.0" encoding="utf-8"?>
+<p:sld xmlns:a="http://schemas.openxmlformats.org/drawingml/2006/main" xmlns:r="http://schemas.openxmlformats.org/officeDocument/2006/relationships" xmlns:p="http://schemas.openxmlformats.org/presentationml/2006/main">
+  <p:cSld>
+    <p:spTree>
+      <p:nvGrpSpPr>
+        <p:cNvPr id="1" name=""/>
+        <p:cNvGrpSpPr/>
+        <p:nvPr/>
+      </p:nvGrpSpPr>
+      <p:grpSpPr>
+        <a:xfrm>
+          <a:off x="0" y="0"/>
+          <a:ext cx="0" cy="0"/>
+          <a:chOff x="0" y="0"/>
+          <a:chExt cx="0" cy="0"/>
+        </a:xfrm>
+      </p:grpSpPr>
+      <p:sp>
+        <p:nvSpPr>
+          <p:cNvPr id="2" name="Título 1">
+            <a:extLst>
+              <a:ext uri="{FF2B5EF4-FFF2-40B4-BE49-F238E27FC236}">
+                <a16:creationId xmlns:a16="http://schemas.microsoft.com/office/drawing/2014/main" id="{BD32990B-711D-454E-91B3-CC8607A1E285}"/>
+              </a:ext>
+            </a:extLst>
+          </p:cNvPr>
+          <p:cNvSpPr>
+            <a:spLocks noGrp="1"/>
+          </p:cNvSpPr>
+          <p:nvPr>
+            <p:ph type="title"/>
+          </p:nvPr>
+        </p:nvSpPr>
+        <p:spPr/>
+        <p:txBody>
+          <a:bodyPr/>
+          <a:lstStyle/>
+          <a:p>
+            <a:r>
+              <a:rPr lang="es-ES" dirty="0"/>
+              <a:t>JavaScript básico: condicionales</a:t>
+            </a:r>
+          </a:p>
+        </p:txBody>
+      </p:sp>
+      <p:pic>
+        <p:nvPicPr>
+          <p:cNvPr id="4" name="Imagen 3">
+            <a:extLst>
+              <a:ext uri="{FF2B5EF4-FFF2-40B4-BE49-F238E27FC236}">
+                <a16:creationId xmlns:a16="http://schemas.microsoft.com/office/drawing/2014/main" id="{DDD63B2F-AB55-44EC-8BF3-706489934762}"/>
+              </a:ext>
+            </a:extLst>
+          </p:cNvPr>
+          <p:cNvPicPr>
+            <a:picLocks noChangeAspect="1"/>
+          </p:cNvPicPr>
+          <p:nvPr/>
+        </p:nvPicPr>
+        <p:blipFill>
+          <a:blip r:embed="rId2"/>
+          <a:stretch>
+            <a:fillRect/>
+          </a:stretch>
+        </p:blipFill>
+        <p:spPr>
+          <a:xfrm>
+            <a:off x="3610220" y="1301831"/>
+            <a:ext cx="4010025" cy="5762625"/>
+          </a:xfrm>
+          <a:prstGeom prst="rect">
+            <a:avLst/>
+          </a:prstGeom>
+        </p:spPr>
+      </p:pic>
+    </p:spTree>
+    <p:extLst>
+      <p:ext uri="{BB962C8B-B14F-4D97-AF65-F5344CB8AC3E}">
+        <p14:creationId xmlns:p14="http://schemas.microsoft.com/office/powerpoint/2010/main" val="1243838603"/>
+      </p:ext>
+    </p:extLst>
+  </p:cSld>
+  <p:clrMapOvr>
+    <a:masterClrMapping/>
+  </p:clrMapOvr>
+</p:sld>
+</file>
+
+<file path=ppt/slides/slide33.xml><?xml version="1.0" encoding="utf-8"?>
+<p:sld xmlns:a="http://schemas.openxmlformats.org/drawingml/2006/main" xmlns:r="http://schemas.openxmlformats.org/officeDocument/2006/relationships" xmlns:p="http://schemas.openxmlformats.org/presentationml/2006/main">
+  <p:cSld>
+    <p:spTree>
+      <p:nvGrpSpPr>
+        <p:cNvPr id="1" name=""/>
+        <p:cNvGrpSpPr/>
+        <p:nvPr/>
+      </p:nvGrpSpPr>
+      <p:grpSpPr>
+        <a:xfrm>
+          <a:off x="0" y="0"/>
+          <a:ext cx="0" cy="0"/>
+          <a:chOff x="0" y="0"/>
+          <a:chExt cx="0" cy="0"/>
+        </a:xfrm>
+      </p:grpSpPr>
+      <p:sp>
+        <p:nvSpPr>
+          <p:cNvPr id="2" name="Título 1">
+            <a:extLst>
+              <a:ext uri="{FF2B5EF4-FFF2-40B4-BE49-F238E27FC236}">
+                <a16:creationId xmlns:a16="http://schemas.microsoft.com/office/drawing/2014/main" id="{780E89F4-7D9D-4858-8A17-13E834BB87BD}"/>
+              </a:ext>
+            </a:extLst>
+          </p:cNvPr>
+          <p:cNvSpPr>
+            <a:spLocks noGrp="1"/>
+          </p:cNvSpPr>
+          <p:nvPr>
+            <p:ph type="title"/>
+          </p:nvPr>
+        </p:nvSpPr>
+        <p:spPr/>
+        <p:txBody>
+          <a:bodyPr/>
+          <a:lstStyle/>
+          <a:p>
+            <a:r>
+              <a:rPr lang="es-ES" dirty="0"/>
+              <a:t>JavaScript básico: bucles</a:t>
+            </a:r>
+          </a:p>
+        </p:txBody>
+      </p:sp>
+      <p:pic>
+        <p:nvPicPr>
+          <p:cNvPr id="5" name="Imagen 4">
+            <a:extLst>
+              <a:ext uri="{FF2B5EF4-FFF2-40B4-BE49-F238E27FC236}">
+                <a16:creationId xmlns:a16="http://schemas.microsoft.com/office/drawing/2014/main" id="{B347658F-CA1E-40CF-A1D8-2A29A15B712B}"/>
+              </a:ext>
+            </a:extLst>
+          </p:cNvPr>
+          <p:cNvPicPr>
+            <a:picLocks noChangeAspect="1"/>
+          </p:cNvPicPr>
+          <p:nvPr/>
+        </p:nvPicPr>
+        <p:blipFill>
+          <a:blip r:embed="rId2"/>
+          <a:stretch>
+            <a:fillRect/>
+          </a:stretch>
+        </p:blipFill>
+        <p:spPr>
+          <a:xfrm>
+            <a:off x="1419323" y="2538952"/>
+            <a:ext cx="3848100" cy="2590800"/>
+          </a:xfrm>
+          <a:prstGeom prst="rect">
+            <a:avLst/>
+          </a:prstGeom>
+        </p:spPr>
+      </p:pic>
+      <p:pic>
+        <p:nvPicPr>
+          <p:cNvPr id="7" name="Imagen 6">
+            <a:extLst>
+              <a:ext uri="{FF2B5EF4-FFF2-40B4-BE49-F238E27FC236}">
+                <a16:creationId xmlns:a16="http://schemas.microsoft.com/office/drawing/2014/main" id="{90448E82-FD80-4D26-925E-646D7FA993CB}"/>
+              </a:ext>
+            </a:extLst>
+          </p:cNvPr>
+          <p:cNvPicPr>
+            <a:picLocks noChangeAspect="1"/>
+          </p:cNvPicPr>
+          <p:nvPr/>
+        </p:nvPicPr>
+        <p:blipFill>
+          <a:blip r:embed="rId3"/>
+          <a:stretch>
+            <a:fillRect/>
+          </a:stretch>
+        </p:blipFill>
+        <p:spPr>
+          <a:xfrm>
+            <a:off x="6695829" y="2538952"/>
+            <a:ext cx="3419475" cy="1952625"/>
+          </a:xfrm>
+          <a:prstGeom prst="rect">
+            <a:avLst/>
+          </a:prstGeom>
+        </p:spPr>
+      </p:pic>
+    </p:spTree>
+    <p:extLst>
+      <p:ext uri="{BB962C8B-B14F-4D97-AF65-F5344CB8AC3E}">
+        <p14:creationId xmlns:p14="http://schemas.microsoft.com/office/powerpoint/2010/main" val="2855460124"/>
+      </p:ext>
+    </p:extLst>
+  </p:cSld>
+  <p:clrMapOvr>
+    <a:masterClrMapping/>
+  </p:clrMapOvr>
+</p:sld>
+</file>
+
+<file path=ppt/slides/slide34.xml><?xml version="1.0" encoding="utf-8"?>
+<p:sld xmlns:a="http://schemas.openxmlformats.org/drawingml/2006/main" xmlns:r="http://schemas.openxmlformats.org/officeDocument/2006/relationships" xmlns:p="http://schemas.openxmlformats.org/presentationml/2006/main">
+  <p:cSld>
+    <p:spTree>
+      <p:nvGrpSpPr>
+        <p:cNvPr id="1" name=""/>
+        <p:cNvGrpSpPr/>
+        <p:nvPr/>
+      </p:nvGrpSpPr>
+      <p:grpSpPr>
+        <a:xfrm>
+          <a:off x="0" y="0"/>
+          <a:ext cx="0" cy="0"/>
+          <a:chOff x="0" y="0"/>
+          <a:chExt cx="0" cy="0"/>
+        </a:xfrm>
+      </p:grpSpPr>
+      <p:sp>
+        <p:nvSpPr>
+          <p:cNvPr id="2" name="Título 1">
+            <a:extLst>
+              <a:ext uri="{FF2B5EF4-FFF2-40B4-BE49-F238E27FC236}">
+                <a16:creationId xmlns:a16="http://schemas.microsoft.com/office/drawing/2014/main" id="{780E89F4-7D9D-4858-8A17-13E834BB87BD}"/>
+              </a:ext>
+            </a:extLst>
+          </p:cNvPr>
+          <p:cNvSpPr>
+            <a:spLocks noGrp="1"/>
+          </p:cNvSpPr>
+          <p:nvPr>
+            <p:ph type="title"/>
+          </p:nvPr>
+        </p:nvSpPr>
+        <p:spPr/>
+        <p:txBody>
+          <a:bodyPr/>
+          <a:lstStyle/>
+          <a:p>
+            <a:r>
+              <a:rPr lang="es-ES" dirty="0"/>
+              <a:t>JavaScript básico: bucles</a:t>
+            </a:r>
+          </a:p>
+        </p:txBody>
+      </p:sp>
+      <p:pic>
+        <p:nvPicPr>
+          <p:cNvPr id="4" name="Imagen 3">
+            <a:extLst>
+              <a:ext uri="{FF2B5EF4-FFF2-40B4-BE49-F238E27FC236}">
+                <a16:creationId xmlns:a16="http://schemas.microsoft.com/office/drawing/2014/main" id="{942B5968-85F9-498F-AD48-F522CBDE5809}"/>
+              </a:ext>
+            </a:extLst>
+          </p:cNvPr>
+          <p:cNvPicPr>
+            <a:picLocks noChangeAspect="1"/>
+          </p:cNvPicPr>
+          <p:nvPr/>
+        </p:nvPicPr>
+        <p:blipFill>
+          <a:blip r:embed="rId2"/>
+          <a:stretch>
+            <a:fillRect/>
+          </a:stretch>
+        </p:blipFill>
+        <p:spPr>
+          <a:xfrm>
+            <a:off x="2311972" y="2264544"/>
+            <a:ext cx="6438900" cy="1876425"/>
+          </a:xfrm>
+          <a:prstGeom prst="rect">
+            <a:avLst/>
+          </a:prstGeom>
+        </p:spPr>
+      </p:pic>
+    </p:spTree>
+    <p:extLst>
+      <p:ext uri="{BB962C8B-B14F-4D97-AF65-F5344CB8AC3E}">
+        <p14:creationId xmlns:p14="http://schemas.microsoft.com/office/powerpoint/2010/main" val="33531570"/>
+      </p:ext>
+    </p:extLst>
+  </p:cSld>
+  <p:clrMapOvr>
+    <a:masterClrMapping/>
+  </p:clrMapOvr>
+</p:sld>
+</file>
+
+<file path=ppt/slides/slide35.xml><?xml version="1.0" encoding="utf-8"?>
+<p:sld xmlns:a="http://schemas.openxmlformats.org/drawingml/2006/main" xmlns:r="http://schemas.openxmlformats.org/officeDocument/2006/relationships" xmlns:p="http://schemas.openxmlformats.org/presentationml/2006/main">
+  <p:cSld>
+    <p:spTree>
+      <p:nvGrpSpPr>
+        <p:cNvPr id="1" name=""/>
+        <p:cNvGrpSpPr/>
+        <p:nvPr/>
+      </p:nvGrpSpPr>
+      <p:grpSpPr>
+        <a:xfrm>
+          <a:off x="0" y="0"/>
+          <a:ext cx="0" cy="0"/>
+          <a:chOff x="0" y="0"/>
+          <a:chExt cx="0" cy="0"/>
+        </a:xfrm>
+      </p:grpSpPr>
+      <p:sp>
+        <p:nvSpPr>
+          <p:cNvPr id="2" name="Título 1">
+            <a:extLst>
+              <a:ext uri="{FF2B5EF4-FFF2-40B4-BE49-F238E27FC236}">
+                <a16:creationId xmlns:a16="http://schemas.microsoft.com/office/drawing/2014/main" id="{ABC6E647-6D77-4827-BED9-28590F2BE50D}"/>
+              </a:ext>
+            </a:extLst>
+          </p:cNvPr>
+          <p:cNvSpPr>
+            <a:spLocks noGrp="1"/>
+          </p:cNvSpPr>
+          <p:nvPr>
+            <p:ph type="title"/>
+          </p:nvPr>
+        </p:nvSpPr>
+        <p:spPr/>
+        <p:txBody>
+          <a:bodyPr/>
+          <a:lstStyle/>
+          <a:p>
+            <a:r>
+              <a:rPr lang="en-US" dirty="0"/>
+              <a:t>Time to practice </a:t>
+            </a:r>
+            <a:endParaRPr lang="es-ES" dirty="0"/>
+          </a:p>
+        </p:txBody>
+      </p:sp>
+      <p:sp>
+        <p:nvSpPr>
+          <p:cNvPr id="3" name="Marcador de contenido 2">
+            <a:extLst>
+              <a:ext uri="{FF2B5EF4-FFF2-40B4-BE49-F238E27FC236}">
+                <a16:creationId xmlns:a16="http://schemas.microsoft.com/office/drawing/2014/main" id="{AC238560-A173-4A76-927D-05075BAAF09F}"/>
+              </a:ext>
+            </a:extLst>
+          </p:cNvPr>
+          <p:cNvSpPr>
+            <a:spLocks noGrp="1"/>
+          </p:cNvSpPr>
+          <p:nvPr>
+            <p:ph idx="1"/>
+          </p:nvPr>
+        </p:nvSpPr>
+        <p:spPr>
+          <a:xfrm>
+            <a:off x="838200" y="1825625"/>
+            <a:ext cx="10515600" cy="4848552"/>
+          </a:xfrm>
+        </p:spPr>
+        <p:txBody>
+          <a:bodyPr>
+            <a:normAutofit/>
+          </a:bodyPr>
+          <a:lstStyle/>
+          <a:p>
+            <a:pPr marL="0" indent="0" algn="just">
+              <a:buNone/>
+            </a:pPr>
+            <a:r>
+              <a:rPr lang="en-US" dirty="0"/>
+              <a:t>1- Dados 2 </a:t>
+            </a:r>
+            <a:r>
+              <a:rPr lang="en-US" dirty="0" err="1"/>
+              <a:t>valores</a:t>
+            </a:r>
+            <a:r>
+              <a:rPr lang="en-US" dirty="0"/>
+              <a:t>, </a:t>
+            </a:r>
+            <a:r>
+              <a:rPr lang="en-US" dirty="0" err="1"/>
+              <a:t>digamos</a:t>
+            </a:r>
+            <a:r>
+              <a:rPr lang="en-US" dirty="0"/>
+              <a:t> a y b, </a:t>
+            </a:r>
+            <a:r>
+              <a:rPr lang="en-US" dirty="0" err="1"/>
+              <a:t>mostrar</a:t>
+            </a:r>
+            <a:r>
+              <a:rPr lang="en-US" dirty="0"/>
+              <a:t> por </a:t>
+            </a:r>
+            <a:r>
+              <a:rPr lang="en-US" dirty="0" err="1"/>
+              <a:t>consola</a:t>
+            </a:r>
+            <a:r>
+              <a:rPr lang="en-US" dirty="0"/>
+              <a:t> </a:t>
+            </a:r>
+            <a:r>
+              <a:rPr lang="en-US" dirty="0" err="1"/>
+              <a:t>si</a:t>
+            </a:r>
+            <a:r>
+              <a:rPr lang="en-US" dirty="0"/>
+              <a:t> son </a:t>
+            </a:r>
+            <a:r>
+              <a:rPr lang="en-US" dirty="0" err="1"/>
+              <a:t>iguales</a:t>
+            </a:r>
+            <a:r>
+              <a:rPr lang="en-US" dirty="0"/>
+              <a:t> y del </a:t>
+            </a:r>
+            <a:r>
+              <a:rPr lang="en-US" dirty="0" err="1"/>
+              <a:t>mismo</a:t>
+            </a:r>
+            <a:r>
+              <a:rPr lang="en-US" dirty="0"/>
+              <a:t> </a:t>
+            </a:r>
+            <a:r>
+              <a:rPr lang="en-US" dirty="0" err="1"/>
+              <a:t>tipo</a:t>
+            </a:r>
+            <a:r>
+              <a:rPr lang="en-US" dirty="0"/>
+              <a:t>.</a:t>
+            </a:r>
+          </a:p>
+          <a:p>
+            <a:pPr marL="0" indent="0" algn="just">
+              <a:buNone/>
+            </a:pPr>
+            <a:r>
+              <a:rPr lang="en-US" dirty="0"/>
+              <a:t>2- Dados 2 </a:t>
+            </a:r>
+            <a:r>
+              <a:rPr lang="en-US" dirty="0" err="1"/>
+              <a:t>números</a:t>
+            </a:r>
+            <a:r>
+              <a:rPr lang="en-US" dirty="0"/>
+              <a:t>, a y b, </a:t>
+            </a:r>
+            <a:r>
+              <a:rPr lang="en-US" dirty="0" err="1"/>
+              <a:t>calcular</a:t>
+            </a:r>
+            <a:r>
+              <a:rPr lang="en-US" dirty="0"/>
+              <a:t> y </a:t>
+            </a:r>
+            <a:r>
+              <a:rPr lang="en-US" dirty="0" err="1"/>
+              <a:t>mostrar</a:t>
+            </a:r>
+            <a:r>
+              <a:rPr lang="en-US" dirty="0"/>
+              <a:t> por </a:t>
+            </a:r>
+            <a:r>
+              <a:rPr lang="en-US" dirty="0" err="1"/>
+              <a:t>consola</a:t>
+            </a:r>
+            <a:r>
+              <a:rPr lang="en-US" dirty="0"/>
+              <a:t> </a:t>
+            </a:r>
+            <a:r>
+              <a:rPr lang="en-US" dirty="0" err="1"/>
+              <a:t>el</a:t>
+            </a:r>
+            <a:r>
+              <a:rPr lang="en-US" dirty="0"/>
+              <a:t> </a:t>
+            </a:r>
+            <a:r>
+              <a:rPr lang="en-US" dirty="0" err="1"/>
+              <a:t>porcentaje</a:t>
+            </a:r>
+            <a:r>
+              <a:rPr lang="en-US" dirty="0"/>
+              <a:t> que </a:t>
+            </a:r>
+            <a:r>
+              <a:rPr lang="en-US" dirty="0" err="1"/>
+              <a:t>representa</a:t>
+            </a:r>
+            <a:r>
+              <a:rPr lang="en-US" dirty="0"/>
+              <a:t> b de a.</a:t>
+            </a:r>
+          </a:p>
+          <a:p>
+            <a:pPr marL="0" indent="0" algn="just">
+              <a:buNone/>
+            </a:pPr>
+            <a:r>
+              <a:rPr lang="en-US" dirty="0"/>
+              <a:t>3- Dado un </a:t>
+            </a:r>
+            <a:r>
+              <a:rPr lang="en-US" dirty="0" err="1"/>
+              <a:t>número</a:t>
+            </a:r>
+            <a:r>
+              <a:rPr lang="en-US" dirty="0"/>
+              <a:t>, </a:t>
+            </a:r>
+            <a:r>
+              <a:rPr lang="en-US" dirty="0" err="1"/>
+              <a:t>mostrar</a:t>
+            </a:r>
+            <a:r>
+              <a:rPr lang="en-US" dirty="0"/>
+              <a:t> por </a:t>
+            </a:r>
+            <a:r>
+              <a:rPr lang="en-US" dirty="0" err="1"/>
+              <a:t>consola</a:t>
+            </a:r>
+            <a:r>
+              <a:rPr lang="en-US" dirty="0"/>
+              <a:t> </a:t>
+            </a:r>
+            <a:r>
+              <a:rPr lang="en-US" dirty="0" err="1"/>
+              <a:t>si</a:t>
+            </a:r>
+            <a:r>
+              <a:rPr lang="en-US" dirty="0"/>
+              <a:t> es par. </a:t>
+            </a:r>
+          </a:p>
+          <a:p>
+            <a:pPr marL="0" indent="0" algn="just">
+              <a:buNone/>
+            </a:pPr>
+            <a:r>
+              <a:rPr lang="en-US" dirty="0"/>
+              <a:t>4- Dados 2 </a:t>
+            </a:r>
+            <a:r>
+              <a:rPr lang="en-US" dirty="0" err="1"/>
+              <a:t>números</a:t>
+            </a:r>
+            <a:r>
+              <a:rPr lang="en-US" dirty="0"/>
+              <a:t>, a y b, </a:t>
+            </a:r>
+            <a:r>
+              <a:rPr lang="en-US" dirty="0" err="1"/>
+              <a:t>si</a:t>
+            </a:r>
+            <a:r>
+              <a:rPr lang="en-US" dirty="0"/>
+              <a:t> a es </a:t>
+            </a:r>
+            <a:r>
+              <a:rPr lang="en-US" dirty="0" err="1"/>
+              <a:t>menor</a:t>
+            </a:r>
+            <a:r>
+              <a:rPr lang="en-US" dirty="0"/>
+              <a:t> que b, </a:t>
+            </a:r>
+            <a:r>
+              <a:rPr lang="en-US" dirty="0" err="1"/>
+              <a:t>mostrar</a:t>
+            </a:r>
+            <a:r>
+              <a:rPr lang="en-US" dirty="0"/>
+              <a:t> </a:t>
+            </a:r>
+            <a:r>
+              <a:rPr lang="en-US" dirty="0" err="1"/>
+              <a:t>el</a:t>
+            </a:r>
+            <a:r>
+              <a:rPr lang="en-US" dirty="0"/>
+              <a:t> </a:t>
+            </a:r>
+            <a:r>
+              <a:rPr lang="en-US" dirty="0" err="1"/>
+              <a:t>resultado</a:t>
+            </a:r>
+            <a:r>
+              <a:rPr lang="en-US" dirty="0"/>
+              <a:t> de la </a:t>
+            </a:r>
+            <a:r>
+              <a:rPr lang="en-US" dirty="0" err="1"/>
+              <a:t>división</a:t>
+            </a:r>
+            <a:r>
+              <a:rPr lang="en-US" dirty="0"/>
+              <a:t> de a entre b (</a:t>
+            </a:r>
+            <a:r>
+              <a:rPr lang="en-US" dirty="0" err="1"/>
+              <a:t>chequear</a:t>
+            </a:r>
+            <a:r>
+              <a:rPr lang="en-US" dirty="0"/>
+              <a:t> que b sea </a:t>
+            </a:r>
+            <a:r>
+              <a:rPr lang="en-US" dirty="0" err="1"/>
+              <a:t>distinto</a:t>
+            </a:r>
+            <a:r>
+              <a:rPr lang="en-US" dirty="0"/>
+              <a:t> de 0). </a:t>
+            </a:r>
+            <a:r>
+              <a:rPr lang="en-US" dirty="0" err="1"/>
+              <a:t>En</a:t>
+            </a:r>
+            <a:r>
+              <a:rPr lang="en-US" dirty="0"/>
+              <a:t> </a:t>
+            </a:r>
+            <a:r>
+              <a:rPr lang="en-US" dirty="0" err="1"/>
+              <a:t>caso</a:t>
+            </a:r>
+            <a:r>
+              <a:rPr lang="en-US" dirty="0"/>
+              <a:t> </a:t>
+            </a:r>
+            <a:r>
+              <a:rPr lang="en-US" dirty="0" err="1"/>
+              <a:t>contrario</a:t>
+            </a:r>
+            <a:r>
+              <a:rPr lang="en-US" dirty="0"/>
+              <a:t> </a:t>
+            </a:r>
+            <a:r>
+              <a:rPr lang="en-US" dirty="0" err="1"/>
+              <a:t>mostrar</a:t>
+            </a:r>
+            <a:r>
+              <a:rPr lang="en-US" dirty="0"/>
+              <a:t> la </a:t>
+            </a:r>
+            <a:r>
+              <a:rPr lang="en-US" dirty="0" err="1"/>
+              <a:t>multiplicación</a:t>
+            </a:r>
+            <a:r>
+              <a:rPr lang="en-US" dirty="0"/>
+              <a:t> de ambos </a:t>
+            </a:r>
+            <a:r>
+              <a:rPr lang="en-US" dirty="0" err="1"/>
+              <a:t>números</a:t>
+            </a:r>
+            <a:r>
+              <a:rPr lang="en-US" dirty="0"/>
+              <a:t>.</a:t>
+            </a:r>
+          </a:p>
+          <a:p>
+            <a:pPr marL="0" indent="0" algn="just">
+              <a:buNone/>
+            </a:pPr>
+            <a:r>
+              <a:rPr lang="en-US" dirty="0"/>
+              <a:t>5- </a:t>
+            </a:r>
+            <a:r>
+              <a:rPr lang="en-US" dirty="0" err="1"/>
+              <a:t>Imprimir</a:t>
+            </a:r>
+            <a:r>
+              <a:rPr lang="en-US" dirty="0"/>
+              <a:t> </a:t>
+            </a:r>
+            <a:r>
+              <a:rPr lang="en-US" dirty="0" err="1"/>
+              <a:t>todos</a:t>
+            </a:r>
+            <a:r>
+              <a:rPr lang="en-US" dirty="0"/>
+              <a:t> los </a:t>
+            </a:r>
+            <a:r>
+              <a:rPr lang="en-US" dirty="0" err="1"/>
+              <a:t>números</a:t>
+            </a:r>
+            <a:r>
+              <a:rPr lang="en-US" dirty="0"/>
+              <a:t> pares </a:t>
+            </a:r>
+            <a:r>
+              <a:rPr lang="en-US" dirty="0" err="1"/>
+              <a:t>desde</a:t>
+            </a:r>
+            <a:r>
+              <a:rPr lang="en-US" dirty="0"/>
+              <a:t> </a:t>
+            </a:r>
+            <a:r>
+              <a:rPr lang="en-US" dirty="0" err="1"/>
+              <a:t>el</a:t>
+            </a:r>
+            <a:r>
+              <a:rPr lang="en-US" dirty="0"/>
+              <a:t> cero hasta </a:t>
+            </a:r>
+            <a:r>
+              <a:rPr lang="en-US" dirty="0" err="1"/>
+              <a:t>el</a:t>
+            </a:r>
+            <a:r>
+              <a:rPr lang="en-US" dirty="0"/>
+              <a:t> 10.</a:t>
+            </a:r>
+          </a:p>
+          <a:p>
+            <a:pPr marL="0" indent="0" algn="just">
+              <a:buNone/>
+            </a:pPr>
+            <a:endParaRPr lang="en-US" dirty="0"/>
+          </a:p>
+          <a:p>
+            <a:pPr marL="0" indent="0" algn="just">
+              <a:buNone/>
+            </a:pPr>
+            <a:endParaRPr lang="en-US" dirty="0"/>
+          </a:p>
+          <a:p>
+            <a:pPr marL="0" indent="0" algn="just">
+              <a:buNone/>
+            </a:pPr>
+            <a:endParaRPr lang="es-ES" dirty="0"/>
+          </a:p>
+        </p:txBody>
+      </p:sp>
+    </p:spTree>
+    <p:extLst>
+      <p:ext uri="{BB962C8B-B14F-4D97-AF65-F5344CB8AC3E}">
+        <p14:creationId xmlns:p14="http://schemas.microsoft.com/office/powerpoint/2010/main" val="4107455836"/>
+      </p:ext>
+    </p:extLst>
+  </p:cSld>
+  <p:clrMapOvr>
+    <a:masterClrMapping/>
+  </p:clrMapOvr>
+</p:sld>
+</file>
+
+<file path=ppt/slides/slide36.xml><?xml version="1.0" encoding="utf-8"?>
+<p:sld xmlns:a="http://schemas.openxmlformats.org/drawingml/2006/main" xmlns:r="http://schemas.openxmlformats.org/officeDocument/2006/relationships" xmlns:p="http://schemas.openxmlformats.org/presentationml/2006/main">
+  <p:cSld>
+    <p:spTree>
+      <p:nvGrpSpPr>
+        <p:cNvPr id="1" name=""/>
+        <p:cNvGrpSpPr/>
+        <p:nvPr/>
+      </p:nvGrpSpPr>
+      <p:grpSpPr>
+        <a:xfrm>
+          <a:off x="0" y="0"/>
+          <a:ext cx="0" cy="0"/>
+          <a:chOff x="0" y="0"/>
+          <a:chExt cx="0" cy="0"/>
+        </a:xfrm>
+      </p:grpSpPr>
+      <p:sp>
+        <p:nvSpPr>
+          <p:cNvPr id="2" name="Título 1">
+            <a:extLst>
+              <a:ext uri="{FF2B5EF4-FFF2-40B4-BE49-F238E27FC236}">
+                <a16:creationId xmlns:a16="http://schemas.microsoft.com/office/drawing/2014/main" id="{6B9575FC-942C-4E4B-9D8B-3056DDA6D9E7}"/>
+              </a:ext>
+            </a:extLst>
+          </p:cNvPr>
+          <p:cNvSpPr>
+            <a:spLocks noGrp="1"/>
+          </p:cNvSpPr>
+          <p:nvPr>
+            <p:ph type="title"/>
+          </p:nvPr>
+        </p:nvSpPr>
+        <p:spPr/>
+        <p:txBody>
+          <a:bodyPr/>
+          <a:lstStyle/>
+          <a:p>
+            <a:r>
+              <a:rPr lang="en-US" dirty="0"/>
+              <a:t>Time to practice </a:t>
+            </a:r>
+            <a:endParaRPr lang="es-ES" dirty="0"/>
+          </a:p>
+        </p:txBody>
+      </p:sp>
+      <p:sp>
+        <p:nvSpPr>
+          <p:cNvPr id="3" name="Marcador de contenido 2">
+            <a:extLst>
+              <a:ext uri="{FF2B5EF4-FFF2-40B4-BE49-F238E27FC236}">
+                <a16:creationId xmlns:a16="http://schemas.microsoft.com/office/drawing/2014/main" id="{FE244D30-00D2-4030-8F81-01DE14908742}"/>
+              </a:ext>
+            </a:extLst>
+          </p:cNvPr>
+          <p:cNvSpPr>
+            <a:spLocks noGrp="1"/>
+          </p:cNvSpPr>
+          <p:nvPr>
+            <p:ph idx="1"/>
+          </p:nvPr>
+        </p:nvSpPr>
+        <p:spPr/>
+        <p:txBody>
+          <a:bodyPr/>
+          <a:lstStyle/>
+          <a:p>
+            <a:pPr marL="0" indent="0" algn="just">
+              <a:buNone/>
+            </a:pPr>
+            <a:r>
+              <a:rPr lang="en-US" dirty="0"/>
+              <a:t>6- </a:t>
+            </a:r>
+            <a:r>
+              <a:rPr lang="en-US" dirty="0" err="1"/>
+              <a:t>Guardar</a:t>
+            </a:r>
+            <a:r>
+              <a:rPr lang="en-US" dirty="0"/>
+              <a:t> </a:t>
+            </a:r>
+            <a:r>
+              <a:rPr lang="en-US" dirty="0" err="1"/>
+              <a:t>en</a:t>
+            </a:r>
+            <a:r>
+              <a:rPr lang="en-US" dirty="0"/>
+              <a:t> una variable un </a:t>
+            </a:r>
+            <a:r>
+              <a:rPr lang="en-US" dirty="0" err="1"/>
+              <a:t>nombre</a:t>
+            </a:r>
+            <a:r>
+              <a:rPr lang="en-US" dirty="0"/>
+              <a:t>. </a:t>
+            </a:r>
+            <a:r>
+              <a:rPr lang="en-US" dirty="0" err="1"/>
+              <a:t>Mostrar</a:t>
+            </a:r>
+            <a:r>
+              <a:rPr lang="en-US" dirty="0"/>
+              <a:t> por </a:t>
+            </a:r>
+            <a:r>
+              <a:rPr lang="en-US" dirty="0" err="1"/>
+              <a:t>consola</a:t>
+            </a:r>
+            <a:r>
+              <a:rPr lang="en-US" dirty="0"/>
+              <a:t> </a:t>
+            </a:r>
+            <a:r>
+              <a:rPr lang="en-US" dirty="0" err="1"/>
+              <a:t>el</a:t>
+            </a:r>
+            <a:r>
+              <a:rPr lang="en-US" dirty="0"/>
+              <a:t> </a:t>
+            </a:r>
+            <a:r>
+              <a:rPr lang="en-US" dirty="0" err="1"/>
+              <a:t>siguiente</a:t>
+            </a:r>
+            <a:r>
+              <a:rPr lang="en-US" dirty="0"/>
+              <a:t> </a:t>
+            </a:r>
+            <a:r>
+              <a:rPr lang="en-US" dirty="0" err="1"/>
+              <a:t>texto</a:t>
+            </a:r>
+            <a:r>
+              <a:rPr lang="en-US" dirty="0"/>
+              <a:t>: Hola “variable”.</a:t>
+            </a:r>
+          </a:p>
+          <a:p>
+            <a:pPr marL="0" indent="0" algn="just">
+              <a:buNone/>
+            </a:pPr>
+            <a:endParaRPr lang="en-US" dirty="0"/>
+          </a:p>
+          <a:p>
+            <a:pPr marL="0" indent="0" algn="just">
+              <a:buNone/>
+            </a:pPr>
+            <a:r>
+              <a:rPr lang="en-US" dirty="0"/>
+              <a:t>7- Dados 2 </a:t>
+            </a:r>
+            <a:r>
+              <a:rPr lang="en-US" dirty="0" err="1"/>
+              <a:t>números</a:t>
+            </a:r>
+            <a:r>
+              <a:rPr lang="en-US" dirty="0"/>
+              <a:t>, a y b, </a:t>
+            </a:r>
+            <a:r>
+              <a:rPr lang="en-US" dirty="0" err="1"/>
+              <a:t>implementar</a:t>
+            </a:r>
+            <a:r>
+              <a:rPr lang="en-US" dirty="0"/>
+              <a:t> una </a:t>
+            </a:r>
+            <a:r>
+              <a:rPr lang="en-US" dirty="0" err="1"/>
+              <a:t>calculadora</a:t>
+            </a:r>
+            <a:r>
+              <a:rPr lang="en-US" dirty="0"/>
+              <a:t> que </a:t>
+            </a:r>
+            <a:r>
+              <a:rPr lang="en-US" dirty="0" err="1"/>
+              <a:t>muestre</a:t>
+            </a:r>
+            <a:r>
+              <a:rPr lang="en-US" dirty="0"/>
+              <a:t> por </a:t>
+            </a:r>
+            <a:r>
+              <a:rPr lang="en-US" dirty="0" err="1"/>
+              <a:t>pantalla</a:t>
+            </a:r>
+            <a:r>
+              <a:rPr lang="en-US" dirty="0"/>
+              <a:t> </a:t>
+            </a:r>
+            <a:r>
+              <a:rPr lang="en-US" dirty="0" err="1"/>
+              <a:t>el</a:t>
+            </a:r>
+            <a:r>
+              <a:rPr lang="en-US" dirty="0"/>
+              <a:t> </a:t>
+            </a:r>
+            <a:r>
+              <a:rPr lang="en-US" dirty="0" err="1"/>
+              <a:t>resultado</a:t>
+            </a:r>
+            <a:r>
+              <a:rPr lang="en-US" dirty="0"/>
+              <a:t> de </a:t>
+            </a:r>
+            <a:r>
+              <a:rPr lang="en-US" dirty="0" err="1"/>
+              <a:t>cada</a:t>
+            </a:r>
+            <a:r>
+              <a:rPr lang="en-US" dirty="0"/>
+              <a:t> </a:t>
+            </a:r>
+            <a:r>
+              <a:rPr lang="en-US" dirty="0" err="1"/>
+              <a:t>operación</a:t>
+            </a:r>
+            <a:r>
+              <a:rPr lang="en-US" dirty="0"/>
+              <a:t> </a:t>
+            </a:r>
+            <a:r>
+              <a:rPr lang="en-US" dirty="0" err="1"/>
+              <a:t>básica</a:t>
+            </a:r>
+            <a:r>
+              <a:rPr lang="en-US" dirty="0"/>
+              <a:t>. Por </a:t>
+            </a:r>
+            <a:r>
+              <a:rPr lang="en-US" dirty="0" err="1"/>
+              <a:t>ejemplo</a:t>
+            </a:r>
+            <a:r>
+              <a:rPr lang="es-ES" dirty="0"/>
+              <a:t>: </a:t>
+            </a:r>
+            <a:r>
+              <a:rPr lang="en-US" dirty="0"/>
+              <a:t>El </a:t>
+            </a:r>
+            <a:r>
+              <a:rPr lang="en-US" dirty="0" err="1"/>
+              <a:t>resultado</a:t>
+            </a:r>
+            <a:r>
+              <a:rPr lang="en-US" dirty="0"/>
+              <a:t> de la </a:t>
+            </a:r>
+            <a:r>
+              <a:rPr lang="en-US" dirty="0" err="1"/>
+              <a:t>suma</a:t>
+            </a:r>
+            <a:r>
+              <a:rPr lang="en-US" dirty="0"/>
+              <a:t> es</a:t>
+            </a:r>
+            <a:r>
+              <a:rPr lang="es-ES" dirty="0"/>
+              <a:t>:</a:t>
+            </a:r>
+            <a:r>
+              <a:rPr lang="en-US" dirty="0"/>
+              <a:t> y a </a:t>
+            </a:r>
+            <a:r>
+              <a:rPr lang="en-US" dirty="0" err="1"/>
+              <a:t>continuación</a:t>
+            </a:r>
+            <a:r>
+              <a:rPr lang="en-US" dirty="0"/>
+              <a:t> </a:t>
+            </a:r>
+            <a:r>
+              <a:rPr lang="en-US" dirty="0" err="1"/>
+              <a:t>el</a:t>
+            </a:r>
+            <a:r>
+              <a:rPr lang="en-US" dirty="0"/>
+              <a:t> valor de la </a:t>
+            </a:r>
+            <a:r>
+              <a:rPr lang="en-US" dirty="0" err="1"/>
+              <a:t>suma</a:t>
+            </a:r>
+            <a:r>
+              <a:rPr lang="en-US" dirty="0"/>
+              <a:t>. </a:t>
+            </a:r>
+          </a:p>
+          <a:p>
+            <a:pPr marL="0" indent="0" algn="just">
+              <a:buNone/>
+            </a:pPr>
+            <a:endParaRPr lang="en-US" dirty="0"/>
+          </a:p>
+        </p:txBody>
+      </p:sp>
+    </p:spTree>
+    <p:extLst>
+      <p:ext uri="{BB962C8B-B14F-4D97-AF65-F5344CB8AC3E}">
+        <p14:creationId xmlns:p14="http://schemas.microsoft.com/office/powerpoint/2010/main" val="4243400419"/>
       </p:ext>
     </p:extLst>
   </p:cSld>

--- a/Presentacion.pptx
+++ b/Presentacion.pptx
@@ -5,7 +5,7 @@
     <p:sldMasterId id="2147483648" r:id="rId1"/>
   </p:sldMasterIdLst>
   <p:notesMasterIdLst>
-    <p:notesMasterId r:id="rId38"/>
+    <p:notesMasterId r:id="rId44"/>
   </p:notesMasterIdLst>
   <p:sldIdLst>
     <p:sldId id="256" r:id="rId2"/>
@@ -44,6 +44,12 @@
     <p:sldId id="291" r:id="rId35"/>
     <p:sldId id="293" r:id="rId36"/>
     <p:sldId id="294" r:id="rId37"/>
+    <p:sldId id="295" r:id="rId38"/>
+    <p:sldId id="296" r:id="rId39"/>
+    <p:sldId id="297" r:id="rId40"/>
+    <p:sldId id="298" r:id="rId41"/>
+    <p:sldId id="299" r:id="rId42"/>
+    <p:sldId id="300" r:id="rId43"/>
   </p:sldIdLst>
   <p:sldSz cx="12192000" cy="6858000"/>
   <p:notesSz cx="6858000" cy="9144000"/>
@@ -232,7 +238,7 @@
           <a:p>
             <a:fld id="{B1F018D7-01AD-4413-ACF1-CA5C284ABF1D}" type="datetimeFigureOut">
               <a:rPr lang="es-ES" smtClean="0"/>
-              <a:t>13/04/2022</a:t>
+              <a:t>18/04/2022</a:t>
             </a:fld>
             <a:endParaRPr lang="es-ES"/>
           </a:p>
@@ -982,7 +988,7 @@
           <a:p>
             <a:fld id="{17321F09-57B9-4431-8E2D-17B39AD68799}" type="datetimeFigureOut">
               <a:rPr lang="es-ES" smtClean="0"/>
-              <a:t>13/04/2022</a:t>
+              <a:t>18/04/2022</a:t>
             </a:fld>
             <a:endParaRPr lang="es-ES"/>
           </a:p>
@@ -1180,7 +1186,7 @@
           <a:p>
             <a:fld id="{17321F09-57B9-4431-8E2D-17B39AD68799}" type="datetimeFigureOut">
               <a:rPr lang="es-ES" smtClean="0"/>
-              <a:t>13/04/2022</a:t>
+              <a:t>18/04/2022</a:t>
             </a:fld>
             <a:endParaRPr lang="es-ES"/>
           </a:p>
@@ -1388,7 +1394,7 @@
           <a:p>
             <a:fld id="{17321F09-57B9-4431-8E2D-17B39AD68799}" type="datetimeFigureOut">
               <a:rPr lang="es-ES" smtClean="0"/>
-              <a:t>13/04/2022</a:t>
+              <a:t>18/04/2022</a:t>
             </a:fld>
             <a:endParaRPr lang="es-ES"/>
           </a:p>
@@ -1586,7 +1592,7 @@
           <a:p>
             <a:fld id="{17321F09-57B9-4431-8E2D-17B39AD68799}" type="datetimeFigureOut">
               <a:rPr lang="es-ES" smtClean="0"/>
-              <a:t>13/04/2022</a:t>
+              <a:t>18/04/2022</a:t>
             </a:fld>
             <a:endParaRPr lang="es-ES"/>
           </a:p>
@@ -1861,7 +1867,7 @@
           <a:p>
             <a:fld id="{17321F09-57B9-4431-8E2D-17B39AD68799}" type="datetimeFigureOut">
               <a:rPr lang="es-ES" smtClean="0"/>
-              <a:t>13/04/2022</a:t>
+              <a:t>18/04/2022</a:t>
             </a:fld>
             <a:endParaRPr lang="es-ES"/>
           </a:p>
@@ -2126,7 +2132,7 @@
           <a:p>
             <a:fld id="{17321F09-57B9-4431-8E2D-17B39AD68799}" type="datetimeFigureOut">
               <a:rPr lang="es-ES" smtClean="0"/>
-              <a:t>13/04/2022</a:t>
+              <a:t>18/04/2022</a:t>
             </a:fld>
             <a:endParaRPr lang="es-ES"/>
           </a:p>
@@ -2538,7 +2544,7 @@
           <a:p>
             <a:fld id="{17321F09-57B9-4431-8E2D-17B39AD68799}" type="datetimeFigureOut">
               <a:rPr lang="es-ES" smtClean="0"/>
-              <a:t>13/04/2022</a:t>
+              <a:t>18/04/2022</a:t>
             </a:fld>
             <a:endParaRPr lang="es-ES"/>
           </a:p>
@@ -2679,7 +2685,7 @@
           <a:p>
             <a:fld id="{17321F09-57B9-4431-8E2D-17B39AD68799}" type="datetimeFigureOut">
               <a:rPr lang="es-ES" smtClean="0"/>
-              <a:t>13/04/2022</a:t>
+              <a:t>18/04/2022</a:t>
             </a:fld>
             <a:endParaRPr lang="es-ES"/>
           </a:p>
@@ -2792,7 +2798,7 @@
           <a:p>
             <a:fld id="{17321F09-57B9-4431-8E2D-17B39AD68799}" type="datetimeFigureOut">
               <a:rPr lang="es-ES" smtClean="0"/>
-              <a:t>13/04/2022</a:t>
+              <a:t>18/04/2022</a:t>
             </a:fld>
             <a:endParaRPr lang="es-ES"/>
           </a:p>
@@ -3103,7 +3109,7 @@
           <a:p>
             <a:fld id="{17321F09-57B9-4431-8E2D-17B39AD68799}" type="datetimeFigureOut">
               <a:rPr lang="es-ES" smtClean="0"/>
-              <a:t>13/04/2022</a:t>
+              <a:t>18/04/2022</a:t>
             </a:fld>
             <a:endParaRPr lang="es-ES"/>
           </a:p>
@@ -3391,7 +3397,7 @@
           <a:p>
             <a:fld id="{17321F09-57B9-4431-8E2D-17B39AD68799}" type="datetimeFigureOut">
               <a:rPr lang="es-ES" smtClean="0"/>
-              <a:t>13/04/2022</a:t>
+              <a:t>18/04/2022</a:t>
             </a:fld>
             <a:endParaRPr lang="es-ES"/>
           </a:p>
@@ -3632,7 +3638,7 @@
           <a:p>
             <a:fld id="{17321F09-57B9-4431-8E2D-17B39AD68799}" type="datetimeFigureOut">
               <a:rPr lang="es-ES" smtClean="0"/>
-              <a:t>13/04/2022</a:t>
+              <a:t>18/04/2022</a:t>
             </a:fld>
             <a:endParaRPr lang="es-ES"/>
           </a:p>
@@ -9655,6 +9661,421 @@
 </p:sld>
 </file>
 
+<file path=ppt/slides/slide37.xml><?xml version="1.0" encoding="utf-8"?>
+<p:sld xmlns:a="http://schemas.openxmlformats.org/drawingml/2006/main" xmlns:r="http://schemas.openxmlformats.org/officeDocument/2006/relationships" xmlns:p="http://schemas.openxmlformats.org/presentationml/2006/main">
+  <p:cSld>
+    <p:spTree>
+      <p:nvGrpSpPr>
+        <p:cNvPr id="1" name=""/>
+        <p:cNvGrpSpPr/>
+        <p:nvPr/>
+      </p:nvGrpSpPr>
+      <p:grpSpPr>
+        <a:xfrm>
+          <a:off x="0" y="0"/>
+          <a:ext cx="0" cy="0"/>
+          <a:chOff x="0" y="0"/>
+          <a:chExt cx="0" cy="0"/>
+        </a:xfrm>
+      </p:grpSpPr>
+      <p:sp>
+        <p:nvSpPr>
+          <p:cNvPr id="2" name="Título 1">
+            <a:extLst>
+              <a:ext uri="{FF2B5EF4-FFF2-40B4-BE49-F238E27FC236}">
+                <a16:creationId xmlns:a16="http://schemas.microsoft.com/office/drawing/2014/main" id="{E9A38C32-754A-4A8C-B276-92249F0B3D40}"/>
+              </a:ext>
+            </a:extLst>
+          </p:cNvPr>
+          <p:cNvSpPr>
+            <a:spLocks noGrp="1"/>
+          </p:cNvSpPr>
+          <p:nvPr>
+            <p:ph type="title"/>
+          </p:nvPr>
+        </p:nvSpPr>
+        <p:spPr/>
+        <p:txBody>
+          <a:bodyPr/>
+          <a:lstStyle/>
+          <a:p>
+            <a:r>
+              <a:rPr lang="es-ES" dirty="0"/>
+              <a:t>JavaScript básico: objetos</a:t>
+            </a:r>
+          </a:p>
+        </p:txBody>
+      </p:sp>
+      <p:sp>
+        <p:nvSpPr>
+          <p:cNvPr id="3" name="Marcador de contenido 2">
+            <a:extLst>
+              <a:ext uri="{FF2B5EF4-FFF2-40B4-BE49-F238E27FC236}">
+                <a16:creationId xmlns:a16="http://schemas.microsoft.com/office/drawing/2014/main" id="{6CFDDABC-650A-4A7A-BE14-B43B2364B89F}"/>
+              </a:ext>
+            </a:extLst>
+          </p:cNvPr>
+          <p:cNvSpPr>
+            <a:spLocks noGrp="1"/>
+          </p:cNvSpPr>
+          <p:nvPr>
+            <p:ph idx="1"/>
+          </p:nvPr>
+        </p:nvSpPr>
+        <p:spPr/>
+        <p:txBody>
+          <a:bodyPr/>
+          <a:lstStyle/>
+          <a:p>
+            <a:pPr algn="just"/>
+            <a:r>
+              <a:rPr lang="es-ES" dirty="0"/>
+              <a:t>Todos los objeto en JS son mapas o diccionarios.</a:t>
+            </a:r>
+          </a:p>
+          <a:p>
+            <a:pPr algn="just"/>
+            <a:endParaRPr lang="es-ES" dirty="0"/>
+          </a:p>
+          <a:p>
+            <a:pPr algn="just"/>
+            <a:r>
+              <a:rPr lang="es-ES" dirty="0"/>
+              <a:t>Un diccionario es una estructura de datos que almacena la información en forma de </a:t>
+            </a:r>
+            <a:r>
+              <a:rPr lang="en-US" dirty="0"/>
+              <a:t>&lt;clave&gt;&lt;valor&gt;. </a:t>
+            </a:r>
+            <a:r>
+              <a:rPr lang="es-ES" dirty="0"/>
+              <a:t> </a:t>
+            </a:r>
+          </a:p>
+          <a:p>
+            <a:pPr algn="just"/>
+            <a:endParaRPr lang="es-ES" dirty="0"/>
+          </a:p>
+          <a:p>
+            <a:pPr algn="just"/>
+            <a:r>
+              <a:rPr lang="es-ES" dirty="0"/>
+              <a:t>Por ejemplo: “nombre”: </a:t>
+            </a:r>
+            <a:r>
+              <a:rPr lang="en-US" dirty="0"/>
+              <a:t>“Alain”</a:t>
+            </a:r>
+            <a:r>
+              <a:rPr lang="es-ES" dirty="0"/>
+              <a:t>; </a:t>
+            </a:r>
+            <a:r>
+              <a:rPr lang="en-US" dirty="0"/>
+              <a:t>“</a:t>
+            </a:r>
+            <a:r>
+              <a:rPr lang="en-US" dirty="0" err="1"/>
+              <a:t>edad</a:t>
+            </a:r>
+            <a:r>
+              <a:rPr lang="en-US" dirty="0"/>
+              <a:t>”</a:t>
+            </a:r>
+            <a:r>
+              <a:rPr lang="es-ES" dirty="0"/>
+              <a:t>: 33</a:t>
+            </a:r>
+          </a:p>
+        </p:txBody>
+      </p:sp>
+    </p:spTree>
+    <p:extLst>
+      <p:ext uri="{BB962C8B-B14F-4D97-AF65-F5344CB8AC3E}">
+        <p14:creationId xmlns:p14="http://schemas.microsoft.com/office/powerpoint/2010/main" val="2233516310"/>
+      </p:ext>
+    </p:extLst>
+  </p:cSld>
+  <p:clrMapOvr>
+    <a:masterClrMapping/>
+  </p:clrMapOvr>
+</p:sld>
+</file>
+
+<file path=ppt/slides/slide38.xml><?xml version="1.0" encoding="utf-8"?>
+<p:sld xmlns:a="http://schemas.openxmlformats.org/drawingml/2006/main" xmlns:r="http://schemas.openxmlformats.org/officeDocument/2006/relationships" xmlns:p="http://schemas.openxmlformats.org/presentationml/2006/main">
+  <p:cSld>
+    <p:spTree>
+      <p:nvGrpSpPr>
+        <p:cNvPr id="1" name=""/>
+        <p:cNvGrpSpPr/>
+        <p:nvPr/>
+      </p:nvGrpSpPr>
+      <p:grpSpPr>
+        <a:xfrm>
+          <a:off x="0" y="0"/>
+          <a:ext cx="0" cy="0"/>
+          <a:chOff x="0" y="0"/>
+          <a:chExt cx="0" cy="0"/>
+        </a:xfrm>
+      </p:grpSpPr>
+      <p:sp>
+        <p:nvSpPr>
+          <p:cNvPr id="2" name="Título 1">
+            <a:extLst>
+              <a:ext uri="{FF2B5EF4-FFF2-40B4-BE49-F238E27FC236}">
+                <a16:creationId xmlns:a16="http://schemas.microsoft.com/office/drawing/2014/main" id="{CF0BDE77-AB2E-4278-9629-8FCE7815697D}"/>
+              </a:ext>
+            </a:extLst>
+          </p:cNvPr>
+          <p:cNvSpPr>
+            <a:spLocks noGrp="1"/>
+          </p:cNvSpPr>
+          <p:nvPr>
+            <p:ph type="title"/>
+          </p:nvPr>
+        </p:nvSpPr>
+        <p:spPr/>
+        <p:txBody>
+          <a:bodyPr/>
+          <a:lstStyle/>
+          <a:p>
+            <a:r>
+              <a:rPr lang="es-ES" dirty="0"/>
+              <a:t>JavaScript básico: objetos</a:t>
+            </a:r>
+          </a:p>
+        </p:txBody>
+      </p:sp>
+      <p:sp>
+        <p:nvSpPr>
+          <p:cNvPr id="3" name="Marcador de contenido 2">
+            <a:extLst>
+              <a:ext uri="{FF2B5EF4-FFF2-40B4-BE49-F238E27FC236}">
+                <a16:creationId xmlns:a16="http://schemas.microsoft.com/office/drawing/2014/main" id="{626963A5-3228-43D5-BE3E-79C5C5F9702C}"/>
+              </a:ext>
+            </a:extLst>
+          </p:cNvPr>
+          <p:cNvSpPr>
+            <a:spLocks noGrp="1"/>
+          </p:cNvSpPr>
+          <p:nvPr>
+            <p:ph idx="1"/>
+          </p:nvPr>
+        </p:nvSpPr>
+        <p:spPr/>
+        <p:txBody>
+          <a:bodyPr/>
+          <a:lstStyle/>
+          <a:p>
+            <a:pPr algn="just"/>
+            <a:r>
+              <a:rPr lang="es-ES" dirty="0"/>
+              <a:t>Los objetos literales en JS permiten crear instancias de objetos directas.</a:t>
+            </a:r>
+          </a:p>
+          <a:p>
+            <a:pPr algn="just"/>
+            <a:r>
+              <a:rPr lang="es-ES" dirty="0"/>
+              <a:t>Por ejemplo:</a:t>
+            </a:r>
+          </a:p>
+          <a:p>
+            <a:pPr algn="just"/>
+            <a:endParaRPr lang="es-ES" dirty="0"/>
+          </a:p>
+        </p:txBody>
+      </p:sp>
+      <p:pic>
+        <p:nvPicPr>
+          <p:cNvPr id="5" name="Imagen 4">
+            <a:extLst>
+              <a:ext uri="{FF2B5EF4-FFF2-40B4-BE49-F238E27FC236}">
+                <a16:creationId xmlns:a16="http://schemas.microsoft.com/office/drawing/2014/main" id="{C4457B2C-B79F-4150-BB5D-A24D71826B92}"/>
+              </a:ext>
+            </a:extLst>
+          </p:cNvPr>
+          <p:cNvPicPr>
+            <a:picLocks noChangeAspect="1"/>
+          </p:cNvPicPr>
+          <p:nvPr/>
+        </p:nvPicPr>
+        <p:blipFill>
+          <a:blip r:embed="rId2"/>
+          <a:stretch>
+            <a:fillRect/>
+          </a:stretch>
+        </p:blipFill>
+        <p:spPr>
+          <a:xfrm>
+            <a:off x="2938462" y="3564461"/>
+            <a:ext cx="6315075" cy="2066925"/>
+          </a:xfrm>
+          <a:prstGeom prst="rect">
+            <a:avLst/>
+          </a:prstGeom>
+        </p:spPr>
+      </p:pic>
+    </p:spTree>
+    <p:extLst>
+      <p:ext uri="{BB962C8B-B14F-4D97-AF65-F5344CB8AC3E}">
+        <p14:creationId xmlns:p14="http://schemas.microsoft.com/office/powerpoint/2010/main" val="1621275380"/>
+      </p:ext>
+    </p:extLst>
+  </p:cSld>
+  <p:clrMapOvr>
+    <a:masterClrMapping/>
+  </p:clrMapOvr>
+</p:sld>
+</file>
+
+<file path=ppt/slides/slide39.xml><?xml version="1.0" encoding="utf-8"?>
+<p:sld xmlns:a="http://schemas.openxmlformats.org/drawingml/2006/main" xmlns:r="http://schemas.openxmlformats.org/officeDocument/2006/relationships" xmlns:p="http://schemas.openxmlformats.org/presentationml/2006/main">
+  <p:cSld>
+    <p:spTree>
+      <p:nvGrpSpPr>
+        <p:cNvPr id="1" name=""/>
+        <p:cNvGrpSpPr/>
+        <p:nvPr/>
+      </p:nvGrpSpPr>
+      <p:grpSpPr>
+        <a:xfrm>
+          <a:off x="0" y="0"/>
+          <a:ext cx="0" cy="0"/>
+          <a:chOff x="0" y="0"/>
+          <a:chExt cx="0" cy="0"/>
+        </a:xfrm>
+      </p:grpSpPr>
+      <p:sp>
+        <p:nvSpPr>
+          <p:cNvPr id="2" name="Título 1">
+            <a:extLst>
+              <a:ext uri="{FF2B5EF4-FFF2-40B4-BE49-F238E27FC236}">
+                <a16:creationId xmlns:a16="http://schemas.microsoft.com/office/drawing/2014/main" id="{275E50FA-5D89-45B3-B1E9-FA8823E85480}"/>
+              </a:ext>
+            </a:extLst>
+          </p:cNvPr>
+          <p:cNvSpPr>
+            <a:spLocks noGrp="1"/>
+          </p:cNvSpPr>
+          <p:nvPr>
+            <p:ph type="title"/>
+          </p:nvPr>
+        </p:nvSpPr>
+        <p:spPr/>
+        <p:txBody>
+          <a:bodyPr/>
+          <a:lstStyle/>
+          <a:p>
+            <a:r>
+              <a:rPr lang="es-ES" dirty="0"/>
+              <a:t>JavaScript básico: objetos</a:t>
+            </a:r>
+          </a:p>
+        </p:txBody>
+      </p:sp>
+      <p:sp>
+        <p:nvSpPr>
+          <p:cNvPr id="3" name="Marcador de contenido 2">
+            <a:extLst>
+              <a:ext uri="{FF2B5EF4-FFF2-40B4-BE49-F238E27FC236}">
+                <a16:creationId xmlns:a16="http://schemas.microsoft.com/office/drawing/2014/main" id="{97A7CF2C-AE83-47DB-85A2-A4C99B91339D}"/>
+              </a:ext>
+            </a:extLst>
+          </p:cNvPr>
+          <p:cNvSpPr>
+            <a:spLocks noGrp="1"/>
+          </p:cNvSpPr>
+          <p:nvPr>
+            <p:ph idx="1"/>
+          </p:nvPr>
+        </p:nvSpPr>
+        <p:spPr/>
+        <p:txBody>
+          <a:bodyPr/>
+          <a:lstStyle/>
+          <a:p>
+            <a:pPr algn="just"/>
+            <a:r>
+              <a:rPr lang="es-ES" dirty="0"/>
+              <a:t>Para acceder a las propiedades de un objeto se usa el operador </a:t>
+            </a:r>
+            <a:r>
+              <a:rPr lang="en-US" dirty="0"/>
+              <a:t>“.”.</a:t>
+            </a:r>
+          </a:p>
+          <a:p>
+            <a:pPr algn="just"/>
+            <a:endParaRPr lang="en-US" dirty="0"/>
+          </a:p>
+          <a:p>
+            <a:pPr algn="just"/>
+            <a:r>
+              <a:rPr lang="en-US" dirty="0"/>
+              <a:t>Por </a:t>
+            </a:r>
+            <a:r>
+              <a:rPr lang="en-US" dirty="0" err="1"/>
+              <a:t>ejemplo</a:t>
+            </a:r>
+            <a:r>
+              <a:rPr lang="es-ES" dirty="0"/>
+              <a:t>: console.log(jane.name) //</a:t>
+            </a:r>
+            <a:r>
+              <a:rPr lang="en-US" dirty="0"/>
+              <a:t>”Jane”</a:t>
+            </a:r>
+          </a:p>
+          <a:p>
+            <a:pPr algn="just"/>
+            <a:endParaRPr lang="en-US" dirty="0"/>
+          </a:p>
+          <a:p>
+            <a:pPr algn="just"/>
+            <a:r>
+              <a:rPr lang="en-US" dirty="0"/>
+              <a:t>console.log</a:t>
+            </a:r>
+            <a:r>
+              <a:rPr lang="es-ES" dirty="0"/>
+              <a:t>(</a:t>
+            </a:r>
+            <a:r>
+              <a:rPr lang="es-ES" dirty="0" err="1"/>
+              <a:t>jane.edad</a:t>
+            </a:r>
+            <a:r>
+              <a:rPr lang="es-ES" dirty="0"/>
+              <a:t>) //</a:t>
+            </a:r>
+            <a:r>
+              <a:rPr lang="es-ES" dirty="0" err="1"/>
+              <a:t>undefined</a:t>
+            </a:r>
+            <a:endParaRPr lang="en-US" dirty="0"/>
+          </a:p>
+          <a:p>
+            <a:pPr algn="just"/>
+            <a:endParaRPr lang="es-ES" dirty="0"/>
+          </a:p>
+        </p:txBody>
+      </p:sp>
+    </p:spTree>
+    <p:extLst>
+      <p:ext uri="{BB962C8B-B14F-4D97-AF65-F5344CB8AC3E}">
+        <p14:creationId xmlns:p14="http://schemas.microsoft.com/office/powerpoint/2010/main" val="970109695"/>
+      </p:ext>
+    </p:extLst>
+  </p:cSld>
+  <p:clrMapOvr>
+    <a:masterClrMapping/>
+  </p:clrMapOvr>
+</p:sld>
+</file>
+
 <file path=ppt/slides/slide4.xml><?xml version="1.0" encoding="utf-8"?>
 <p:sld xmlns:a="http://schemas.openxmlformats.org/drawingml/2006/main" xmlns:r="http://schemas.openxmlformats.org/officeDocument/2006/relationships" xmlns:p="http://schemas.openxmlformats.org/presentationml/2006/main">
   <p:cSld>
@@ -9804,6 +10225,488 @@
     <p:extLst>
       <p:ext uri="{BB962C8B-B14F-4D97-AF65-F5344CB8AC3E}">
         <p14:creationId xmlns:p14="http://schemas.microsoft.com/office/powerpoint/2010/main" val="2111025259"/>
+      </p:ext>
+    </p:extLst>
+  </p:cSld>
+  <p:clrMapOvr>
+    <a:masterClrMapping/>
+  </p:clrMapOvr>
+</p:sld>
+</file>
+
+<file path=ppt/slides/slide40.xml><?xml version="1.0" encoding="utf-8"?>
+<p:sld xmlns:a="http://schemas.openxmlformats.org/drawingml/2006/main" xmlns:r="http://schemas.openxmlformats.org/officeDocument/2006/relationships" xmlns:p="http://schemas.openxmlformats.org/presentationml/2006/main">
+  <p:cSld>
+    <p:spTree>
+      <p:nvGrpSpPr>
+        <p:cNvPr id="1" name=""/>
+        <p:cNvGrpSpPr/>
+        <p:nvPr/>
+      </p:nvGrpSpPr>
+      <p:grpSpPr>
+        <a:xfrm>
+          <a:off x="0" y="0"/>
+          <a:ext cx="0" cy="0"/>
+          <a:chOff x="0" y="0"/>
+          <a:chExt cx="0" cy="0"/>
+        </a:xfrm>
+      </p:grpSpPr>
+      <p:sp>
+        <p:nvSpPr>
+          <p:cNvPr id="2" name="Título 1">
+            <a:extLst>
+              <a:ext uri="{FF2B5EF4-FFF2-40B4-BE49-F238E27FC236}">
+                <a16:creationId xmlns:a16="http://schemas.microsoft.com/office/drawing/2014/main" id="{58647F75-E25B-415E-9DB5-3FE9BB747DFA}"/>
+              </a:ext>
+            </a:extLst>
+          </p:cNvPr>
+          <p:cNvSpPr>
+            <a:spLocks noGrp="1"/>
+          </p:cNvSpPr>
+          <p:nvPr>
+            <p:ph type="title"/>
+          </p:nvPr>
+        </p:nvSpPr>
+        <p:spPr/>
+        <p:txBody>
+          <a:bodyPr/>
+          <a:lstStyle/>
+          <a:p>
+            <a:r>
+              <a:rPr lang="es-ES" dirty="0"/>
+              <a:t>JavaScript básico: objetos</a:t>
+            </a:r>
+          </a:p>
+        </p:txBody>
+      </p:sp>
+      <p:sp>
+        <p:nvSpPr>
+          <p:cNvPr id="3" name="Marcador de contenido 2">
+            <a:extLst>
+              <a:ext uri="{FF2B5EF4-FFF2-40B4-BE49-F238E27FC236}">
+                <a16:creationId xmlns:a16="http://schemas.microsoft.com/office/drawing/2014/main" id="{1E8972CC-F7CE-4185-8EF8-F731CB1E734A}"/>
+              </a:ext>
+            </a:extLst>
+          </p:cNvPr>
+          <p:cNvSpPr>
+            <a:spLocks noGrp="1"/>
+          </p:cNvSpPr>
+          <p:nvPr>
+            <p:ph idx="1"/>
+          </p:nvPr>
+        </p:nvSpPr>
+        <p:spPr/>
+        <p:txBody>
+          <a:bodyPr/>
+          <a:lstStyle/>
+          <a:p>
+            <a:pPr algn="just"/>
+            <a:r>
+              <a:rPr lang="es-ES" dirty="0"/>
+              <a:t>Otra forma de acceder a las propiedades de un objeto es mediante el operador </a:t>
+            </a:r>
+            <a:r>
+              <a:rPr lang="en-US" dirty="0"/>
+              <a:t>[].</a:t>
+            </a:r>
+          </a:p>
+          <a:p>
+            <a:pPr algn="just"/>
+            <a:endParaRPr lang="en-US" dirty="0"/>
+          </a:p>
+          <a:p>
+            <a:pPr algn="just"/>
+            <a:r>
+              <a:rPr lang="en-US" dirty="0"/>
+              <a:t>Por </a:t>
+            </a:r>
+            <a:r>
+              <a:rPr lang="en-US" dirty="0" err="1"/>
+              <a:t>ejemplo</a:t>
+            </a:r>
+            <a:r>
+              <a:rPr lang="es-ES" dirty="0"/>
+              <a:t>: console.log(jane</a:t>
+            </a:r>
+            <a:r>
+              <a:rPr lang="en-US" dirty="0"/>
+              <a:t>[“name”]</a:t>
+            </a:r>
+            <a:r>
+              <a:rPr lang="es-ES" dirty="0"/>
+              <a:t>)</a:t>
+            </a:r>
+          </a:p>
+          <a:p>
+            <a:pPr algn="just"/>
+            <a:endParaRPr lang="es-ES" dirty="0"/>
+          </a:p>
+          <a:p>
+            <a:pPr algn="just"/>
+            <a:endParaRPr lang="es-ES" dirty="0"/>
+          </a:p>
+          <a:p>
+            <a:pPr marL="0" indent="0" algn="just">
+              <a:buNone/>
+            </a:pPr>
+            <a:r>
+              <a:rPr lang="es-ES" dirty="0"/>
+              <a:t>Esta ha sido una breve introducción a los objetos en JS. Seguiremos profundizando más. </a:t>
+            </a:r>
+          </a:p>
+        </p:txBody>
+      </p:sp>
+    </p:spTree>
+    <p:extLst>
+      <p:ext uri="{BB962C8B-B14F-4D97-AF65-F5344CB8AC3E}">
+        <p14:creationId xmlns:p14="http://schemas.microsoft.com/office/powerpoint/2010/main" val="28194179"/>
+      </p:ext>
+    </p:extLst>
+  </p:cSld>
+  <p:clrMapOvr>
+    <a:masterClrMapping/>
+  </p:clrMapOvr>
+</p:sld>
+</file>
+
+<file path=ppt/slides/slide41.xml><?xml version="1.0" encoding="utf-8"?>
+<p:sld xmlns:a="http://schemas.openxmlformats.org/drawingml/2006/main" xmlns:r="http://schemas.openxmlformats.org/officeDocument/2006/relationships" xmlns:p="http://schemas.openxmlformats.org/presentationml/2006/main">
+  <p:cSld>
+    <p:spTree>
+      <p:nvGrpSpPr>
+        <p:cNvPr id="1" name=""/>
+        <p:cNvGrpSpPr/>
+        <p:nvPr/>
+      </p:nvGrpSpPr>
+      <p:grpSpPr>
+        <a:xfrm>
+          <a:off x="0" y="0"/>
+          <a:ext cx="0" cy="0"/>
+          <a:chOff x="0" y="0"/>
+          <a:chExt cx="0" cy="0"/>
+        </a:xfrm>
+      </p:grpSpPr>
+      <p:sp>
+        <p:nvSpPr>
+          <p:cNvPr id="2" name="Título 1">
+            <a:extLst>
+              <a:ext uri="{FF2B5EF4-FFF2-40B4-BE49-F238E27FC236}">
+                <a16:creationId xmlns:a16="http://schemas.microsoft.com/office/drawing/2014/main" id="{8AA8734B-D19A-4844-BADE-C77899B37709}"/>
+              </a:ext>
+            </a:extLst>
+          </p:cNvPr>
+          <p:cNvSpPr>
+            <a:spLocks noGrp="1"/>
+          </p:cNvSpPr>
+          <p:nvPr>
+            <p:ph type="title"/>
+          </p:nvPr>
+        </p:nvSpPr>
+        <p:spPr/>
+        <p:txBody>
+          <a:bodyPr/>
+          <a:lstStyle/>
+          <a:p>
+            <a:r>
+              <a:rPr lang="es-ES" dirty="0"/>
+              <a:t>JavaScript básico: clases</a:t>
+            </a:r>
+          </a:p>
+        </p:txBody>
+      </p:sp>
+      <p:sp>
+        <p:nvSpPr>
+          <p:cNvPr id="3" name="Marcador de contenido 2">
+            <a:extLst>
+              <a:ext uri="{FF2B5EF4-FFF2-40B4-BE49-F238E27FC236}">
+                <a16:creationId xmlns:a16="http://schemas.microsoft.com/office/drawing/2014/main" id="{E5BA0508-6949-4748-B738-084EBEEF3C89}"/>
+              </a:ext>
+            </a:extLst>
+          </p:cNvPr>
+          <p:cNvSpPr>
+            <a:spLocks noGrp="1"/>
+          </p:cNvSpPr>
+          <p:nvPr>
+            <p:ph idx="1"/>
+          </p:nvPr>
+        </p:nvSpPr>
+        <p:spPr/>
+        <p:txBody>
+          <a:bodyPr/>
+          <a:lstStyle/>
+          <a:p>
+            <a:r>
+              <a:rPr lang="es-ES" dirty="0"/>
+              <a:t>Una clase, en POO, puede verse como una plantilla a partir de la cual se crean objetos.</a:t>
+            </a:r>
+          </a:p>
+          <a:p>
+            <a:r>
+              <a:rPr lang="es-ES" dirty="0"/>
+              <a:t>Por ejemplo:</a:t>
+            </a:r>
+          </a:p>
+          <a:p>
+            <a:endParaRPr lang="es-ES" dirty="0"/>
+          </a:p>
+        </p:txBody>
+      </p:sp>
+      <p:pic>
+        <p:nvPicPr>
+          <p:cNvPr id="5" name="Imagen 4">
+            <a:extLst>
+              <a:ext uri="{FF2B5EF4-FFF2-40B4-BE49-F238E27FC236}">
+                <a16:creationId xmlns:a16="http://schemas.microsoft.com/office/drawing/2014/main" id="{636FC30A-62A4-4D8F-BFE7-721303463974}"/>
+              </a:ext>
+            </a:extLst>
+          </p:cNvPr>
+          <p:cNvPicPr>
+            <a:picLocks noChangeAspect="1"/>
+          </p:cNvPicPr>
+          <p:nvPr/>
+        </p:nvPicPr>
+        <p:blipFill>
+          <a:blip r:embed="rId2"/>
+          <a:stretch>
+            <a:fillRect/>
+          </a:stretch>
+        </p:blipFill>
+        <p:spPr>
+          <a:xfrm>
+            <a:off x="3847264" y="3429000"/>
+            <a:ext cx="3743325" cy="2381250"/>
+          </a:xfrm>
+          <a:prstGeom prst="rect">
+            <a:avLst/>
+          </a:prstGeom>
+        </p:spPr>
+      </p:pic>
+    </p:spTree>
+    <p:extLst>
+      <p:ext uri="{BB962C8B-B14F-4D97-AF65-F5344CB8AC3E}">
+        <p14:creationId xmlns:p14="http://schemas.microsoft.com/office/powerpoint/2010/main" val="1344399403"/>
+      </p:ext>
+    </p:extLst>
+  </p:cSld>
+  <p:clrMapOvr>
+    <a:masterClrMapping/>
+  </p:clrMapOvr>
+</p:sld>
+</file>
+
+<file path=ppt/slides/slide42.xml><?xml version="1.0" encoding="utf-8"?>
+<p:sld xmlns:a="http://schemas.openxmlformats.org/drawingml/2006/main" xmlns:r="http://schemas.openxmlformats.org/officeDocument/2006/relationships" xmlns:p="http://schemas.openxmlformats.org/presentationml/2006/main">
+  <p:cSld>
+    <p:spTree>
+      <p:nvGrpSpPr>
+        <p:cNvPr id="1" name=""/>
+        <p:cNvGrpSpPr/>
+        <p:nvPr/>
+      </p:nvGrpSpPr>
+      <p:grpSpPr>
+        <a:xfrm>
+          <a:off x="0" y="0"/>
+          <a:ext cx="0" cy="0"/>
+          <a:chOff x="0" y="0"/>
+          <a:chExt cx="0" cy="0"/>
+        </a:xfrm>
+      </p:grpSpPr>
+      <p:sp>
+        <p:nvSpPr>
+          <p:cNvPr id="2" name="Título 1">
+            <a:extLst>
+              <a:ext uri="{FF2B5EF4-FFF2-40B4-BE49-F238E27FC236}">
+                <a16:creationId xmlns:a16="http://schemas.microsoft.com/office/drawing/2014/main" id="{EC4E3B1B-0C5F-403B-BA85-C0EA45C9A74D}"/>
+              </a:ext>
+            </a:extLst>
+          </p:cNvPr>
+          <p:cNvSpPr>
+            <a:spLocks noGrp="1"/>
+          </p:cNvSpPr>
+          <p:nvPr>
+            <p:ph type="title"/>
+          </p:nvPr>
+        </p:nvSpPr>
+        <p:spPr/>
+        <p:txBody>
+          <a:bodyPr/>
+          <a:lstStyle/>
+          <a:p>
+            <a:r>
+              <a:rPr lang="es-ES" dirty="0"/>
+              <a:t>JavaScript básico: clases</a:t>
+            </a:r>
+          </a:p>
+        </p:txBody>
+      </p:sp>
+      <p:sp>
+        <p:nvSpPr>
+          <p:cNvPr id="3" name="Marcador de contenido 2">
+            <a:extLst>
+              <a:ext uri="{FF2B5EF4-FFF2-40B4-BE49-F238E27FC236}">
+                <a16:creationId xmlns:a16="http://schemas.microsoft.com/office/drawing/2014/main" id="{B2323D8F-317C-4880-B2D2-AFF423FA06B3}"/>
+              </a:ext>
+            </a:extLst>
+          </p:cNvPr>
+          <p:cNvSpPr>
+            <a:spLocks noGrp="1"/>
+          </p:cNvSpPr>
+          <p:nvPr>
+            <p:ph idx="1"/>
+          </p:nvPr>
+        </p:nvSpPr>
+        <p:spPr/>
+        <p:txBody>
+          <a:bodyPr/>
+          <a:lstStyle/>
+          <a:p>
+            <a:pPr algn="just"/>
+            <a:r>
+              <a:rPr lang="es-ES" dirty="0"/>
+              <a:t>En una clase se define una función especial llamada “constructor</a:t>
+            </a:r>
+            <a:r>
+              <a:rPr lang="en-US" dirty="0"/>
+              <a:t>”. </a:t>
+            </a:r>
+          </a:p>
+          <a:p>
+            <a:pPr algn="just"/>
+            <a:r>
+              <a:rPr lang="en-US" dirty="0"/>
+              <a:t>Al constructor se le </a:t>
+            </a:r>
+            <a:r>
+              <a:rPr lang="en-US" dirty="0" err="1"/>
+              <a:t>envían</a:t>
+            </a:r>
+            <a:r>
+              <a:rPr lang="en-US" dirty="0"/>
+              <a:t> </a:t>
+            </a:r>
+            <a:r>
+              <a:rPr lang="en-US" dirty="0" err="1"/>
+              <a:t>todos</a:t>
+            </a:r>
+            <a:r>
+              <a:rPr lang="en-US" dirty="0"/>
+              <a:t> los </a:t>
+            </a:r>
+            <a:r>
+              <a:rPr lang="en-US" dirty="0" err="1"/>
+              <a:t>atributos</a:t>
+            </a:r>
+            <a:r>
+              <a:rPr lang="en-US" dirty="0"/>
+              <a:t> que </a:t>
+            </a:r>
+            <a:r>
+              <a:rPr lang="en-US" dirty="0" err="1"/>
+              <a:t>nuestra</a:t>
+            </a:r>
+            <a:r>
+              <a:rPr lang="en-US" dirty="0"/>
+              <a:t> </a:t>
+            </a:r>
+            <a:r>
+              <a:rPr lang="en-US" dirty="0" err="1"/>
+              <a:t>plantilla</a:t>
+            </a:r>
+            <a:r>
+              <a:rPr lang="en-US" dirty="0"/>
+              <a:t> </a:t>
+            </a:r>
+            <a:r>
+              <a:rPr lang="en-US" dirty="0" err="1"/>
+              <a:t>tendrá</a:t>
+            </a:r>
+            <a:r>
+              <a:rPr lang="en-US" dirty="0"/>
+              <a:t>.</a:t>
+            </a:r>
+          </a:p>
+          <a:p>
+            <a:pPr algn="just"/>
+            <a:r>
+              <a:rPr lang="en-US" dirty="0" err="1"/>
+              <a:t>Esos</a:t>
+            </a:r>
+            <a:r>
+              <a:rPr lang="en-US" dirty="0"/>
+              <a:t> </a:t>
+            </a:r>
+            <a:r>
+              <a:rPr lang="en-US" dirty="0" err="1"/>
+              <a:t>atributos</a:t>
+            </a:r>
+            <a:r>
+              <a:rPr lang="en-US" dirty="0"/>
+              <a:t> </a:t>
+            </a:r>
+            <a:r>
+              <a:rPr lang="en-US" dirty="0" err="1"/>
+              <a:t>serán</a:t>
+            </a:r>
+            <a:r>
+              <a:rPr lang="en-US" dirty="0"/>
+              <a:t> </a:t>
+            </a:r>
+            <a:r>
+              <a:rPr lang="en-US" dirty="0" err="1"/>
+              <a:t>compartidos</a:t>
+            </a:r>
+            <a:r>
+              <a:rPr lang="en-US" dirty="0"/>
+              <a:t> por </a:t>
+            </a:r>
+            <a:r>
+              <a:rPr lang="en-US" dirty="0" err="1"/>
+              <a:t>todos</a:t>
+            </a:r>
+            <a:r>
+              <a:rPr lang="en-US" dirty="0"/>
+              <a:t> los </a:t>
+            </a:r>
+            <a:r>
+              <a:rPr lang="en-US" dirty="0" err="1"/>
+              <a:t>objetos</a:t>
+            </a:r>
+            <a:r>
+              <a:rPr lang="en-US" dirty="0"/>
+              <a:t> que se </a:t>
+            </a:r>
+            <a:r>
+              <a:rPr lang="en-US" dirty="0" err="1"/>
+              <a:t>creen</a:t>
+            </a:r>
+            <a:r>
+              <a:rPr lang="en-US" dirty="0"/>
+              <a:t> de </a:t>
+            </a:r>
+            <a:r>
+              <a:rPr lang="en-US" dirty="0" err="1"/>
+              <a:t>esa</a:t>
+            </a:r>
+            <a:r>
+              <a:rPr lang="en-US" dirty="0"/>
+              <a:t> </a:t>
+            </a:r>
+            <a:r>
+              <a:rPr lang="en-US" dirty="0" err="1"/>
+              <a:t>clase</a:t>
+            </a:r>
+            <a:r>
+              <a:rPr lang="en-US" dirty="0"/>
+              <a:t>. </a:t>
+            </a:r>
+            <a:endParaRPr lang="es-ES" dirty="0"/>
+          </a:p>
+        </p:txBody>
+      </p:sp>
+    </p:spTree>
+    <p:extLst>
+      <p:ext uri="{BB962C8B-B14F-4D97-AF65-F5344CB8AC3E}">
+        <p14:creationId xmlns:p14="http://schemas.microsoft.com/office/powerpoint/2010/main" val="1711661259"/>
       </p:ext>
     </p:extLst>
   </p:cSld>

--- a/Presentacion.pptx
+++ b/Presentacion.pptx
@@ -5,7 +5,7 @@
     <p:sldMasterId id="2147483648" r:id="rId1"/>
   </p:sldMasterIdLst>
   <p:notesMasterIdLst>
-    <p:notesMasterId r:id="rId44"/>
+    <p:notesMasterId r:id="rId54"/>
   </p:notesMasterIdLst>
   <p:sldIdLst>
     <p:sldId id="256" r:id="rId2"/>
@@ -48,8 +48,18 @@
     <p:sldId id="296" r:id="rId39"/>
     <p:sldId id="297" r:id="rId40"/>
     <p:sldId id="298" r:id="rId41"/>
-    <p:sldId id="299" r:id="rId42"/>
-    <p:sldId id="300" r:id="rId43"/>
+    <p:sldId id="302" r:id="rId42"/>
+    <p:sldId id="303" r:id="rId43"/>
+    <p:sldId id="304" r:id="rId44"/>
+    <p:sldId id="305" r:id="rId45"/>
+    <p:sldId id="306" r:id="rId46"/>
+    <p:sldId id="307" r:id="rId47"/>
+    <p:sldId id="310" r:id="rId48"/>
+    <p:sldId id="309" r:id="rId49"/>
+    <p:sldId id="308" r:id="rId50"/>
+    <p:sldId id="299" r:id="rId51"/>
+    <p:sldId id="300" r:id="rId52"/>
+    <p:sldId id="301" r:id="rId53"/>
   </p:sldIdLst>
   <p:sldSz cx="12192000" cy="6858000"/>
   <p:notesSz cx="6858000" cy="9144000"/>
@@ -238,7 +248,7 @@
           <a:p>
             <a:fld id="{B1F018D7-01AD-4413-ACF1-CA5C284ABF1D}" type="datetimeFigureOut">
               <a:rPr lang="es-ES" smtClean="0"/>
-              <a:t>18/04/2022</a:t>
+              <a:t>20/04/2022</a:t>
             </a:fld>
             <a:endParaRPr lang="es-ES"/>
           </a:p>
@@ -841,6 +851,90 @@
 </p:notes>
 </file>
 
+<file path=ppt/notesSlides/notesSlide5.xml><?xml version="1.0" encoding="utf-8"?>
+<p:notes xmlns:a="http://schemas.openxmlformats.org/drawingml/2006/main" xmlns:r="http://schemas.openxmlformats.org/officeDocument/2006/relationships" xmlns:p="http://schemas.openxmlformats.org/presentationml/2006/main">
+  <p:cSld>
+    <p:spTree>
+      <p:nvGrpSpPr>
+        <p:cNvPr id="1" name=""/>
+        <p:cNvGrpSpPr/>
+        <p:nvPr/>
+      </p:nvGrpSpPr>
+      <p:grpSpPr>
+        <a:xfrm>
+          <a:off x="0" y="0"/>
+          <a:ext cx="0" cy="0"/>
+          <a:chOff x="0" y="0"/>
+          <a:chExt cx="0" cy="0"/>
+        </a:xfrm>
+      </p:grpSpPr>
+      <p:sp>
+        <p:nvSpPr>
+          <p:cNvPr id="2" name="Marcador de imagen de diapositiva 1"/>
+          <p:cNvSpPr>
+            <a:spLocks noGrp="1" noRot="1" noChangeAspect="1"/>
+          </p:cNvSpPr>
+          <p:nvPr>
+            <p:ph type="sldImg"/>
+          </p:nvPr>
+        </p:nvSpPr>
+        <p:spPr/>
+      </p:sp>
+      <p:sp>
+        <p:nvSpPr>
+          <p:cNvPr id="3" name="Marcador de notas 2"/>
+          <p:cNvSpPr>
+            <a:spLocks noGrp="1"/>
+          </p:cNvSpPr>
+          <p:nvPr>
+            <p:ph type="body" idx="1"/>
+          </p:nvPr>
+        </p:nvSpPr>
+        <p:spPr/>
+        <p:txBody>
+          <a:bodyPr/>
+          <a:lstStyle/>
+          <a:p>
+            <a:endParaRPr lang="es-ES" dirty="0"/>
+          </a:p>
+        </p:txBody>
+      </p:sp>
+      <p:sp>
+        <p:nvSpPr>
+          <p:cNvPr id="4" name="Marcador de número de diapositiva 3"/>
+          <p:cNvSpPr>
+            <a:spLocks noGrp="1"/>
+          </p:cNvSpPr>
+          <p:nvPr>
+            <p:ph type="sldNum" sz="quarter" idx="5"/>
+          </p:nvPr>
+        </p:nvSpPr>
+        <p:spPr/>
+        <p:txBody>
+          <a:bodyPr/>
+          <a:lstStyle/>
+          <a:p>
+            <a:fld id="{115F0914-A388-4757-8442-86BD77315D8F}" type="slidenum">
+              <a:rPr lang="es-ES" smtClean="0"/>
+              <a:t>48</a:t>
+            </a:fld>
+            <a:endParaRPr lang="es-ES"/>
+          </a:p>
+        </p:txBody>
+      </p:sp>
+    </p:spTree>
+    <p:extLst>
+      <p:ext uri="{BB962C8B-B14F-4D97-AF65-F5344CB8AC3E}">
+        <p14:creationId xmlns:p14="http://schemas.microsoft.com/office/powerpoint/2010/main" val="4091957789"/>
+      </p:ext>
+    </p:extLst>
+  </p:cSld>
+  <p:clrMapOvr>
+    <a:masterClrMapping/>
+  </p:clrMapOvr>
+</p:notes>
+</file>
+
 <file path=ppt/slideLayouts/slideLayout1.xml><?xml version="1.0" encoding="utf-8"?>
 <p:sldLayout xmlns:a="http://schemas.openxmlformats.org/drawingml/2006/main" xmlns:r="http://schemas.openxmlformats.org/officeDocument/2006/relationships" xmlns:p="http://schemas.openxmlformats.org/presentationml/2006/main" type="title" preserve="1">
   <p:cSld name="Diapositiva de título">
@@ -988,7 +1082,7 @@
           <a:p>
             <a:fld id="{17321F09-57B9-4431-8E2D-17B39AD68799}" type="datetimeFigureOut">
               <a:rPr lang="es-ES" smtClean="0"/>
-              <a:t>18/04/2022</a:t>
+              <a:t>20/04/2022</a:t>
             </a:fld>
             <a:endParaRPr lang="es-ES"/>
           </a:p>
@@ -1186,7 +1280,7 @@
           <a:p>
             <a:fld id="{17321F09-57B9-4431-8E2D-17B39AD68799}" type="datetimeFigureOut">
               <a:rPr lang="es-ES" smtClean="0"/>
-              <a:t>18/04/2022</a:t>
+              <a:t>20/04/2022</a:t>
             </a:fld>
             <a:endParaRPr lang="es-ES"/>
           </a:p>
@@ -1394,7 +1488,7 @@
           <a:p>
             <a:fld id="{17321F09-57B9-4431-8E2D-17B39AD68799}" type="datetimeFigureOut">
               <a:rPr lang="es-ES" smtClean="0"/>
-              <a:t>18/04/2022</a:t>
+              <a:t>20/04/2022</a:t>
             </a:fld>
             <a:endParaRPr lang="es-ES"/>
           </a:p>
@@ -1592,7 +1686,7 @@
           <a:p>
             <a:fld id="{17321F09-57B9-4431-8E2D-17B39AD68799}" type="datetimeFigureOut">
               <a:rPr lang="es-ES" smtClean="0"/>
-              <a:t>18/04/2022</a:t>
+              <a:t>20/04/2022</a:t>
             </a:fld>
             <a:endParaRPr lang="es-ES"/>
           </a:p>
@@ -1867,7 +1961,7 @@
           <a:p>
             <a:fld id="{17321F09-57B9-4431-8E2D-17B39AD68799}" type="datetimeFigureOut">
               <a:rPr lang="es-ES" smtClean="0"/>
-              <a:t>18/04/2022</a:t>
+              <a:t>20/04/2022</a:t>
             </a:fld>
             <a:endParaRPr lang="es-ES"/>
           </a:p>
@@ -2132,7 +2226,7 @@
           <a:p>
             <a:fld id="{17321F09-57B9-4431-8E2D-17B39AD68799}" type="datetimeFigureOut">
               <a:rPr lang="es-ES" smtClean="0"/>
-              <a:t>18/04/2022</a:t>
+              <a:t>20/04/2022</a:t>
             </a:fld>
             <a:endParaRPr lang="es-ES"/>
           </a:p>
@@ -2544,7 +2638,7 @@
           <a:p>
             <a:fld id="{17321F09-57B9-4431-8E2D-17B39AD68799}" type="datetimeFigureOut">
               <a:rPr lang="es-ES" smtClean="0"/>
-              <a:t>18/04/2022</a:t>
+              <a:t>20/04/2022</a:t>
             </a:fld>
             <a:endParaRPr lang="es-ES"/>
           </a:p>
@@ -2685,7 +2779,7 @@
           <a:p>
             <a:fld id="{17321F09-57B9-4431-8E2D-17B39AD68799}" type="datetimeFigureOut">
               <a:rPr lang="es-ES" smtClean="0"/>
-              <a:t>18/04/2022</a:t>
+              <a:t>20/04/2022</a:t>
             </a:fld>
             <a:endParaRPr lang="es-ES"/>
           </a:p>
@@ -2798,7 +2892,7 @@
           <a:p>
             <a:fld id="{17321F09-57B9-4431-8E2D-17B39AD68799}" type="datetimeFigureOut">
               <a:rPr lang="es-ES" smtClean="0"/>
-              <a:t>18/04/2022</a:t>
+              <a:t>20/04/2022</a:t>
             </a:fld>
             <a:endParaRPr lang="es-ES"/>
           </a:p>
@@ -3109,7 +3203,7 @@
           <a:p>
             <a:fld id="{17321F09-57B9-4431-8E2D-17B39AD68799}" type="datetimeFigureOut">
               <a:rPr lang="es-ES" smtClean="0"/>
-              <a:t>18/04/2022</a:t>
+              <a:t>20/04/2022</a:t>
             </a:fld>
             <a:endParaRPr lang="es-ES"/>
           </a:p>
@@ -3397,7 +3491,7 @@
           <a:p>
             <a:fld id="{17321F09-57B9-4431-8E2D-17B39AD68799}" type="datetimeFigureOut">
               <a:rPr lang="es-ES" smtClean="0"/>
-              <a:t>18/04/2022</a:t>
+              <a:t>20/04/2022</a:t>
             </a:fld>
             <a:endParaRPr lang="es-ES"/>
           </a:p>
@@ -3638,7 +3732,7 @@
           <a:p>
             <a:fld id="{17321F09-57B9-4431-8E2D-17B39AD68799}" type="datetimeFigureOut">
               <a:rPr lang="es-ES" smtClean="0"/>
-              <a:t>18/04/2022</a:t>
+              <a:t>20/04/2022</a:t>
             </a:fld>
             <a:endParaRPr lang="es-ES"/>
           </a:p>
@@ -10391,6 +10485,1445 @@
           <p:cNvPr id="2" name="Título 1">
             <a:extLst>
               <a:ext uri="{FF2B5EF4-FFF2-40B4-BE49-F238E27FC236}">
+                <a16:creationId xmlns:a16="http://schemas.microsoft.com/office/drawing/2014/main" id="{98A436F4-4D62-4065-8DE1-E7E66E2A59D2}"/>
+              </a:ext>
+            </a:extLst>
+          </p:cNvPr>
+          <p:cNvSpPr>
+            <a:spLocks noGrp="1"/>
+          </p:cNvSpPr>
+          <p:nvPr>
+            <p:ph type="title"/>
+          </p:nvPr>
+        </p:nvSpPr>
+        <p:spPr/>
+        <p:txBody>
+          <a:bodyPr/>
+          <a:lstStyle/>
+          <a:p>
+            <a:r>
+              <a:rPr lang="es-ES" dirty="0"/>
+              <a:t>JavaScript básico: </a:t>
+            </a:r>
+            <a:r>
+              <a:rPr lang="es-ES" dirty="0" err="1"/>
+              <a:t>arrays</a:t>
+            </a:r>
+            <a:endParaRPr lang="es-ES" dirty="0"/>
+          </a:p>
+        </p:txBody>
+      </p:sp>
+      <p:sp>
+        <p:nvSpPr>
+          <p:cNvPr id="3" name="Marcador de contenido 2">
+            <a:extLst>
+              <a:ext uri="{FF2B5EF4-FFF2-40B4-BE49-F238E27FC236}">
+                <a16:creationId xmlns:a16="http://schemas.microsoft.com/office/drawing/2014/main" id="{4306DDA8-B447-4EB6-825E-265DA0B0A50D}"/>
+              </a:ext>
+            </a:extLst>
+          </p:cNvPr>
+          <p:cNvSpPr>
+            <a:spLocks noGrp="1"/>
+          </p:cNvSpPr>
+          <p:nvPr>
+            <p:ph idx="1"/>
+          </p:nvPr>
+        </p:nvSpPr>
+        <p:spPr/>
+        <p:txBody>
+          <a:bodyPr/>
+          <a:lstStyle/>
+          <a:p>
+            <a:pPr algn="just"/>
+            <a:r>
+              <a:rPr lang="es-ES" dirty="0"/>
+              <a:t>La estructura de datos más utilizada en JS. </a:t>
+            </a:r>
+          </a:p>
+          <a:p>
+            <a:pPr algn="just"/>
+            <a:endParaRPr lang="es-ES" dirty="0"/>
+          </a:p>
+          <a:p>
+            <a:pPr algn="just"/>
+            <a:r>
+              <a:rPr lang="es-ES" dirty="0"/>
+              <a:t>En un array se almacena un conjunto de datos en la memoria, comenzando por la posición 0. </a:t>
+            </a:r>
+          </a:p>
+          <a:p>
+            <a:pPr algn="just"/>
+            <a:endParaRPr lang="es-ES" dirty="0"/>
+          </a:p>
+          <a:p>
+            <a:pPr algn="just"/>
+            <a:r>
+              <a:rPr lang="es-ES" dirty="0"/>
+              <a:t>Para acceder a un elemento del array, se usa el identificador del mismo y entre corchetes la posición del elemento al que se quiere acceder. </a:t>
+            </a:r>
+          </a:p>
+        </p:txBody>
+      </p:sp>
+    </p:spTree>
+    <p:extLst>
+      <p:ext uri="{BB962C8B-B14F-4D97-AF65-F5344CB8AC3E}">
+        <p14:creationId xmlns:p14="http://schemas.microsoft.com/office/powerpoint/2010/main" val="4013998053"/>
+      </p:ext>
+    </p:extLst>
+  </p:cSld>
+  <p:clrMapOvr>
+    <a:masterClrMapping/>
+  </p:clrMapOvr>
+</p:sld>
+</file>
+
+<file path=ppt/slides/slide42.xml><?xml version="1.0" encoding="utf-8"?>
+<p:sld xmlns:a="http://schemas.openxmlformats.org/drawingml/2006/main" xmlns:r="http://schemas.openxmlformats.org/officeDocument/2006/relationships" xmlns:p="http://schemas.openxmlformats.org/presentationml/2006/main">
+  <p:cSld>
+    <p:spTree>
+      <p:nvGrpSpPr>
+        <p:cNvPr id="1" name=""/>
+        <p:cNvGrpSpPr/>
+        <p:nvPr/>
+      </p:nvGrpSpPr>
+      <p:grpSpPr>
+        <a:xfrm>
+          <a:off x="0" y="0"/>
+          <a:ext cx="0" cy="0"/>
+          <a:chOff x="0" y="0"/>
+          <a:chExt cx="0" cy="0"/>
+        </a:xfrm>
+      </p:grpSpPr>
+      <p:sp>
+        <p:nvSpPr>
+          <p:cNvPr id="2" name="Título 1">
+            <a:extLst>
+              <a:ext uri="{FF2B5EF4-FFF2-40B4-BE49-F238E27FC236}">
+                <a16:creationId xmlns:a16="http://schemas.microsoft.com/office/drawing/2014/main" id="{3FF1435C-F53B-4029-B3E5-5AFB238A04F0}"/>
+              </a:ext>
+            </a:extLst>
+          </p:cNvPr>
+          <p:cNvSpPr>
+            <a:spLocks noGrp="1"/>
+          </p:cNvSpPr>
+          <p:nvPr>
+            <p:ph type="title"/>
+          </p:nvPr>
+        </p:nvSpPr>
+        <p:spPr/>
+        <p:txBody>
+          <a:bodyPr/>
+          <a:lstStyle/>
+          <a:p>
+            <a:r>
+              <a:rPr lang="es-ES" dirty="0"/>
+              <a:t>JavaScript básico: </a:t>
+            </a:r>
+            <a:r>
+              <a:rPr lang="es-ES" dirty="0" err="1"/>
+              <a:t>arrays</a:t>
+            </a:r>
+            <a:endParaRPr lang="es-ES" dirty="0"/>
+          </a:p>
+        </p:txBody>
+      </p:sp>
+      <p:sp>
+        <p:nvSpPr>
+          <p:cNvPr id="3" name="Marcador de contenido 2">
+            <a:extLst>
+              <a:ext uri="{FF2B5EF4-FFF2-40B4-BE49-F238E27FC236}">
+                <a16:creationId xmlns:a16="http://schemas.microsoft.com/office/drawing/2014/main" id="{339DA4C6-ACF0-4EB2-8B15-A6BA43039DFA}"/>
+              </a:ext>
+            </a:extLst>
+          </p:cNvPr>
+          <p:cNvSpPr>
+            <a:spLocks noGrp="1"/>
+          </p:cNvSpPr>
+          <p:nvPr>
+            <p:ph idx="1"/>
+          </p:nvPr>
+        </p:nvSpPr>
+        <p:spPr/>
+        <p:txBody>
+          <a:bodyPr/>
+          <a:lstStyle/>
+          <a:p>
+            <a:r>
+              <a:rPr lang="es-ES" dirty="0"/>
+              <a:t>Ejemplo: </a:t>
+            </a:r>
+          </a:p>
+          <a:p>
+            <a:endParaRPr lang="es-ES" dirty="0"/>
+          </a:p>
+        </p:txBody>
+      </p:sp>
+      <p:pic>
+        <p:nvPicPr>
+          <p:cNvPr id="9" name="Imagen 8">
+            <a:extLst>
+              <a:ext uri="{FF2B5EF4-FFF2-40B4-BE49-F238E27FC236}">
+                <a16:creationId xmlns:a16="http://schemas.microsoft.com/office/drawing/2014/main" id="{7F62B37D-A530-42DD-A9BE-A4397D97E5DF}"/>
+              </a:ext>
+            </a:extLst>
+          </p:cNvPr>
+          <p:cNvPicPr>
+            <a:picLocks noChangeAspect="1"/>
+          </p:cNvPicPr>
+          <p:nvPr/>
+        </p:nvPicPr>
+        <p:blipFill>
+          <a:blip r:embed="rId2"/>
+          <a:stretch>
+            <a:fillRect/>
+          </a:stretch>
+        </p:blipFill>
+        <p:spPr>
+          <a:xfrm>
+            <a:off x="838200" y="2793033"/>
+            <a:ext cx="4133850" cy="1762125"/>
+          </a:xfrm>
+          <a:prstGeom prst="rect">
+            <a:avLst/>
+          </a:prstGeom>
+        </p:spPr>
+      </p:pic>
+    </p:spTree>
+    <p:extLst>
+      <p:ext uri="{BB962C8B-B14F-4D97-AF65-F5344CB8AC3E}">
+        <p14:creationId xmlns:p14="http://schemas.microsoft.com/office/powerpoint/2010/main" val="2614174654"/>
+      </p:ext>
+    </p:extLst>
+  </p:cSld>
+  <p:clrMapOvr>
+    <a:masterClrMapping/>
+  </p:clrMapOvr>
+</p:sld>
+</file>
+
+<file path=ppt/slides/slide43.xml><?xml version="1.0" encoding="utf-8"?>
+<p:sld xmlns:a="http://schemas.openxmlformats.org/drawingml/2006/main" xmlns:r="http://schemas.openxmlformats.org/officeDocument/2006/relationships" xmlns:p="http://schemas.openxmlformats.org/presentationml/2006/main">
+  <p:cSld>
+    <p:spTree>
+      <p:nvGrpSpPr>
+        <p:cNvPr id="1" name=""/>
+        <p:cNvGrpSpPr/>
+        <p:nvPr/>
+      </p:nvGrpSpPr>
+      <p:grpSpPr>
+        <a:xfrm>
+          <a:off x="0" y="0"/>
+          <a:ext cx="0" cy="0"/>
+          <a:chOff x="0" y="0"/>
+          <a:chExt cx="0" cy="0"/>
+        </a:xfrm>
+      </p:grpSpPr>
+      <p:sp>
+        <p:nvSpPr>
+          <p:cNvPr id="2" name="Título 1">
+            <a:extLst>
+              <a:ext uri="{FF2B5EF4-FFF2-40B4-BE49-F238E27FC236}">
+                <a16:creationId xmlns:a16="http://schemas.microsoft.com/office/drawing/2014/main" id="{E0EAAAE5-E033-4750-9397-DF02647E1226}"/>
+              </a:ext>
+            </a:extLst>
+          </p:cNvPr>
+          <p:cNvSpPr>
+            <a:spLocks noGrp="1"/>
+          </p:cNvSpPr>
+          <p:nvPr>
+            <p:ph type="title"/>
+          </p:nvPr>
+        </p:nvSpPr>
+        <p:spPr/>
+        <p:txBody>
+          <a:bodyPr/>
+          <a:lstStyle/>
+          <a:p>
+            <a:r>
+              <a:rPr lang="es-ES" dirty="0"/>
+              <a:t>JavaScript básico: </a:t>
+            </a:r>
+            <a:r>
+              <a:rPr lang="es-ES" dirty="0" err="1"/>
+              <a:t>arrays</a:t>
+            </a:r>
+            <a:endParaRPr lang="es-ES" dirty="0"/>
+          </a:p>
+        </p:txBody>
+      </p:sp>
+      <p:sp>
+        <p:nvSpPr>
+          <p:cNvPr id="3" name="Marcador de contenido 2">
+            <a:extLst>
+              <a:ext uri="{FF2B5EF4-FFF2-40B4-BE49-F238E27FC236}">
+                <a16:creationId xmlns:a16="http://schemas.microsoft.com/office/drawing/2014/main" id="{C414A4DA-26D9-41C1-A182-99EE0D3F58C4}"/>
+              </a:ext>
+            </a:extLst>
+          </p:cNvPr>
+          <p:cNvSpPr>
+            <a:spLocks noGrp="1"/>
+          </p:cNvSpPr>
+          <p:nvPr>
+            <p:ph idx="1"/>
+          </p:nvPr>
+        </p:nvSpPr>
+        <p:spPr/>
+        <p:txBody>
+          <a:bodyPr/>
+          <a:lstStyle/>
+          <a:p>
+            <a:pPr algn="just"/>
+            <a:r>
+              <a:rPr lang="en-US" dirty="0" err="1"/>
+              <a:t>En</a:t>
+            </a:r>
+            <a:r>
+              <a:rPr lang="en-US" dirty="0"/>
+              <a:t> </a:t>
+            </a:r>
+            <a:r>
+              <a:rPr lang="en-US" dirty="0" err="1"/>
+              <a:t>lenguajes</a:t>
+            </a:r>
+            <a:r>
+              <a:rPr lang="en-US" dirty="0"/>
+              <a:t> de </a:t>
+            </a:r>
+            <a:r>
+              <a:rPr lang="en-US" dirty="0" err="1"/>
+              <a:t>programación</a:t>
+            </a:r>
+            <a:r>
+              <a:rPr lang="en-US" dirty="0"/>
+              <a:t> </a:t>
+            </a:r>
+            <a:r>
+              <a:rPr lang="en-US" dirty="0" err="1"/>
+              <a:t>tipados</a:t>
+            </a:r>
+            <a:r>
+              <a:rPr lang="en-US" dirty="0"/>
+              <a:t>, los </a:t>
+            </a:r>
+            <a:r>
+              <a:rPr lang="en-US" dirty="0" err="1"/>
+              <a:t>elementos</a:t>
+            </a:r>
+            <a:r>
+              <a:rPr lang="en-US" dirty="0"/>
+              <a:t> que se </a:t>
+            </a:r>
+            <a:r>
+              <a:rPr lang="en-US" dirty="0" err="1"/>
+              <a:t>almacenan</a:t>
+            </a:r>
+            <a:r>
+              <a:rPr lang="en-US" dirty="0"/>
+              <a:t> </a:t>
+            </a:r>
+            <a:r>
+              <a:rPr lang="en-US" dirty="0" err="1"/>
+              <a:t>en</a:t>
+            </a:r>
+            <a:r>
+              <a:rPr lang="en-US" dirty="0"/>
+              <a:t> un array </a:t>
+            </a:r>
+            <a:r>
+              <a:rPr lang="en-US" dirty="0" err="1"/>
+              <a:t>tienen</a:t>
+            </a:r>
+            <a:r>
+              <a:rPr lang="en-US" dirty="0"/>
+              <a:t> que ser del </a:t>
+            </a:r>
+            <a:r>
+              <a:rPr lang="en-US" dirty="0" err="1"/>
+              <a:t>mismo</a:t>
+            </a:r>
+            <a:r>
+              <a:rPr lang="en-US" dirty="0"/>
+              <a:t> </a:t>
+            </a:r>
+            <a:r>
+              <a:rPr lang="en-US" dirty="0" err="1"/>
+              <a:t>tipo</a:t>
+            </a:r>
+            <a:r>
+              <a:rPr lang="en-US" dirty="0"/>
+              <a:t>. </a:t>
+            </a:r>
+          </a:p>
+          <a:p>
+            <a:pPr algn="just"/>
+            <a:endParaRPr lang="en-US" dirty="0"/>
+          </a:p>
+          <a:p>
+            <a:pPr algn="just"/>
+            <a:r>
+              <a:rPr lang="en-US" dirty="0"/>
+              <a:t>JS, al ser un </a:t>
+            </a:r>
+            <a:r>
+              <a:rPr lang="en-US" dirty="0" err="1"/>
+              <a:t>lenguaje</a:t>
+            </a:r>
+            <a:r>
+              <a:rPr lang="en-US" dirty="0"/>
+              <a:t> no </a:t>
+            </a:r>
+            <a:r>
+              <a:rPr lang="en-US" dirty="0" err="1"/>
+              <a:t>tipado</a:t>
+            </a:r>
+            <a:r>
+              <a:rPr lang="en-US" dirty="0"/>
+              <a:t>, </a:t>
+            </a:r>
+            <a:r>
+              <a:rPr lang="en-US" dirty="0" err="1"/>
+              <a:t>pues</a:t>
+            </a:r>
+            <a:r>
+              <a:rPr lang="en-US" dirty="0"/>
+              <a:t> no </a:t>
+            </a:r>
+            <a:r>
+              <a:rPr lang="en-US" dirty="0" err="1"/>
+              <a:t>cumple</a:t>
+            </a:r>
+            <a:r>
+              <a:rPr lang="en-US" dirty="0"/>
+              <a:t> con </a:t>
+            </a:r>
+            <a:r>
+              <a:rPr lang="en-US" dirty="0" err="1"/>
+              <a:t>esa</a:t>
+            </a:r>
+            <a:r>
+              <a:rPr lang="en-US" dirty="0"/>
+              <a:t> </a:t>
+            </a:r>
+            <a:r>
+              <a:rPr lang="en-US" dirty="0" err="1"/>
+              <a:t>restricción</a:t>
+            </a:r>
+            <a:r>
+              <a:rPr lang="en-US" dirty="0"/>
+              <a:t>. </a:t>
+            </a:r>
+            <a:endParaRPr lang="es-ES" dirty="0"/>
+          </a:p>
+        </p:txBody>
+      </p:sp>
+      <p:pic>
+        <p:nvPicPr>
+          <p:cNvPr id="5" name="Imagen 4">
+            <a:extLst>
+              <a:ext uri="{FF2B5EF4-FFF2-40B4-BE49-F238E27FC236}">
+                <a16:creationId xmlns:a16="http://schemas.microsoft.com/office/drawing/2014/main" id="{DBBDBD3B-4D0E-4D51-B0F3-72A07DEB9EDA}"/>
+              </a:ext>
+            </a:extLst>
+          </p:cNvPr>
+          <p:cNvPicPr>
+            <a:picLocks noChangeAspect="1"/>
+          </p:cNvPicPr>
+          <p:nvPr/>
+        </p:nvPicPr>
+        <p:blipFill>
+          <a:blip r:embed="rId2"/>
+          <a:stretch>
+            <a:fillRect/>
+          </a:stretch>
+        </p:blipFill>
+        <p:spPr>
+          <a:xfrm>
+            <a:off x="1023250" y="4450285"/>
+            <a:ext cx="6619875" cy="295275"/>
+          </a:xfrm>
+          <a:prstGeom prst="rect">
+            <a:avLst/>
+          </a:prstGeom>
+        </p:spPr>
+      </p:pic>
+    </p:spTree>
+    <p:extLst>
+      <p:ext uri="{BB962C8B-B14F-4D97-AF65-F5344CB8AC3E}">
+        <p14:creationId xmlns:p14="http://schemas.microsoft.com/office/powerpoint/2010/main" val="149115213"/>
+      </p:ext>
+    </p:extLst>
+  </p:cSld>
+  <p:clrMapOvr>
+    <a:masterClrMapping/>
+  </p:clrMapOvr>
+</p:sld>
+</file>
+
+<file path=ppt/slides/slide44.xml><?xml version="1.0" encoding="utf-8"?>
+<p:sld xmlns:a="http://schemas.openxmlformats.org/drawingml/2006/main" xmlns:r="http://schemas.openxmlformats.org/officeDocument/2006/relationships" xmlns:p="http://schemas.openxmlformats.org/presentationml/2006/main">
+  <p:cSld>
+    <p:spTree>
+      <p:nvGrpSpPr>
+        <p:cNvPr id="1" name=""/>
+        <p:cNvGrpSpPr/>
+        <p:nvPr/>
+      </p:nvGrpSpPr>
+      <p:grpSpPr>
+        <a:xfrm>
+          <a:off x="0" y="0"/>
+          <a:ext cx="0" cy="0"/>
+          <a:chOff x="0" y="0"/>
+          <a:chExt cx="0" cy="0"/>
+        </a:xfrm>
+      </p:grpSpPr>
+      <p:sp>
+        <p:nvSpPr>
+          <p:cNvPr id="2" name="Título 1">
+            <a:extLst>
+              <a:ext uri="{FF2B5EF4-FFF2-40B4-BE49-F238E27FC236}">
+                <a16:creationId xmlns:a16="http://schemas.microsoft.com/office/drawing/2014/main" id="{48A50DEC-8A61-41FE-B289-3A71B56AF7A8}"/>
+              </a:ext>
+            </a:extLst>
+          </p:cNvPr>
+          <p:cNvSpPr>
+            <a:spLocks noGrp="1"/>
+          </p:cNvSpPr>
+          <p:nvPr>
+            <p:ph type="title"/>
+          </p:nvPr>
+        </p:nvSpPr>
+        <p:spPr/>
+        <p:txBody>
+          <a:bodyPr/>
+          <a:lstStyle/>
+          <a:p>
+            <a:r>
+              <a:rPr lang="es-ES" dirty="0"/>
+              <a:t>JavaScript básico: </a:t>
+            </a:r>
+            <a:r>
+              <a:rPr lang="es-ES" dirty="0" err="1"/>
+              <a:t>arrays</a:t>
+            </a:r>
+            <a:endParaRPr lang="es-ES" dirty="0"/>
+          </a:p>
+        </p:txBody>
+      </p:sp>
+      <p:sp>
+        <p:nvSpPr>
+          <p:cNvPr id="3" name="Marcador de contenido 2">
+            <a:extLst>
+              <a:ext uri="{FF2B5EF4-FFF2-40B4-BE49-F238E27FC236}">
+                <a16:creationId xmlns:a16="http://schemas.microsoft.com/office/drawing/2014/main" id="{54D54159-A257-4EF9-8DC1-812BF31F24ED}"/>
+              </a:ext>
+            </a:extLst>
+          </p:cNvPr>
+          <p:cNvSpPr>
+            <a:spLocks noGrp="1"/>
+          </p:cNvSpPr>
+          <p:nvPr>
+            <p:ph idx="1"/>
+          </p:nvPr>
+        </p:nvSpPr>
+        <p:spPr/>
+        <p:txBody>
+          <a:bodyPr/>
+          <a:lstStyle/>
+          <a:p>
+            <a:r>
+              <a:rPr lang="en-US" dirty="0" err="1"/>
+              <a:t>En</a:t>
+            </a:r>
+            <a:r>
+              <a:rPr lang="en-US" dirty="0"/>
+              <a:t> </a:t>
+            </a:r>
+            <a:r>
+              <a:rPr lang="en-US" dirty="0" err="1"/>
+              <a:t>otros</a:t>
+            </a:r>
+            <a:r>
+              <a:rPr lang="en-US" dirty="0"/>
+              <a:t> </a:t>
+            </a:r>
+            <a:r>
+              <a:rPr lang="en-US" dirty="0" err="1"/>
+              <a:t>lenguajes</a:t>
+            </a:r>
+            <a:r>
+              <a:rPr lang="en-US" dirty="0"/>
+              <a:t> de </a:t>
+            </a:r>
+            <a:r>
+              <a:rPr lang="en-US" dirty="0" err="1"/>
+              <a:t>programación</a:t>
+            </a:r>
+            <a:r>
+              <a:rPr lang="en-US" dirty="0"/>
+              <a:t>, los </a:t>
+            </a:r>
+            <a:r>
+              <a:rPr lang="en-US" dirty="0" err="1"/>
+              <a:t>elementos</a:t>
+            </a:r>
+            <a:r>
+              <a:rPr lang="en-US" dirty="0"/>
+              <a:t> de un array se </a:t>
+            </a:r>
+            <a:r>
+              <a:rPr lang="en-US" dirty="0" err="1"/>
+              <a:t>almacenen</a:t>
+            </a:r>
+            <a:r>
+              <a:rPr lang="en-US" dirty="0"/>
+              <a:t> </a:t>
+            </a:r>
+            <a:r>
+              <a:rPr lang="en-US" dirty="0" err="1"/>
+              <a:t>en</a:t>
+            </a:r>
+            <a:r>
+              <a:rPr lang="en-US" dirty="0"/>
+              <a:t> </a:t>
+            </a:r>
+            <a:r>
+              <a:rPr lang="en-US" dirty="0" err="1"/>
+              <a:t>posiciones</a:t>
+            </a:r>
+            <a:r>
+              <a:rPr lang="en-US" dirty="0"/>
+              <a:t> </a:t>
+            </a:r>
+            <a:r>
+              <a:rPr lang="en-US" dirty="0" err="1"/>
+              <a:t>continuas</a:t>
+            </a:r>
+            <a:r>
+              <a:rPr lang="en-US" dirty="0"/>
+              <a:t> de la </a:t>
+            </a:r>
+            <a:r>
+              <a:rPr lang="en-US" dirty="0" err="1"/>
+              <a:t>memoria</a:t>
+            </a:r>
+            <a:r>
+              <a:rPr lang="en-US" dirty="0"/>
+              <a:t>. </a:t>
+            </a:r>
+          </a:p>
+          <a:p>
+            <a:endParaRPr lang="en-US" dirty="0"/>
+          </a:p>
+          <a:p>
+            <a:r>
+              <a:rPr lang="en-US" dirty="0"/>
+              <a:t>JavaScript, por ser JavaScript, no </a:t>
+            </a:r>
+            <a:r>
+              <a:rPr lang="en-US" dirty="0" err="1"/>
+              <a:t>cumple</a:t>
+            </a:r>
+            <a:r>
+              <a:rPr lang="en-US" dirty="0"/>
+              <a:t> con </a:t>
+            </a:r>
+            <a:r>
+              <a:rPr lang="en-US" dirty="0" err="1"/>
+              <a:t>esa</a:t>
+            </a:r>
+            <a:r>
+              <a:rPr lang="en-US" dirty="0"/>
+              <a:t> </a:t>
+            </a:r>
+            <a:r>
+              <a:rPr lang="en-US" dirty="0" err="1"/>
+              <a:t>restricción</a:t>
+            </a:r>
+            <a:r>
+              <a:rPr lang="en-US" dirty="0"/>
+              <a:t> </a:t>
+            </a:r>
+            <a:r>
+              <a:rPr lang="es-ES" dirty="0">
+                <a:sym typeface="Wingdings" panose="05000000000000000000" pitchFamily="2" charset="2"/>
+              </a:rPr>
+              <a:t>.</a:t>
+            </a:r>
+            <a:endParaRPr lang="es-ES" dirty="0"/>
+          </a:p>
+        </p:txBody>
+      </p:sp>
+    </p:spTree>
+    <p:extLst>
+      <p:ext uri="{BB962C8B-B14F-4D97-AF65-F5344CB8AC3E}">
+        <p14:creationId xmlns:p14="http://schemas.microsoft.com/office/powerpoint/2010/main" val="1969409074"/>
+      </p:ext>
+    </p:extLst>
+  </p:cSld>
+  <p:clrMapOvr>
+    <a:masterClrMapping/>
+  </p:clrMapOvr>
+</p:sld>
+</file>
+
+<file path=ppt/slides/slide45.xml><?xml version="1.0" encoding="utf-8"?>
+<p:sld xmlns:a="http://schemas.openxmlformats.org/drawingml/2006/main" xmlns:r="http://schemas.openxmlformats.org/officeDocument/2006/relationships" xmlns:p="http://schemas.openxmlformats.org/presentationml/2006/main">
+  <p:cSld>
+    <p:spTree>
+      <p:nvGrpSpPr>
+        <p:cNvPr id="1" name=""/>
+        <p:cNvGrpSpPr/>
+        <p:nvPr/>
+      </p:nvGrpSpPr>
+      <p:grpSpPr>
+        <a:xfrm>
+          <a:off x="0" y="0"/>
+          <a:ext cx="0" cy="0"/>
+          <a:chOff x="0" y="0"/>
+          <a:chExt cx="0" cy="0"/>
+        </a:xfrm>
+      </p:grpSpPr>
+      <p:sp>
+        <p:nvSpPr>
+          <p:cNvPr id="2" name="Título 1">
+            <a:extLst>
+              <a:ext uri="{FF2B5EF4-FFF2-40B4-BE49-F238E27FC236}">
+                <a16:creationId xmlns:a16="http://schemas.microsoft.com/office/drawing/2014/main" id="{91D492A9-B0B9-4DF2-8711-B7C2F3FE6BB9}"/>
+              </a:ext>
+            </a:extLst>
+          </p:cNvPr>
+          <p:cNvSpPr>
+            <a:spLocks noGrp="1"/>
+          </p:cNvSpPr>
+          <p:nvPr>
+            <p:ph type="title"/>
+          </p:nvPr>
+        </p:nvSpPr>
+        <p:spPr/>
+        <p:txBody>
+          <a:bodyPr/>
+          <a:lstStyle/>
+          <a:p>
+            <a:r>
+              <a:rPr lang="es-ES" dirty="0"/>
+              <a:t>JavaScript básico: </a:t>
+            </a:r>
+            <a:r>
+              <a:rPr lang="es-ES" dirty="0" err="1"/>
+              <a:t>arrays</a:t>
+            </a:r>
+            <a:endParaRPr lang="es-ES" dirty="0"/>
+          </a:p>
+        </p:txBody>
+      </p:sp>
+      <p:pic>
+        <p:nvPicPr>
+          <p:cNvPr id="5" name="Marcador de contenido 4">
+            <a:extLst>
+              <a:ext uri="{FF2B5EF4-FFF2-40B4-BE49-F238E27FC236}">
+                <a16:creationId xmlns:a16="http://schemas.microsoft.com/office/drawing/2014/main" id="{AAA2C347-9948-4C1E-8997-D034B306C96C}"/>
+              </a:ext>
+            </a:extLst>
+          </p:cNvPr>
+          <p:cNvPicPr>
+            <a:picLocks noGrp="1" noChangeAspect="1"/>
+          </p:cNvPicPr>
+          <p:nvPr>
+            <p:ph idx="1"/>
+          </p:nvPr>
+        </p:nvPicPr>
+        <p:blipFill>
+          <a:blip r:embed="rId2"/>
+          <a:stretch>
+            <a:fillRect/>
+          </a:stretch>
+        </p:blipFill>
+        <p:spPr>
+          <a:xfrm>
+            <a:off x="3779011" y="1825625"/>
+            <a:ext cx="4633977" cy="4351338"/>
+          </a:xfrm>
+        </p:spPr>
+      </p:pic>
+    </p:spTree>
+    <p:extLst>
+      <p:ext uri="{BB962C8B-B14F-4D97-AF65-F5344CB8AC3E}">
+        <p14:creationId xmlns:p14="http://schemas.microsoft.com/office/powerpoint/2010/main" val="4278164976"/>
+      </p:ext>
+    </p:extLst>
+  </p:cSld>
+  <p:clrMapOvr>
+    <a:masterClrMapping/>
+  </p:clrMapOvr>
+</p:sld>
+</file>
+
+<file path=ppt/slides/slide46.xml><?xml version="1.0" encoding="utf-8"?>
+<p:sld xmlns:a="http://schemas.openxmlformats.org/drawingml/2006/main" xmlns:r="http://schemas.openxmlformats.org/officeDocument/2006/relationships" xmlns:p="http://schemas.openxmlformats.org/presentationml/2006/main">
+  <p:cSld>
+    <p:spTree>
+      <p:nvGrpSpPr>
+        <p:cNvPr id="1" name=""/>
+        <p:cNvGrpSpPr/>
+        <p:nvPr/>
+      </p:nvGrpSpPr>
+      <p:grpSpPr>
+        <a:xfrm>
+          <a:off x="0" y="0"/>
+          <a:ext cx="0" cy="0"/>
+          <a:chOff x="0" y="0"/>
+          <a:chExt cx="0" cy="0"/>
+        </a:xfrm>
+      </p:grpSpPr>
+      <p:sp>
+        <p:nvSpPr>
+          <p:cNvPr id="2" name="Título 1">
+            <a:extLst>
+              <a:ext uri="{FF2B5EF4-FFF2-40B4-BE49-F238E27FC236}">
+                <a16:creationId xmlns:a16="http://schemas.microsoft.com/office/drawing/2014/main" id="{BAE0C01E-C3ED-4382-A71F-C1B3AE148B64}"/>
+              </a:ext>
+            </a:extLst>
+          </p:cNvPr>
+          <p:cNvSpPr>
+            <a:spLocks noGrp="1"/>
+          </p:cNvSpPr>
+          <p:nvPr>
+            <p:ph type="title"/>
+          </p:nvPr>
+        </p:nvSpPr>
+        <p:spPr/>
+        <p:txBody>
+          <a:bodyPr/>
+          <a:lstStyle/>
+          <a:p>
+            <a:r>
+              <a:rPr lang="es-ES" dirty="0"/>
+              <a:t>JavaScript básico: </a:t>
+            </a:r>
+            <a:r>
+              <a:rPr lang="es-ES" dirty="0" err="1"/>
+              <a:t>arrays</a:t>
+            </a:r>
+            <a:endParaRPr lang="es-ES" dirty="0"/>
+          </a:p>
+        </p:txBody>
+      </p:sp>
+      <p:sp>
+        <p:nvSpPr>
+          <p:cNvPr id="3" name="Marcador de contenido 2">
+            <a:extLst>
+              <a:ext uri="{FF2B5EF4-FFF2-40B4-BE49-F238E27FC236}">
+                <a16:creationId xmlns:a16="http://schemas.microsoft.com/office/drawing/2014/main" id="{36FB7447-E682-44CF-8327-46E000D06875}"/>
+              </a:ext>
+            </a:extLst>
+          </p:cNvPr>
+          <p:cNvSpPr>
+            <a:spLocks noGrp="1"/>
+          </p:cNvSpPr>
+          <p:nvPr>
+            <p:ph idx="1"/>
+          </p:nvPr>
+        </p:nvSpPr>
+        <p:spPr/>
+        <p:txBody>
+          <a:bodyPr/>
+          <a:lstStyle/>
+          <a:p>
+            <a:r>
+              <a:rPr lang="es-ES" dirty="0"/>
+              <a:t>Los elementos de un array pueden ser objetos también.</a:t>
+            </a:r>
+          </a:p>
+        </p:txBody>
+      </p:sp>
+      <p:pic>
+        <p:nvPicPr>
+          <p:cNvPr id="5" name="Imagen 4">
+            <a:extLst>
+              <a:ext uri="{FF2B5EF4-FFF2-40B4-BE49-F238E27FC236}">
+                <a16:creationId xmlns:a16="http://schemas.microsoft.com/office/drawing/2014/main" id="{A9A4B268-81E3-4ADC-8E9F-CB38941AD710}"/>
+              </a:ext>
+            </a:extLst>
+          </p:cNvPr>
+          <p:cNvPicPr>
+            <a:picLocks noChangeAspect="1"/>
+          </p:cNvPicPr>
+          <p:nvPr/>
+        </p:nvPicPr>
+        <p:blipFill>
+          <a:blip r:embed="rId2"/>
+          <a:stretch>
+            <a:fillRect/>
+          </a:stretch>
+        </p:blipFill>
+        <p:spPr>
+          <a:xfrm>
+            <a:off x="3469064" y="2491289"/>
+            <a:ext cx="4293026" cy="4191381"/>
+          </a:xfrm>
+          <a:prstGeom prst="rect">
+            <a:avLst/>
+          </a:prstGeom>
+        </p:spPr>
+      </p:pic>
+    </p:spTree>
+    <p:extLst>
+      <p:ext uri="{BB962C8B-B14F-4D97-AF65-F5344CB8AC3E}">
+        <p14:creationId xmlns:p14="http://schemas.microsoft.com/office/powerpoint/2010/main" val="1129916925"/>
+      </p:ext>
+    </p:extLst>
+  </p:cSld>
+  <p:clrMapOvr>
+    <a:masterClrMapping/>
+  </p:clrMapOvr>
+</p:sld>
+</file>
+
+<file path=ppt/slides/slide47.xml><?xml version="1.0" encoding="utf-8"?>
+<p:sld xmlns:a="http://schemas.openxmlformats.org/drawingml/2006/main" xmlns:r="http://schemas.openxmlformats.org/officeDocument/2006/relationships" xmlns:p="http://schemas.openxmlformats.org/presentationml/2006/main">
+  <p:cSld>
+    <p:spTree>
+      <p:nvGrpSpPr>
+        <p:cNvPr id="1" name=""/>
+        <p:cNvGrpSpPr/>
+        <p:nvPr/>
+      </p:nvGrpSpPr>
+      <p:grpSpPr>
+        <a:xfrm>
+          <a:off x="0" y="0"/>
+          <a:ext cx="0" cy="0"/>
+          <a:chOff x="0" y="0"/>
+          <a:chExt cx="0" cy="0"/>
+        </a:xfrm>
+      </p:grpSpPr>
+      <p:sp>
+        <p:nvSpPr>
+          <p:cNvPr id="2" name="Título 1">
+            <a:extLst>
+              <a:ext uri="{FF2B5EF4-FFF2-40B4-BE49-F238E27FC236}">
+                <a16:creationId xmlns:a16="http://schemas.microsoft.com/office/drawing/2014/main" id="{67372A79-79E5-49FC-AF96-3706E72E8D1F}"/>
+              </a:ext>
+            </a:extLst>
+          </p:cNvPr>
+          <p:cNvSpPr>
+            <a:spLocks noGrp="1"/>
+          </p:cNvSpPr>
+          <p:nvPr>
+            <p:ph type="title"/>
+          </p:nvPr>
+        </p:nvSpPr>
+        <p:spPr/>
+        <p:txBody>
+          <a:bodyPr/>
+          <a:lstStyle/>
+          <a:p>
+            <a:r>
+              <a:rPr lang="es-ES" dirty="0"/>
+              <a:t>Time </a:t>
+            </a:r>
+            <a:r>
+              <a:rPr lang="es-ES" dirty="0" err="1"/>
+              <a:t>to</a:t>
+            </a:r>
+            <a:r>
+              <a:rPr lang="es-ES" dirty="0"/>
+              <a:t> </a:t>
+            </a:r>
+            <a:r>
+              <a:rPr lang="es-ES" dirty="0" err="1"/>
+              <a:t>practice</a:t>
+            </a:r>
+            <a:endParaRPr lang="es-ES" dirty="0"/>
+          </a:p>
+        </p:txBody>
+      </p:sp>
+      <p:sp>
+        <p:nvSpPr>
+          <p:cNvPr id="3" name="Marcador de contenido 2">
+            <a:extLst>
+              <a:ext uri="{FF2B5EF4-FFF2-40B4-BE49-F238E27FC236}">
+                <a16:creationId xmlns:a16="http://schemas.microsoft.com/office/drawing/2014/main" id="{B0726AB0-08C3-411A-9256-221587AE47BE}"/>
+              </a:ext>
+            </a:extLst>
+          </p:cNvPr>
+          <p:cNvSpPr>
+            <a:spLocks noGrp="1"/>
+          </p:cNvSpPr>
+          <p:nvPr>
+            <p:ph idx="1"/>
+          </p:nvPr>
+        </p:nvSpPr>
+        <p:spPr>
+          <a:xfrm>
+            <a:off x="838200" y="1872759"/>
+            <a:ext cx="10515600" cy="4351338"/>
+          </a:xfrm>
+        </p:spPr>
+        <p:txBody>
+          <a:bodyPr/>
+          <a:lstStyle/>
+          <a:p>
+            <a:pPr marL="0" indent="0" algn="just">
+              <a:buNone/>
+            </a:pPr>
+            <a:r>
+              <a:rPr lang="es-ES" dirty="0"/>
+              <a:t>1- Dado un array de números, buscar el mayor. </a:t>
+            </a:r>
+          </a:p>
+          <a:p>
+            <a:pPr marL="0" indent="0" algn="just">
+              <a:buNone/>
+            </a:pPr>
+            <a:r>
+              <a:rPr lang="es-ES" dirty="0"/>
+              <a:t>2- Dado un array de </a:t>
+            </a:r>
+            <a:r>
+              <a:rPr lang="es-ES" dirty="0" err="1"/>
+              <a:t>string</a:t>
+            </a:r>
+            <a:r>
+              <a:rPr lang="es-ES" dirty="0"/>
+              <a:t>, devolver si el array contiene este elemento: </a:t>
+            </a:r>
+            <a:r>
+              <a:rPr lang="en-US" dirty="0"/>
+              <a:t>“hello world”.</a:t>
+            </a:r>
+          </a:p>
+          <a:p>
+            <a:pPr marL="0" indent="0" algn="just">
+              <a:buNone/>
+            </a:pPr>
+            <a:r>
+              <a:rPr lang="en-US" dirty="0"/>
+              <a:t>3- </a:t>
+            </a:r>
+            <a:r>
+              <a:rPr lang="es-ES" dirty="0"/>
+              <a:t>Dado un array de </a:t>
+            </a:r>
+            <a:r>
+              <a:rPr lang="es-ES" dirty="0" err="1"/>
+              <a:t>string</a:t>
+            </a:r>
+            <a:r>
+              <a:rPr lang="es-ES" dirty="0"/>
+              <a:t>, devolver la posición en el array que contiene este elemento: </a:t>
+            </a:r>
+            <a:r>
+              <a:rPr lang="en-US" dirty="0"/>
+              <a:t>“hello world”. </a:t>
+            </a:r>
+            <a:r>
+              <a:rPr lang="en-US" dirty="0" err="1"/>
+              <a:t>En</a:t>
+            </a:r>
+            <a:r>
+              <a:rPr lang="en-US" dirty="0"/>
+              <a:t> </a:t>
+            </a:r>
+            <a:r>
+              <a:rPr lang="en-US" dirty="0" err="1"/>
+              <a:t>caso</a:t>
+            </a:r>
+            <a:r>
+              <a:rPr lang="en-US" dirty="0"/>
+              <a:t> de no </a:t>
+            </a:r>
+            <a:r>
+              <a:rPr lang="en-US" dirty="0" err="1"/>
+              <a:t>existir</a:t>
+            </a:r>
+            <a:r>
+              <a:rPr lang="en-US" dirty="0"/>
+              <a:t> </a:t>
+            </a:r>
+            <a:r>
+              <a:rPr lang="en-US" dirty="0" err="1"/>
+              <a:t>devolver</a:t>
+            </a:r>
+            <a:r>
+              <a:rPr lang="en-US" dirty="0"/>
+              <a:t> -1.</a:t>
+            </a:r>
+          </a:p>
+          <a:p>
+            <a:pPr marL="0" indent="0" algn="just">
+              <a:buNone/>
+            </a:pPr>
+            <a:r>
+              <a:rPr lang="es-ES" dirty="0"/>
+              <a:t>4- Dado un array de números, devolver true si todos los elementos son pares. False en caso contrario.</a:t>
+            </a:r>
+          </a:p>
+          <a:p>
+            <a:pPr marL="0" indent="0" algn="just">
+              <a:buNone/>
+            </a:pPr>
+            <a:r>
+              <a:rPr lang="es-ES" dirty="0"/>
+              <a:t>5- Dado un array de </a:t>
+            </a:r>
+            <a:r>
+              <a:rPr lang="es-ES" dirty="0" err="1"/>
+              <a:t>strings</a:t>
+            </a:r>
+            <a:r>
+              <a:rPr lang="es-ES" dirty="0"/>
+              <a:t>, devolver los elementos en </a:t>
+            </a:r>
+            <a:r>
+              <a:rPr lang="es-ES"/>
+              <a:t>orden invertido.</a:t>
+            </a:r>
+            <a:endParaRPr lang="es-ES" dirty="0"/>
+          </a:p>
+        </p:txBody>
+      </p:sp>
+    </p:spTree>
+    <p:extLst>
+      <p:ext uri="{BB962C8B-B14F-4D97-AF65-F5344CB8AC3E}">
+        <p14:creationId xmlns:p14="http://schemas.microsoft.com/office/powerpoint/2010/main" val="1533658759"/>
+      </p:ext>
+    </p:extLst>
+  </p:cSld>
+  <p:clrMapOvr>
+    <a:masterClrMapping/>
+  </p:clrMapOvr>
+</p:sld>
+</file>
+
+<file path=ppt/slides/slide48.xml><?xml version="1.0" encoding="utf-8"?>
+<p:sld xmlns:a="http://schemas.openxmlformats.org/drawingml/2006/main" xmlns:r="http://schemas.openxmlformats.org/officeDocument/2006/relationships" xmlns:p="http://schemas.openxmlformats.org/presentationml/2006/main">
+  <p:cSld>
+    <p:spTree>
+      <p:nvGrpSpPr>
+        <p:cNvPr id="1" name=""/>
+        <p:cNvGrpSpPr/>
+        <p:nvPr/>
+      </p:nvGrpSpPr>
+      <p:grpSpPr>
+        <a:xfrm>
+          <a:off x="0" y="0"/>
+          <a:ext cx="0" cy="0"/>
+          <a:chOff x="0" y="0"/>
+          <a:chExt cx="0" cy="0"/>
+        </a:xfrm>
+      </p:grpSpPr>
+      <p:sp>
+        <p:nvSpPr>
+          <p:cNvPr id="5" name="Título 4">
+            <a:extLst>
+              <a:ext uri="{FF2B5EF4-FFF2-40B4-BE49-F238E27FC236}">
+                <a16:creationId xmlns:a16="http://schemas.microsoft.com/office/drawing/2014/main" id="{620B2B61-348F-46E3-87C7-06DFB169BE39}"/>
+              </a:ext>
+            </a:extLst>
+          </p:cNvPr>
+          <p:cNvSpPr>
+            <a:spLocks noGrp="1"/>
+          </p:cNvSpPr>
+          <p:nvPr>
+            <p:ph type="title"/>
+          </p:nvPr>
+        </p:nvSpPr>
+        <p:spPr/>
+        <p:txBody>
+          <a:bodyPr/>
+          <a:lstStyle/>
+          <a:p>
+            <a:endParaRPr lang="es-ES"/>
+          </a:p>
+        </p:txBody>
+      </p:sp>
+    </p:spTree>
+    <p:extLst>
+      <p:ext uri="{BB962C8B-B14F-4D97-AF65-F5344CB8AC3E}">
+        <p14:creationId xmlns:p14="http://schemas.microsoft.com/office/powerpoint/2010/main" val="1724292859"/>
+      </p:ext>
+    </p:extLst>
+  </p:cSld>
+  <p:clrMapOvr>
+    <a:masterClrMapping/>
+  </p:clrMapOvr>
+</p:sld>
+</file>
+
+<file path=ppt/slides/slide49.xml><?xml version="1.0" encoding="utf-8"?>
+<p:sld xmlns:a="http://schemas.openxmlformats.org/drawingml/2006/main" xmlns:r="http://schemas.openxmlformats.org/officeDocument/2006/relationships" xmlns:p="http://schemas.openxmlformats.org/presentationml/2006/main">
+  <p:cSld>
+    <p:spTree>
+      <p:nvGrpSpPr>
+        <p:cNvPr id="1" name=""/>
+        <p:cNvGrpSpPr/>
+        <p:nvPr/>
+      </p:nvGrpSpPr>
+      <p:grpSpPr>
+        <a:xfrm>
+          <a:off x="0" y="0"/>
+          <a:ext cx="0" cy="0"/>
+          <a:chOff x="0" y="0"/>
+          <a:chExt cx="0" cy="0"/>
+        </a:xfrm>
+      </p:grpSpPr>
+      <p:sp>
+        <p:nvSpPr>
+          <p:cNvPr id="2" name="Título 1">
+            <a:extLst>
+              <a:ext uri="{FF2B5EF4-FFF2-40B4-BE49-F238E27FC236}">
+                <a16:creationId xmlns:a16="http://schemas.microsoft.com/office/drawing/2014/main" id="{07C62872-BF48-4BD2-80E0-774C284BCFD0}"/>
+              </a:ext>
+            </a:extLst>
+          </p:cNvPr>
+          <p:cNvSpPr>
+            <a:spLocks noGrp="1"/>
+          </p:cNvSpPr>
+          <p:nvPr>
+            <p:ph type="title"/>
+          </p:nvPr>
+        </p:nvSpPr>
+        <p:spPr/>
+        <p:txBody>
+          <a:bodyPr/>
+          <a:lstStyle/>
+          <a:p>
+            <a:r>
+              <a:rPr lang="es-ES" dirty="0"/>
+              <a:t>JavaScript básico: </a:t>
+            </a:r>
+            <a:r>
+              <a:rPr lang="es-ES" dirty="0" err="1"/>
+              <a:t>arrays</a:t>
+            </a:r>
+            <a:endParaRPr lang="es-ES" dirty="0"/>
+          </a:p>
+        </p:txBody>
+      </p:sp>
+      <p:sp>
+        <p:nvSpPr>
+          <p:cNvPr id="3" name="Marcador de contenido 2">
+            <a:extLst>
+              <a:ext uri="{FF2B5EF4-FFF2-40B4-BE49-F238E27FC236}">
+                <a16:creationId xmlns:a16="http://schemas.microsoft.com/office/drawing/2014/main" id="{2150BB22-2A2D-4218-97E7-395A2FC9E2EA}"/>
+              </a:ext>
+            </a:extLst>
+          </p:cNvPr>
+          <p:cNvSpPr>
+            <a:spLocks noGrp="1"/>
+          </p:cNvSpPr>
+          <p:nvPr>
+            <p:ph idx="1"/>
+          </p:nvPr>
+        </p:nvSpPr>
+        <p:spPr/>
+        <p:txBody>
+          <a:bodyPr/>
+          <a:lstStyle/>
+          <a:p>
+            <a:pPr algn="just"/>
+            <a:r>
+              <a:rPr lang="es-ES" dirty="0"/>
+              <a:t>Los </a:t>
+            </a:r>
+            <a:r>
+              <a:rPr lang="es-ES" dirty="0" err="1"/>
+              <a:t>arrays</a:t>
+            </a:r>
+            <a:r>
+              <a:rPr lang="es-ES" dirty="0"/>
+              <a:t> no dejan de ser objetos. Por tanto, tienen propiedades y funciones que se pueden invocar.</a:t>
+            </a:r>
+          </a:p>
+          <a:p>
+            <a:pPr algn="just"/>
+            <a:endParaRPr lang="es-ES" dirty="0"/>
+          </a:p>
+          <a:p>
+            <a:pPr algn="just"/>
+            <a:endParaRPr lang="es-ES" dirty="0"/>
+          </a:p>
+        </p:txBody>
+      </p:sp>
+      <p:pic>
+        <p:nvPicPr>
+          <p:cNvPr id="5" name="Imagen 4">
+            <a:extLst>
+              <a:ext uri="{FF2B5EF4-FFF2-40B4-BE49-F238E27FC236}">
+                <a16:creationId xmlns:a16="http://schemas.microsoft.com/office/drawing/2014/main" id="{4AB69064-2817-47E7-A83A-84095DA6B693}"/>
+              </a:ext>
+            </a:extLst>
+          </p:cNvPr>
+          <p:cNvPicPr>
+            <a:picLocks noChangeAspect="1"/>
+          </p:cNvPicPr>
+          <p:nvPr/>
+        </p:nvPicPr>
+        <p:blipFill>
+          <a:blip r:embed="rId2"/>
+          <a:stretch>
+            <a:fillRect/>
+          </a:stretch>
+        </p:blipFill>
+        <p:spPr>
+          <a:xfrm>
+            <a:off x="2157364" y="3019131"/>
+            <a:ext cx="6972300" cy="2705100"/>
+          </a:xfrm>
+          <a:prstGeom prst="rect">
+            <a:avLst/>
+          </a:prstGeom>
+        </p:spPr>
+      </p:pic>
+    </p:spTree>
+    <p:extLst>
+      <p:ext uri="{BB962C8B-B14F-4D97-AF65-F5344CB8AC3E}">
+        <p14:creationId xmlns:p14="http://schemas.microsoft.com/office/powerpoint/2010/main" val="168906839"/>
+      </p:ext>
+    </p:extLst>
+  </p:cSld>
+  <p:clrMapOvr>
+    <a:masterClrMapping/>
+  </p:clrMapOvr>
+</p:sld>
+</file>
+
+<file path=ppt/slides/slide5.xml><?xml version="1.0" encoding="utf-8"?>
+<p:sld xmlns:a="http://schemas.openxmlformats.org/drawingml/2006/main" xmlns:r="http://schemas.openxmlformats.org/officeDocument/2006/relationships" xmlns:p="http://schemas.openxmlformats.org/presentationml/2006/main">
+  <p:cSld>
+    <p:spTree>
+      <p:nvGrpSpPr>
+        <p:cNvPr id="1" name=""/>
+        <p:cNvGrpSpPr/>
+        <p:nvPr/>
+      </p:nvGrpSpPr>
+      <p:grpSpPr>
+        <a:xfrm>
+          <a:off x="0" y="0"/>
+          <a:ext cx="0" cy="0"/>
+          <a:chOff x="0" y="0"/>
+          <a:chExt cx="0" cy="0"/>
+        </a:xfrm>
+      </p:grpSpPr>
+      <p:sp>
+        <p:nvSpPr>
+          <p:cNvPr id="2" name="Título 1">
+            <a:extLst>
+              <a:ext uri="{FF2B5EF4-FFF2-40B4-BE49-F238E27FC236}">
+                <a16:creationId xmlns:a16="http://schemas.microsoft.com/office/drawing/2014/main" id="{1280A393-407B-440E-B731-B604A7E78E76}"/>
+              </a:ext>
+            </a:extLst>
+          </p:cNvPr>
+          <p:cNvSpPr>
+            <a:spLocks noGrp="1"/>
+          </p:cNvSpPr>
+          <p:nvPr>
+            <p:ph type="title"/>
+          </p:nvPr>
+        </p:nvSpPr>
+        <p:spPr/>
+        <p:txBody>
+          <a:bodyPr/>
+          <a:lstStyle/>
+          <a:p>
+            <a:r>
+              <a:rPr lang="es-ES" dirty="0"/>
+              <a:t>Requisitos</a:t>
+            </a:r>
+          </a:p>
+        </p:txBody>
+      </p:sp>
+      <p:sp>
+        <p:nvSpPr>
+          <p:cNvPr id="3" name="Marcador de contenido 2">
+            <a:extLst>
+              <a:ext uri="{FF2B5EF4-FFF2-40B4-BE49-F238E27FC236}">
+                <a16:creationId xmlns:a16="http://schemas.microsoft.com/office/drawing/2014/main" id="{22DEC23A-6199-4323-883A-15FC89F30DB8}"/>
+              </a:ext>
+            </a:extLst>
+          </p:cNvPr>
+          <p:cNvSpPr>
+            <a:spLocks noGrp="1"/>
+          </p:cNvSpPr>
+          <p:nvPr>
+            <p:ph idx="1"/>
+          </p:nvPr>
+        </p:nvSpPr>
+        <p:spPr/>
+        <p:txBody>
+          <a:bodyPr/>
+          <a:lstStyle/>
+          <a:p>
+            <a:pPr algn="just"/>
+            <a:r>
+              <a:rPr lang="es-ES" dirty="0"/>
+              <a:t>Git</a:t>
+            </a:r>
+          </a:p>
+          <a:p>
+            <a:pPr algn="just"/>
+            <a:r>
+              <a:rPr lang="es-ES" dirty="0" err="1"/>
+              <a:t>NodeJS</a:t>
+            </a:r>
+            <a:endParaRPr lang="es-ES" dirty="0"/>
+          </a:p>
+          <a:p>
+            <a:pPr algn="just"/>
+            <a:r>
+              <a:rPr lang="es-ES" dirty="0"/>
+              <a:t>Visual Studio </a:t>
+            </a:r>
+            <a:r>
+              <a:rPr lang="es-ES" dirty="0" err="1"/>
+              <a:t>Code</a:t>
+            </a:r>
+            <a:endParaRPr lang="es-ES" dirty="0"/>
+          </a:p>
+          <a:p>
+            <a:pPr algn="just"/>
+            <a:r>
+              <a:rPr lang="es-ES" dirty="0"/>
+              <a:t>OpenSSL</a:t>
+            </a:r>
+          </a:p>
+        </p:txBody>
+      </p:sp>
+    </p:spTree>
+    <p:extLst>
+      <p:ext uri="{BB962C8B-B14F-4D97-AF65-F5344CB8AC3E}">
+        <p14:creationId xmlns:p14="http://schemas.microsoft.com/office/powerpoint/2010/main" val="129452445"/>
+      </p:ext>
+    </p:extLst>
+  </p:cSld>
+  <p:clrMapOvr>
+    <a:masterClrMapping/>
+  </p:clrMapOvr>
+</p:sld>
+</file>
+
+<file path=ppt/slides/slide50.xml><?xml version="1.0" encoding="utf-8"?>
+<p:sld xmlns:a="http://schemas.openxmlformats.org/drawingml/2006/main" xmlns:r="http://schemas.openxmlformats.org/officeDocument/2006/relationships" xmlns:p="http://schemas.openxmlformats.org/presentationml/2006/main">
+  <p:cSld>
+    <p:spTree>
+      <p:nvGrpSpPr>
+        <p:cNvPr id="1" name=""/>
+        <p:cNvGrpSpPr/>
+        <p:nvPr/>
+      </p:nvGrpSpPr>
+      <p:grpSpPr>
+        <a:xfrm>
+          <a:off x="0" y="0"/>
+          <a:ext cx="0" cy="0"/>
+          <a:chOff x="0" y="0"/>
+          <a:chExt cx="0" cy="0"/>
+        </a:xfrm>
+      </p:grpSpPr>
+      <p:sp>
+        <p:nvSpPr>
+          <p:cNvPr id="2" name="Título 1">
+            <a:extLst>
+              <a:ext uri="{FF2B5EF4-FFF2-40B4-BE49-F238E27FC236}">
                 <a16:creationId xmlns:a16="http://schemas.microsoft.com/office/drawing/2014/main" id="{8AA8734B-D19A-4844-BADE-C77899B37709}"/>
               </a:ext>
             </a:extLst>
@@ -10494,7 +12027,7 @@
 </p:sld>
 </file>
 
-<file path=ppt/slides/slide42.xml><?xml version="1.0" encoding="utf-8"?>
+<file path=ppt/slides/slide51.xml><?xml version="1.0" encoding="utf-8"?>
 <p:sld xmlns:a="http://schemas.openxmlformats.org/drawingml/2006/main" xmlns:r="http://schemas.openxmlformats.org/officeDocument/2006/relationships" xmlns:p="http://schemas.openxmlformats.org/presentationml/2006/main">
   <p:cSld>
     <p:spTree>
@@ -10567,11 +12100,15 @@
             </a:r>
             <a:r>
               <a:rPr lang="en-US" dirty="0"/>
-              <a:t>”. </a:t>
+              <a:t>”.</a:t>
             </a:r>
           </a:p>
           <a:p>
             <a:pPr algn="just"/>
+            <a:endParaRPr lang="en-US" dirty="0"/>
+          </a:p>
+          <a:p>
+            <a:pPr algn="just"/>
             <a:r>
               <a:rPr lang="en-US" dirty="0"/>
               <a:t>Al constructor se le </a:t>
@@ -10624,6 +12161,10 @@
               <a:rPr lang="en-US" dirty="0"/>
               <a:t>.</a:t>
             </a:r>
+          </a:p>
+          <a:p>
+            <a:pPr algn="just"/>
+            <a:endParaRPr lang="en-US" dirty="0"/>
           </a:p>
           <a:p>
             <a:pPr algn="just"/>
@@ -10716,7 +12257,7 @@
 </p:sld>
 </file>
 
-<file path=ppt/slides/slide5.xml><?xml version="1.0" encoding="utf-8"?>
+<file path=ppt/slides/slide52.xml><?xml version="1.0" encoding="utf-8"?>
 <p:sld xmlns:a="http://schemas.openxmlformats.org/drawingml/2006/main" xmlns:r="http://schemas.openxmlformats.org/officeDocument/2006/relationships" xmlns:p="http://schemas.openxmlformats.org/presentationml/2006/main">
   <p:cSld>
     <p:spTree>
@@ -10738,7 +12279,7 @@
           <p:cNvPr id="2" name="Título 1">
             <a:extLst>
               <a:ext uri="{FF2B5EF4-FFF2-40B4-BE49-F238E27FC236}">
-                <a16:creationId xmlns:a16="http://schemas.microsoft.com/office/drawing/2014/main" id="{1280A393-407B-440E-B731-B604A7E78E76}"/>
+                <a16:creationId xmlns:a16="http://schemas.microsoft.com/office/drawing/2014/main" id="{7F6D2EFD-F303-41CF-9F11-50D48D204DF7}"/>
               </a:ext>
             </a:extLst>
           </p:cNvPr>
@@ -10754,10 +12295,7 @@
           <a:bodyPr/>
           <a:lstStyle/>
           <a:p>
-            <a:r>
-              <a:rPr lang="es-ES" dirty="0"/>
-              <a:t>Requisitos</a:t>
-            </a:r>
+            <a:endParaRPr lang="es-ES"/>
           </a:p>
         </p:txBody>
       </p:sp>
@@ -10766,7 +12304,7 @@
           <p:cNvPr id="3" name="Marcador de contenido 2">
             <a:extLst>
               <a:ext uri="{FF2B5EF4-FFF2-40B4-BE49-F238E27FC236}">
-                <a16:creationId xmlns:a16="http://schemas.microsoft.com/office/drawing/2014/main" id="{22DEC23A-6199-4323-883A-15FC89F30DB8}"/>
+                <a16:creationId xmlns:a16="http://schemas.microsoft.com/office/drawing/2014/main" id="{731A288A-6FDC-4FD8-B171-45EF3E82C3A6}"/>
               </a:ext>
             </a:extLst>
           </p:cNvPr>
@@ -10782,45 +12320,14 @@
           <a:bodyPr/>
           <a:lstStyle/>
           <a:p>
-            <a:pPr algn="just"/>
-            <a:r>
-              <a:rPr lang="es-ES" dirty="0"/>
-              <a:t>Git</a:t>
-            </a:r>
-          </a:p>
-          <a:p>
-            <a:pPr algn="just"/>
-            <a:r>
-              <a:rPr lang="es-ES" dirty="0" err="1"/>
-              <a:t>NodeJS</a:t>
-            </a:r>
-            <a:endParaRPr lang="es-ES" dirty="0"/>
-          </a:p>
-          <a:p>
-            <a:pPr algn="just"/>
-            <a:r>
-              <a:rPr lang="es-ES" dirty="0"/>
-              <a:t>Visual Studio </a:t>
-            </a:r>
-            <a:r>
-              <a:rPr lang="es-ES" dirty="0" err="1"/>
-              <a:t>Code</a:t>
-            </a:r>
-            <a:endParaRPr lang="es-ES" dirty="0"/>
-          </a:p>
-          <a:p>
-            <a:pPr algn="just"/>
-            <a:r>
-              <a:rPr lang="es-ES" dirty="0"/>
-              <a:t>OpenSSL</a:t>
-            </a:r>
+            <a:endParaRPr lang="es-ES"/>
           </a:p>
         </p:txBody>
       </p:sp>
     </p:spTree>
     <p:extLst>
       <p:ext uri="{BB962C8B-B14F-4D97-AF65-F5344CB8AC3E}">
-        <p14:creationId xmlns:p14="http://schemas.microsoft.com/office/powerpoint/2010/main" val="129452445"/>
+        <p14:creationId xmlns:p14="http://schemas.microsoft.com/office/powerpoint/2010/main" val="957785590"/>
       </p:ext>
     </p:extLst>
   </p:cSld>

--- a/Presentacion.pptx
+++ b/Presentacion.pptx
@@ -5,7 +5,7 @@
     <p:sldMasterId id="2147483648" r:id="rId1"/>
   </p:sldMasterIdLst>
   <p:notesMasterIdLst>
-    <p:notesMasterId r:id="rId54"/>
+    <p:notesMasterId r:id="rId51"/>
   </p:notesMasterIdLst>
   <p:sldIdLst>
     <p:sldId id="256" r:id="rId2"/>
@@ -54,12 +54,9 @@
     <p:sldId id="305" r:id="rId45"/>
     <p:sldId id="306" r:id="rId46"/>
     <p:sldId id="307" r:id="rId47"/>
-    <p:sldId id="310" r:id="rId48"/>
-    <p:sldId id="309" r:id="rId49"/>
-    <p:sldId id="308" r:id="rId50"/>
-    <p:sldId id="299" r:id="rId51"/>
-    <p:sldId id="300" r:id="rId52"/>
-    <p:sldId id="301" r:id="rId53"/>
+    <p:sldId id="308" r:id="rId48"/>
+    <p:sldId id="310" r:id="rId49"/>
+    <p:sldId id="301" r:id="rId50"/>
   </p:sldIdLst>
   <p:sldSz cx="12192000" cy="6858000"/>
   <p:notesSz cx="6858000" cy="9144000"/>
@@ -248,7 +245,7 @@
           <a:p>
             <a:fld id="{B1F018D7-01AD-4413-ACF1-CA5C284ABF1D}" type="datetimeFigureOut">
               <a:rPr lang="es-ES" smtClean="0"/>
-              <a:t>20/04/2022</a:t>
+              <a:t>27/04/2022</a:t>
             </a:fld>
             <a:endParaRPr lang="es-ES"/>
           </a:p>
@@ -851,90 +848,6 @@
 </p:notes>
 </file>
 
-<file path=ppt/notesSlides/notesSlide5.xml><?xml version="1.0" encoding="utf-8"?>
-<p:notes xmlns:a="http://schemas.openxmlformats.org/drawingml/2006/main" xmlns:r="http://schemas.openxmlformats.org/officeDocument/2006/relationships" xmlns:p="http://schemas.openxmlformats.org/presentationml/2006/main">
-  <p:cSld>
-    <p:spTree>
-      <p:nvGrpSpPr>
-        <p:cNvPr id="1" name=""/>
-        <p:cNvGrpSpPr/>
-        <p:nvPr/>
-      </p:nvGrpSpPr>
-      <p:grpSpPr>
-        <a:xfrm>
-          <a:off x="0" y="0"/>
-          <a:ext cx="0" cy="0"/>
-          <a:chOff x="0" y="0"/>
-          <a:chExt cx="0" cy="0"/>
-        </a:xfrm>
-      </p:grpSpPr>
-      <p:sp>
-        <p:nvSpPr>
-          <p:cNvPr id="2" name="Marcador de imagen de diapositiva 1"/>
-          <p:cNvSpPr>
-            <a:spLocks noGrp="1" noRot="1" noChangeAspect="1"/>
-          </p:cNvSpPr>
-          <p:nvPr>
-            <p:ph type="sldImg"/>
-          </p:nvPr>
-        </p:nvSpPr>
-        <p:spPr/>
-      </p:sp>
-      <p:sp>
-        <p:nvSpPr>
-          <p:cNvPr id="3" name="Marcador de notas 2"/>
-          <p:cNvSpPr>
-            <a:spLocks noGrp="1"/>
-          </p:cNvSpPr>
-          <p:nvPr>
-            <p:ph type="body" idx="1"/>
-          </p:nvPr>
-        </p:nvSpPr>
-        <p:spPr/>
-        <p:txBody>
-          <a:bodyPr/>
-          <a:lstStyle/>
-          <a:p>
-            <a:endParaRPr lang="es-ES" dirty="0"/>
-          </a:p>
-        </p:txBody>
-      </p:sp>
-      <p:sp>
-        <p:nvSpPr>
-          <p:cNvPr id="4" name="Marcador de número de diapositiva 3"/>
-          <p:cNvSpPr>
-            <a:spLocks noGrp="1"/>
-          </p:cNvSpPr>
-          <p:nvPr>
-            <p:ph type="sldNum" sz="quarter" idx="5"/>
-          </p:nvPr>
-        </p:nvSpPr>
-        <p:spPr/>
-        <p:txBody>
-          <a:bodyPr/>
-          <a:lstStyle/>
-          <a:p>
-            <a:fld id="{115F0914-A388-4757-8442-86BD77315D8F}" type="slidenum">
-              <a:rPr lang="es-ES" smtClean="0"/>
-              <a:t>48</a:t>
-            </a:fld>
-            <a:endParaRPr lang="es-ES"/>
-          </a:p>
-        </p:txBody>
-      </p:sp>
-    </p:spTree>
-    <p:extLst>
-      <p:ext uri="{BB962C8B-B14F-4D97-AF65-F5344CB8AC3E}">
-        <p14:creationId xmlns:p14="http://schemas.microsoft.com/office/powerpoint/2010/main" val="4091957789"/>
-      </p:ext>
-    </p:extLst>
-  </p:cSld>
-  <p:clrMapOvr>
-    <a:masterClrMapping/>
-  </p:clrMapOvr>
-</p:notes>
-</file>
-
 <file path=ppt/slideLayouts/slideLayout1.xml><?xml version="1.0" encoding="utf-8"?>
 <p:sldLayout xmlns:a="http://schemas.openxmlformats.org/drawingml/2006/main" xmlns:r="http://schemas.openxmlformats.org/officeDocument/2006/relationships" xmlns:p="http://schemas.openxmlformats.org/presentationml/2006/main" type="title" preserve="1">
   <p:cSld name="Diapositiva de título">
@@ -1082,7 +995,7 @@
           <a:p>
             <a:fld id="{17321F09-57B9-4431-8E2D-17B39AD68799}" type="datetimeFigureOut">
               <a:rPr lang="es-ES" smtClean="0"/>
-              <a:t>20/04/2022</a:t>
+              <a:t>27/04/2022</a:t>
             </a:fld>
             <a:endParaRPr lang="es-ES"/>
           </a:p>
@@ -1280,7 +1193,7 @@
           <a:p>
             <a:fld id="{17321F09-57B9-4431-8E2D-17B39AD68799}" type="datetimeFigureOut">
               <a:rPr lang="es-ES" smtClean="0"/>
-              <a:t>20/04/2022</a:t>
+              <a:t>27/04/2022</a:t>
             </a:fld>
             <a:endParaRPr lang="es-ES"/>
           </a:p>
@@ -1488,7 +1401,7 @@
           <a:p>
             <a:fld id="{17321F09-57B9-4431-8E2D-17B39AD68799}" type="datetimeFigureOut">
               <a:rPr lang="es-ES" smtClean="0"/>
-              <a:t>20/04/2022</a:t>
+              <a:t>27/04/2022</a:t>
             </a:fld>
             <a:endParaRPr lang="es-ES"/>
           </a:p>
@@ -1686,7 +1599,7 @@
           <a:p>
             <a:fld id="{17321F09-57B9-4431-8E2D-17B39AD68799}" type="datetimeFigureOut">
               <a:rPr lang="es-ES" smtClean="0"/>
-              <a:t>20/04/2022</a:t>
+              <a:t>27/04/2022</a:t>
             </a:fld>
             <a:endParaRPr lang="es-ES"/>
           </a:p>
@@ -1961,7 +1874,7 @@
           <a:p>
             <a:fld id="{17321F09-57B9-4431-8E2D-17B39AD68799}" type="datetimeFigureOut">
               <a:rPr lang="es-ES" smtClean="0"/>
-              <a:t>20/04/2022</a:t>
+              <a:t>27/04/2022</a:t>
             </a:fld>
             <a:endParaRPr lang="es-ES"/>
           </a:p>
@@ -2226,7 +2139,7 @@
           <a:p>
             <a:fld id="{17321F09-57B9-4431-8E2D-17B39AD68799}" type="datetimeFigureOut">
               <a:rPr lang="es-ES" smtClean="0"/>
-              <a:t>20/04/2022</a:t>
+              <a:t>27/04/2022</a:t>
             </a:fld>
             <a:endParaRPr lang="es-ES"/>
           </a:p>
@@ -2638,7 +2551,7 @@
           <a:p>
             <a:fld id="{17321F09-57B9-4431-8E2D-17B39AD68799}" type="datetimeFigureOut">
               <a:rPr lang="es-ES" smtClean="0"/>
-              <a:t>20/04/2022</a:t>
+              <a:t>27/04/2022</a:t>
             </a:fld>
             <a:endParaRPr lang="es-ES"/>
           </a:p>
@@ -2779,7 +2692,7 @@
           <a:p>
             <a:fld id="{17321F09-57B9-4431-8E2D-17B39AD68799}" type="datetimeFigureOut">
               <a:rPr lang="es-ES" smtClean="0"/>
-              <a:t>20/04/2022</a:t>
+              <a:t>27/04/2022</a:t>
             </a:fld>
             <a:endParaRPr lang="es-ES"/>
           </a:p>
@@ -2892,7 +2805,7 @@
           <a:p>
             <a:fld id="{17321F09-57B9-4431-8E2D-17B39AD68799}" type="datetimeFigureOut">
               <a:rPr lang="es-ES" smtClean="0"/>
-              <a:t>20/04/2022</a:t>
+              <a:t>27/04/2022</a:t>
             </a:fld>
             <a:endParaRPr lang="es-ES"/>
           </a:p>
@@ -3203,7 +3116,7 @@
           <a:p>
             <a:fld id="{17321F09-57B9-4431-8E2D-17B39AD68799}" type="datetimeFigureOut">
               <a:rPr lang="es-ES" smtClean="0"/>
-              <a:t>20/04/2022</a:t>
+              <a:t>27/04/2022</a:t>
             </a:fld>
             <a:endParaRPr lang="es-ES"/>
           </a:p>
@@ -3491,7 +3404,7 @@
           <a:p>
             <a:fld id="{17321F09-57B9-4431-8E2D-17B39AD68799}" type="datetimeFigureOut">
               <a:rPr lang="es-ES" smtClean="0"/>
-              <a:t>20/04/2022</a:t>
+              <a:t>27/04/2022</a:t>
             </a:fld>
             <a:endParaRPr lang="es-ES"/>
           </a:p>
@@ -3732,7 +3645,7 @@
           <a:p>
             <a:fld id="{17321F09-57B9-4431-8E2D-17B39AD68799}" type="datetimeFigureOut">
               <a:rPr lang="es-ES" smtClean="0"/>
-              <a:t>20/04/2022</a:t>
+              <a:t>27/04/2022</a:t>
             </a:fld>
             <a:endParaRPr lang="es-ES"/>
           </a:p>
@@ -11401,277 +11314,6 @@
           <p:cNvPr id="2" name="Título 1">
             <a:extLst>
               <a:ext uri="{FF2B5EF4-FFF2-40B4-BE49-F238E27FC236}">
-                <a16:creationId xmlns:a16="http://schemas.microsoft.com/office/drawing/2014/main" id="{67372A79-79E5-49FC-AF96-3706E72E8D1F}"/>
-              </a:ext>
-            </a:extLst>
-          </p:cNvPr>
-          <p:cNvSpPr>
-            <a:spLocks noGrp="1"/>
-          </p:cNvSpPr>
-          <p:nvPr>
-            <p:ph type="title"/>
-          </p:nvPr>
-        </p:nvSpPr>
-        <p:spPr/>
-        <p:txBody>
-          <a:bodyPr/>
-          <a:lstStyle/>
-          <a:p>
-            <a:r>
-              <a:rPr lang="es-ES" dirty="0"/>
-              <a:t>Time </a:t>
-            </a:r>
-            <a:r>
-              <a:rPr lang="es-ES" dirty="0" err="1"/>
-              <a:t>to</a:t>
-            </a:r>
-            <a:r>
-              <a:rPr lang="es-ES" dirty="0"/>
-              <a:t> </a:t>
-            </a:r>
-            <a:r>
-              <a:rPr lang="es-ES" dirty="0" err="1"/>
-              <a:t>practice</a:t>
-            </a:r>
-            <a:endParaRPr lang="es-ES" dirty="0"/>
-          </a:p>
-        </p:txBody>
-      </p:sp>
-      <p:sp>
-        <p:nvSpPr>
-          <p:cNvPr id="3" name="Marcador de contenido 2">
-            <a:extLst>
-              <a:ext uri="{FF2B5EF4-FFF2-40B4-BE49-F238E27FC236}">
-                <a16:creationId xmlns:a16="http://schemas.microsoft.com/office/drawing/2014/main" id="{B0726AB0-08C3-411A-9256-221587AE47BE}"/>
-              </a:ext>
-            </a:extLst>
-          </p:cNvPr>
-          <p:cNvSpPr>
-            <a:spLocks noGrp="1"/>
-          </p:cNvSpPr>
-          <p:nvPr>
-            <p:ph idx="1"/>
-          </p:nvPr>
-        </p:nvSpPr>
-        <p:spPr>
-          <a:xfrm>
-            <a:off x="838200" y="1872759"/>
-            <a:ext cx="10515600" cy="4351338"/>
-          </a:xfrm>
-        </p:spPr>
-        <p:txBody>
-          <a:bodyPr/>
-          <a:lstStyle/>
-          <a:p>
-            <a:pPr marL="0" indent="0" algn="just">
-              <a:buNone/>
-            </a:pPr>
-            <a:r>
-              <a:rPr lang="es-ES" dirty="0"/>
-              <a:t>1- Dado un array de números, buscar el mayor. </a:t>
-            </a:r>
-          </a:p>
-          <a:p>
-            <a:pPr marL="0" indent="0" algn="just">
-              <a:buNone/>
-            </a:pPr>
-            <a:r>
-              <a:rPr lang="es-ES" dirty="0"/>
-              <a:t>2- Dado un array de </a:t>
-            </a:r>
-            <a:r>
-              <a:rPr lang="es-ES" dirty="0" err="1"/>
-              <a:t>string</a:t>
-            </a:r>
-            <a:r>
-              <a:rPr lang="es-ES" dirty="0"/>
-              <a:t>, devolver si el array contiene este elemento: </a:t>
-            </a:r>
-            <a:r>
-              <a:rPr lang="en-US" dirty="0"/>
-              <a:t>“hello world”.</a:t>
-            </a:r>
-          </a:p>
-          <a:p>
-            <a:pPr marL="0" indent="0" algn="just">
-              <a:buNone/>
-            </a:pPr>
-            <a:r>
-              <a:rPr lang="en-US" dirty="0"/>
-              <a:t>3- </a:t>
-            </a:r>
-            <a:r>
-              <a:rPr lang="es-ES" dirty="0"/>
-              <a:t>Dado un array de </a:t>
-            </a:r>
-            <a:r>
-              <a:rPr lang="es-ES" dirty="0" err="1"/>
-              <a:t>string</a:t>
-            </a:r>
-            <a:r>
-              <a:rPr lang="es-ES" dirty="0"/>
-              <a:t>, devolver la posición en el array que contiene este elemento: </a:t>
-            </a:r>
-            <a:r>
-              <a:rPr lang="en-US" dirty="0"/>
-              <a:t>“hello world”. </a:t>
-            </a:r>
-            <a:r>
-              <a:rPr lang="en-US" dirty="0" err="1"/>
-              <a:t>En</a:t>
-            </a:r>
-            <a:r>
-              <a:rPr lang="en-US" dirty="0"/>
-              <a:t> </a:t>
-            </a:r>
-            <a:r>
-              <a:rPr lang="en-US" dirty="0" err="1"/>
-              <a:t>caso</a:t>
-            </a:r>
-            <a:r>
-              <a:rPr lang="en-US" dirty="0"/>
-              <a:t> de no </a:t>
-            </a:r>
-            <a:r>
-              <a:rPr lang="en-US" dirty="0" err="1"/>
-              <a:t>existir</a:t>
-            </a:r>
-            <a:r>
-              <a:rPr lang="en-US" dirty="0"/>
-              <a:t> </a:t>
-            </a:r>
-            <a:r>
-              <a:rPr lang="en-US" dirty="0" err="1"/>
-              <a:t>devolver</a:t>
-            </a:r>
-            <a:r>
-              <a:rPr lang="en-US" dirty="0"/>
-              <a:t> -1.</a:t>
-            </a:r>
-          </a:p>
-          <a:p>
-            <a:pPr marL="0" indent="0" algn="just">
-              <a:buNone/>
-            </a:pPr>
-            <a:r>
-              <a:rPr lang="es-ES" dirty="0"/>
-              <a:t>4- Dado un array de números, devolver true si todos los elementos son pares. False en caso contrario.</a:t>
-            </a:r>
-          </a:p>
-          <a:p>
-            <a:pPr marL="0" indent="0" algn="just">
-              <a:buNone/>
-            </a:pPr>
-            <a:r>
-              <a:rPr lang="es-ES" dirty="0"/>
-              <a:t>5- Dado un array de </a:t>
-            </a:r>
-            <a:r>
-              <a:rPr lang="es-ES" dirty="0" err="1"/>
-              <a:t>strings</a:t>
-            </a:r>
-            <a:r>
-              <a:rPr lang="es-ES" dirty="0"/>
-              <a:t>, devolver los elementos en </a:t>
-            </a:r>
-            <a:r>
-              <a:rPr lang="es-ES"/>
-              <a:t>orden invertido.</a:t>
-            </a:r>
-            <a:endParaRPr lang="es-ES" dirty="0"/>
-          </a:p>
-        </p:txBody>
-      </p:sp>
-    </p:spTree>
-    <p:extLst>
-      <p:ext uri="{BB962C8B-B14F-4D97-AF65-F5344CB8AC3E}">
-        <p14:creationId xmlns:p14="http://schemas.microsoft.com/office/powerpoint/2010/main" val="1533658759"/>
-      </p:ext>
-    </p:extLst>
-  </p:cSld>
-  <p:clrMapOvr>
-    <a:masterClrMapping/>
-  </p:clrMapOvr>
-</p:sld>
-</file>
-
-<file path=ppt/slides/slide48.xml><?xml version="1.0" encoding="utf-8"?>
-<p:sld xmlns:a="http://schemas.openxmlformats.org/drawingml/2006/main" xmlns:r="http://schemas.openxmlformats.org/officeDocument/2006/relationships" xmlns:p="http://schemas.openxmlformats.org/presentationml/2006/main">
-  <p:cSld>
-    <p:spTree>
-      <p:nvGrpSpPr>
-        <p:cNvPr id="1" name=""/>
-        <p:cNvGrpSpPr/>
-        <p:nvPr/>
-      </p:nvGrpSpPr>
-      <p:grpSpPr>
-        <a:xfrm>
-          <a:off x="0" y="0"/>
-          <a:ext cx="0" cy="0"/>
-          <a:chOff x="0" y="0"/>
-          <a:chExt cx="0" cy="0"/>
-        </a:xfrm>
-      </p:grpSpPr>
-      <p:sp>
-        <p:nvSpPr>
-          <p:cNvPr id="5" name="Título 4">
-            <a:extLst>
-              <a:ext uri="{FF2B5EF4-FFF2-40B4-BE49-F238E27FC236}">
-                <a16:creationId xmlns:a16="http://schemas.microsoft.com/office/drawing/2014/main" id="{620B2B61-348F-46E3-87C7-06DFB169BE39}"/>
-              </a:ext>
-            </a:extLst>
-          </p:cNvPr>
-          <p:cNvSpPr>
-            <a:spLocks noGrp="1"/>
-          </p:cNvSpPr>
-          <p:nvPr>
-            <p:ph type="title"/>
-          </p:nvPr>
-        </p:nvSpPr>
-        <p:spPr/>
-        <p:txBody>
-          <a:bodyPr/>
-          <a:lstStyle/>
-          <a:p>
-            <a:endParaRPr lang="es-ES"/>
-          </a:p>
-        </p:txBody>
-      </p:sp>
-    </p:spTree>
-    <p:extLst>
-      <p:ext uri="{BB962C8B-B14F-4D97-AF65-F5344CB8AC3E}">
-        <p14:creationId xmlns:p14="http://schemas.microsoft.com/office/powerpoint/2010/main" val="1724292859"/>
-      </p:ext>
-    </p:extLst>
-  </p:cSld>
-  <p:clrMapOvr>
-    <a:masterClrMapping/>
-  </p:clrMapOvr>
-</p:sld>
-</file>
-
-<file path=ppt/slides/slide49.xml><?xml version="1.0" encoding="utf-8"?>
-<p:sld xmlns:a="http://schemas.openxmlformats.org/drawingml/2006/main" xmlns:r="http://schemas.openxmlformats.org/officeDocument/2006/relationships" xmlns:p="http://schemas.openxmlformats.org/presentationml/2006/main">
-  <p:cSld>
-    <p:spTree>
-      <p:nvGrpSpPr>
-        <p:cNvPr id="1" name=""/>
-        <p:cNvGrpSpPr/>
-        <p:nvPr/>
-      </p:nvGrpSpPr>
-      <p:grpSpPr>
-        <a:xfrm>
-          <a:off x="0" y="0"/>
-          <a:ext cx="0" cy="0"/>
-          <a:chOff x="0" y="0"/>
-          <a:chExt cx="0" cy="0"/>
-        </a:xfrm>
-      </p:grpSpPr>
-      <p:sp>
-        <p:nvSpPr>
-          <p:cNvPr id="2" name="Título 1">
-            <a:extLst>
-              <a:ext uri="{FF2B5EF4-FFF2-40B4-BE49-F238E27FC236}">
                 <a16:creationId xmlns:a16="http://schemas.microsoft.com/office/drawing/2014/main" id="{07C62872-BF48-4BD2-80E0-774C284BCFD0}"/>
               </a:ext>
             </a:extLst>
@@ -11788,6 +11430,386 @@
 </p:sld>
 </file>
 
+<file path=ppt/slides/slide48.xml><?xml version="1.0" encoding="utf-8"?>
+<p:sld xmlns:a="http://schemas.openxmlformats.org/drawingml/2006/main" xmlns:r="http://schemas.openxmlformats.org/officeDocument/2006/relationships" xmlns:p="http://schemas.openxmlformats.org/presentationml/2006/main">
+  <p:cSld>
+    <p:spTree>
+      <p:nvGrpSpPr>
+        <p:cNvPr id="1" name=""/>
+        <p:cNvGrpSpPr/>
+        <p:nvPr/>
+      </p:nvGrpSpPr>
+      <p:grpSpPr>
+        <a:xfrm>
+          <a:off x="0" y="0"/>
+          <a:ext cx="0" cy="0"/>
+          <a:chOff x="0" y="0"/>
+          <a:chExt cx="0" cy="0"/>
+        </a:xfrm>
+      </p:grpSpPr>
+      <p:sp>
+        <p:nvSpPr>
+          <p:cNvPr id="2" name="Título 1">
+            <a:extLst>
+              <a:ext uri="{FF2B5EF4-FFF2-40B4-BE49-F238E27FC236}">
+                <a16:creationId xmlns:a16="http://schemas.microsoft.com/office/drawing/2014/main" id="{67372A79-79E5-49FC-AF96-3706E72E8D1F}"/>
+              </a:ext>
+            </a:extLst>
+          </p:cNvPr>
+          <p:cNvSpPr>
+            <a:spLocks noGrp="1"/>
+          </p:cNvSpPr>
+          <p:nvPr>
+            <p:ph type="title"/>
+          </p:nvPr>
+        </p:nvSpPr>
+        <p:spPr/>
+        <p:txBody>
+          <a:bodyPr/>
+          <a:lstStyle/>
+          <a:p>
+            <a:r>
+              <a:rPr lang="es-ES" dirty="0"/>
+              <a:t>Time </a:t>
+            </a:r>
+            <a:r>
+              <a:rPr lang="es-ES" dirty="0" err="1"/>
+              <a:t>to</a:t>
+            </a:r>
+            <a:r>
+              <a:rPr lang="es-ES" dirty="0"/>
+              <a:t> </a:t>
+            </a:r>
+            <a:r>
+              <a:rPr lang="es-ES" dirty="0" err="1"/>
+              <a:t>practice</a:t>
+            </a:r>
+            <a:endParaRPr lang="es-ES" dirty="0"/>
+          </a:p>
+        </p:txBody>
+      </p:sp>
+      <p:sp>
+        <p:nvSpPr>
+          <p:cNvPr id="3" name="Marcador de contenido 2">
+            <a:extLst>
+              <a:ext uri="{FF2B5EF4-FFF2-40B4-BE49-F238E27FC236}">
+                <a16:creationId xmlns:a16="http://schemas.microsoft.com/office/drawing/2014/main" id="{B0726AB0-08C3-411A-9256-221587AE47BE}"/>
+              </a:ext>
+            </a:extLst>
+          </p:cNvPr>
+          <p:cNvSpPr>
+            <a:spLocks noGrp="1"/>
+          </p:cNvSpPr>
+          <p:nvPr>
+            <p:ph idx="1"/>
+          </p:nvPr>
+        </p:nvSpPr>
+        <p:spPr>
+          <a:xfrm>
+            <a:off x="838200" y="1872759"/>
+            <a:ext cx="10515600" cy="4351338"/>
+          </a:xfrm>
+        </p:spPr>
+        <p:txBody>
+          <a:bodyPr>
+            <a:normAutofit fontScale="92500"/>
+          </a:bodyPr>
+          <a:lstStyle/>
+          <a:p>
+            <a:pPr marL="0" indent="0" algn="just">
+              <a:buNone/>
+            </a:pPr>
+            <a:r>
+              <a:rPr lang="es-ES" dirty="0"/>
+              <a:t>8- Dado un array de números, buscar el mayor. </a:t>
+            </a:r>
+          </a:p>
+          <a:p>
+            <a:pPr marL="0" indent="0" algn="just">
+              <a:buNone/>
+            </a:pPr>
+            <a:r>
+              <a:rPr lang="es-ES" dirty="0"/>
+              <a:t>9- Dado un array de </a:t>
+            </a:r>
+            <a:r>
+              <a:rPr lang="es-ES" dirty="0" err="1"/>
+              <a:t>string</a:t>
+            </a:r>
+            <a:r>
+              <a:rPr lang="es-ES" dirty="0"/>
+              <a:t>, devolver si el array contiene este elemento: </a:t>
+            </a:r>
+            <a:r>
+              <a:rPr lang="en-US" dirty="0"/>
+              <a:t>“hello world”.</a:t>
+            </a:r>
+          </a:p>
+          <a:p>
+            <a:pPr marL="0" indent="0" algn="just">
+              <a:buNone/>
+            </a:pPr>
+            <a:r>
+              <a:rPr lang="en-US" dirty="0"/>
+              <a:t>10- </a:t>
+            </a:r>
+            <a:r>
+              <a:rPr lang="es-ES" dirty="0"/>
+              <a:t>Dado un array de </a:t>
+            </a:r>
+            <a:r>
+              <a:rPr lang="es-ES" dirty="0" err="1"/>
+              <a:t>string</a:t>
+            </a:r>
+            <a:r>
+              <a:rPr lang="es-ES" dirty="0"/>
+              <a:t>, devolver la primera posición en el array que contiene este elemento: </a:t>
+            </a:r>
+            <a:r>
+              <a:rPr lang="en-US" dirty="0"/>
+              <a:t>“hello world”. </a:t>
+            </a:r>
+            <a:r>
+              <a:rPr lang="en-US" dirty="0" err="1"/>
+              <a:t>En</a:t>
+            </a:r>
+            <a:r>
+              <a:rPr lang="en-US" dirty="0"/>
+              <a:t> </a:t>
+            </a:r>
+            <a:r>
+              <a:rPr lang="en-US" dirty="0" err="1"/>
+              <a:t>caso</a:t>
+            </a:r>
+            <a:r>
+              <a:rPr lang="en-US" dirty="0"/>
+              <a:t> de no </a:t>
+            </a:r>
+            <a:r>
+              <a:rPr lang="en-US" dirty="0" err="1"/>
+              <a:t>existir</a:t>
+            </a:r>
+            <a:r>
+              <a:rPr lang="en-US" dirty="0"/>
+              <a:t> </a:t>
+            </a:r>
+            <a:r>
+              <a:rPr lang="en-US" dirty="0" err="1"/>
+              <a:t>devolver</a:t>
+            </a:r>
+            <a:r>
+              <a:rPr lang="en-US" dirty="0"/>
+              <a:t> -1.</a:t>
+            </a:r>
+          </a:p>
+          <a:p>
+            <a:pPr marL="0" indent="0" algn="just">
+              <a:buNone/>
+            </a:pPr>
+            <a:r>
+              <a:rPr lang="en-US" dirty="0"/>
+              <a:t>11- </a:t>
+            </a:r>
+            <a:r>
+              <a:rPr lang="es-ES" dirty="0"/>
+              <a:t>Dado un array de </a:t>
+            </a:r>
+            <a:r>
+              <a:rPr lang="es-ES" dirty="0" err="1"/>
+              <a:t>string</a:t>
+            </a:r>
+            <a:r>
+              <a:rPr lang="es-ES" dirty="0"/>
+              <a:t>, devolver la última posición en el array que contiene este elemento: </a:t>
+            </a:r>
+            <a:r>
+              <a:rPr lang="en-US" dirty="0"/>
+              <a:t>“hello world”. </a:t>
+            </a:r>
+            <a:r>
+              <a:rPr lang="en-US" dirty="0" err="1"/>
+              <a:t>En</a:t>
+            </a:r>
+            <a:r>
+              <a:rPr lang="en-US" dirty="0"/>
+              <a:t> </a:t>
+            </a:r>
+            <a:r>
+              <a:rPr lang="en-US" dirty="0" err="1"/>
+              <a:t>caso</a:t>
+            </a:r>
+            <a:r>
+              <a:rPr lang="en-US" dirty="0"/>
+              <a:t> de no </a:t>
+            </a:r>
+            <a:r>
+              <a:rPr lang="en-US" dirty="0" err="1"/>
+              <a:t>existir</a:t>
+            </a:r>
+            <a:r>
+              <a:rPr lang="en-US" dirty="0"/>
+              <a:t> </a:t>
+            </a:r>
+            <a:r>
+              <a:rPr lang="en-US" dirty="0" err="1"/>
+              <a:t>devolver</a:t>
+            </a:r>
+            <a:r>
+              <a:rPr lang="en-US" dirty="0"/>
+              <a:t> -1.</a:t>
+            </a:r>
+          </a:p>
+          <a:p>
+            <a:pPr marL="0" indent="0" algn="just">
+              <a:buNone/>
+            </a:pPr>
+            <a:r>
+              <a:rPr lang="es-ES" dirty="0"/>
+              <a:t>12- Dado un array de números, devolver true si todos los elementos son pares. False en caso contrario.</a:t>
+            </a:r>
+          </a:p>
+        </p:txBody>
+      </p:sp>
+    </p:spTree>
+    <p:extLst>
+      <p:ext uri="{BB962C8B-B14F-4D97-AF65-F5344CB8AC3E}">
+        <p14:creationId xmlns:p14="http://schemas.microsoft.com/office/powerpoint/2010/main" val="1533658759"/>
+      </p:ext>
+    </p:extLst>
+  </p:cSld>
+  <p:clrMapOvr>
+    <a:masterClrMapping/>
+  </p:clrMapOvr>
+</p:sld>
+</file>
+
+<file path=ppt/slides/slide49.xml><?xml version="1.0" encoding="utf-8"?>
+<p:sld xmlns:a="http://schemas.openxmlformats.org/drawingml/2006/main" xmlns:r="http://schemas.openxmlformats.org/officeDocument/2006/relationships" xmlns:p="http://schemas.openxmlformats.org/presentationml/2006/main">
+  <p:cSld>
+    <p:spTree>
+      <p:nvGrpSpPr>
+        <p:cNvPr id="1" name=""/>
+        <p:cNvGrpSpPr/>
+        <p:nvPr/>
+      </p:nvGrpSpPr>
+      <p:grpSpPr>
+        <a:xfrm>
+          <a:off x="0" y="0"/>
+          <a:ext cx="0" cy="0"/>
+          <a:chOff x="0" y="0"/>
+          <a:chExt cx="0" cy="0"/>
+        </a:xfrm>
+      </p:grpSpPr>
+      <p:sp>
+        <p:nvSpPr>
+          <p:cNvPr id="2" name="Título 1">
+            <a:extLst>
+              <a:ext uri="{FF2B5EF4-FFF2-40B4-BE49-F238E27FC236}">
+                <a16:creationId xmlns:a16="http://schemas.microsoft.com/office/drawing/2014/main" id="{7F6D2EFD-F303-41CF-9F11-50D48D204DF7}"/>
+              </a:ext>
+            </a:extLst>
+          </p:cNvPr>
+          <p:cNvSpPr>
+            <a:spLocks noGrp="1"/>
+          </p:cNvSpPr>
+          <p:nvPr>
+            <p:ph type="title"/>
+          </p:nvPr>
+        </p:nvSpPr>
+        <p:spPr/>
+        <p:txBody>
+          <a:bodyPr/>
+          <a:lstStyle/>
+          <a:p>
+            <a:r>
+              <a:rPr lang="es-ES" dirty="0"/>
+              <a:t>Time </a:t>
+            </a:r>
+            <a:r>
+              <a:rPr lang="es-ES" dirty="0" err="1"/>
+              <a:t>to</a:t>
+            </a:r>
+            <a:r>
+              <a:rPr lang="es-ES" dirty="0"/>
+              <a:t> </a:t>
+            </a:r>
+            <a:r>
+              <a:rPr lang="es-ES" dirty="0" err="1"/>
+              <a:t>practice</a:t>
+            </a:r>
+            <a:endParaRPr lang="es-ES" dirty="0"/>
+          </a:p>
+        </p:txBody>
+      </p:sp>
+      <p:sp>
+        <p:nvSpPr>
+          <p:cNvPr id="3" name="Marcador de contenido 2">
+            <a:extLst>
+              <a:ext uri="{FF2B5EF4-FFF2-40B4-BE49-F238E27FC236}">
+                <a16:creationId xmlns:a16="http://schemas.microsoft.com/office/drawing/2014/main" id="{731A288A-6FDC-4FD8-B171-45EF3E82C3A6}"/>
+              </a:ext>
+            </a:extLst>
+          </p:cNvPr>
+          <p:cNvSpPr>
+            <a:spLocks noGrp="1"/>
+          </p:cNvSpPr>
+          <p:nvPr>
+            <p:ph idx="1"/>
+          </p:nvPr>
+        </p:nvSpPr>
+        <p:spPr/>
+        <p:txBody>
+          <a:bodyPr/>
+          <a:lstStyle/>
+          <a:p>
+            <a:r>
+              <a:rPr lang="es-ES" dirty="0"/>
+              <a:t>13- Dado un array de números, devolver un array con los números pares.</a:t>
+            </a:r>
+          </a:p>
+          <a:p>
+            <a:r>
+              <a:rPr lang="es-ES" dirty="0"/>
+              <a:t>14- Agregar un elemento en un array de números al final.</a:t>
+            </a:r>
+          </a:p>
+          <a:p>
+            <a:r>
+              <a:rPr lang="es-ES" dirty="0"/>
+              <a:t>15- Dados 2 </a:t>
+            </a:r>
+            <a:r>
+              <a:rPr lang="es-ES" dirty="0" err="1"/>
+              <a:t>arrays</a:t>
+            </a:r>
+            <a:r>
+              <a:rPr lang="es-ES" dirty="0"/>
+              <a:t> de números, devolver un array con la unión </a:t>
+            </a:r>
+            <a:r>
+              <a:rPr lang="es-ES"/>
+              <a:t>de los anteriores.</a:t>
+            </a:r>
+            <a:endParaRPr lang="es-ES" dirty="0"/>
+          </a:p>
+          <a:p>
+            <a:endParaRPr lang="es-ES" dirty="0"/>
+          </a:p>
+        </p:txBody>
+      </p:sp>
+    </p:spTree>
+    <p:extLst>
+      <p:ext uri="{BB962C8B-B14F-4D97-AF65-F5344CB8AC3E}">
+        <p14:creationId xmlns:p14="http://schemas.microsoft.com/office/powerpoint/2010/main" val="957785590"/>
+      </p:ext>
+    </p:extLst>
+  </p:cSld>
+  <p:clrMapOvr>
+    <a:masterClrMapping/>
+  </p:clrMapOvr>
+</p:sld>
+</file>
+
 <file path=ppt/slides/slide5.xml><?xml version="1.0" encoding="utf-8"?>
 <p:sld xmlns:a="http://schemas.openxmlformats.org/drawingml/2006/main" xmlns:r="http://schemas.openxmlformats.org/officeDocument/2006/relationships" xmlns:p="http://schemas.openxmlformats.org/presentationml/2006/main">
   <p:cSld>
@@ -11893,441 +11915,6 @@
     <p:extLst>
       <p:ext uri="{BB962C8B-B14F-4D97-AF65-F5344CB8AC3E}">
         <p14:creationId xmlns:p14="http://schemas.microsoft.com/office/powerpoint/2010/main" val="129452445"/>
-      </p:ext>
-    </p:extLst>
-  </p:cSld>
-  <p:clrMapOvr>
-    <a:masterClrMapping/>
-  </p:clrMapOvr>
-</p:sld>
-</file>
-
-<file path=ppt/slides/slide50.xml><?xml version="1.0" encoding="utf-8"?>
-<p:sld xmlns:a="http://schemas.openxmlformats.org/drawingml/2006/main" xmlns:r="http://schemas.openxmlformats.org/officeDocument/2006/relationships" xmlns:p="http://schemas.openxmlformats.org/presentationml/2006/main">
-  <p:cSld>
-    <p:spTree>
-      <p:nvGrpSpPr>
-        <p:cNvPr id="1" name=""/>
-        <p:cNvGrpSpPr/>
-        <p:nvPr/>
-      </p:nvGrpSpPr>
-      <p:grpSpPr>
-        <a:xfrm>
-          <a:off x="0" y="0"/>
-          <a:ext cx="0" cy="0"/>
-          <a:chOff x="0" y="0"/>
-          <a:chExt cx="0" cy="0"/>
-        </a:xfrm>
-      </p:grpSpPr>
-      <p:sp>
-        <p:nvSpPr>
-          <p:cNvPr id="2" name="Título 1">
-            <a:extLst>
-              <a:ext uri="{FF2B5EF4-FFF2-40B4-BE49-F238E27FC236}">
-                <a16:creationId xmlns:a16="http://schemas.microsoft.com/office/drawing/2014/main" id="{8AA8734B-D19A-4844-BADE-C77899B37709}"/>
-              </a:ext>
-            </a:extLst>
-          </p:cNvPr>
-          <p:cNvSpPr>
-            <a:spLocks noGrp="1"/>
-          </p:cNvSpPr>
-          <p:nvPr>
-            <p:ph type="title"/>
-          </p:nvPr>
-        </p:nvSpPr>
-        <p:spPr/>
-        <p:txBody>
-          <a:bodyPr/>
-          <a:lstStyle/>
-          <a:p>
-            <a:r>
-              <a:rPr lang="es-ES" dirty="0"/>
-              <a:t>JavaScript básico: clases</a:t>
-            </a:r>
-          </a:p>
-        </p:txBody>
-      </p:sp>
-      <p:sp>
-        <p:nvSpPr>
-          <p:cNvPr id="3" name="Marcador de contenido 2">
-            <a:extLst>
-              <a:ext uri="{FF2B5EF4-FFF2-40B4-BE49-F238E27FC236}">
-                <a16:creationId xmlns:a16="http://schemas.microsoft.com/office/drawing/2014/main" id="{E5BA0508-6949-4748-B738-084EBEEF3C89}"/>
-              </a:ext>
-            </a:extLst>
-          </p:cNvPr>
-          <p:cNvSpPr>
-            <a:spLocks noGrp="1"/>
-          </p:cNvSpPr>
-          <p:nvPr>
-            <p:ph idx="1"/>
-          </p:nvPr>
-        </p:nvSpPr>
-        <p:spPr/>
-        <p:txBody>
-          <a:bodyPr/>
-          <a:lstStyle/>
-          <a:p>
-            <a:r>
-              <a:rPr lang="es-ES" dirty="0"/>
-              <a:t>Una clase, en POO, puede verse como una plantilla a partir de la cual se crean objetos.</a:t>
-            </a:r>
-          </a:p>
-          <a:p>
-            <a:r>
-              <a:rPr lang="es-ES" dirty="0"/>
-              <a:t>Por ejemplo:</a:t>
-            </a:r>
-          </a:p>
-          <a:p>
-            <a:endParaRPr lang="es-ES" dirty="0"/>
-          </a:p>
-        </p:txBody>
-      </p:sp>
-      <p:pic>
-        <p:nvPicPr>
-          <p:cNvPr id="5" name="Imagen 4">
-            <a:extLst>
-              <a:ext uri="{FF2B5EF4-FFF2-40B4-BE49-F238E27FC236}">
-                <a16:creationId xmlns:a16="http://schemas.microsoft.com/office/drawing/2014/main" id="{636FC30A-62A4-4D8F-BFE7-721303463974}"/>
-              </a:ext>
-            </a:extLst>
-          </p:cNvPr>
-          <p:cNvPicPr>
-            <a:picLocks noChangeAspect="1"/>
-          </p:cNvPicPr>
-          <p:nvPr/>
-        </p:nvPicPr>
-        <p:blipFill>
-          <a:blip r:embed="rId2"/>
-          <a:stretch>
-            <a:fillRect/>
-          </a:stretch>
-        </p:blipFill>
-        <p:spPr>
-          <a:xfrm>
-            <a:off x="3847264" y="3429000"/>
-            <a:ext cx="3743325" cy="2381250"/>
-          </a:xfrm>
-          <a:prstGeom prst="rect">
-            <a:avLst/>
-          </a:prstGeom>
-        </p:spPr>
-      </p:pic>
-    </p:spTree>
-    <p:extLst>
-      <p:ext uri="{BB962C8B-B14F-4D97-AF65-F5344CB8AC3E}">
-        <p14:creationId xmlns:p14="http://schemas.microsoft.com/office/powerpoint/2010/main" val="1344399403"/>
-      </p:ext>
-    </p:extLst>
-  </p:cSld>
-  <p:clrMapOvr>
-    <a:masterClrMapping/>
-  </p:clrMapOvr>
-</p:sld>
-</file>
-
-<file path=ppt/slides/slide51.xml><?xml version="1.0" encoding="utf-8"?>
-<p:sld xmlns:a="http://schemas.openxmlformats.org/drawingml/2006/main" xmlns:r="http://schemas.openxmlformats.org/officeDocument/2006/relationships" xmlns:p="http://schemas.openxmlformats.org/presentationml/2006/main">
-  <p:cSld>
-    <p:spTree>
-      <p:nvGrpSpPr>
-        <p:cNvPr id="1" name=""/>
-        <p:cNvGrpSpPr/>
-        <p:nvPr/>
-      </p:nvGrpSpPr>
-      <p:grpSpPr>
-        <a:xfrm>
-          <a:off x="0" y="0"/>
-          <a:ext cx="0" cy="0"/>
-          <a:chOff x="0" y="0"/>
-          <a:chExt cx="0" cy="0"/>
-        </a:xfrm>
-      </p:grpSpPr>
-      <p:sp>
-        <p:nvSpPr>
-          <p:cNvPr id="2" name="Título 1">
-            <a:extLst>
-              <a:ext uri="{FF2B5EF4-FFF2-40B4-BE49-F238E27FC236}">
-                <a16:creationId xmlns:a16="http://schemas.microsoft.com/office/drawing/2014/main" id="{EC4E3B1B-0C5F-403B-BA85-C0EA45C9A74D}"/>
-              </a:ext>
-            </a:extLst>
-          </p:cNvPr>
-          <p:cNvSpPr>
-            <a:spLocks noGrp="1"/>
-          </p:cNvSpPr>
-          <p:nvPr>
-            <p:ph type="title"/>
-          </p:nvPr>
-        </p:nvSpPr>
-        <p:spPr/>
-        <p:txBody>
-          <a:bodyPr/>
-          <a:lstStyle/>
-          <a:p>
-            <a:r>
-              <a:rPr lang="es-ES" dirty="0"/>
-              <a:t>JavaScript básico: clases</a:t>
-            </a:r>
-          </a:p>
-        </p:txBody>
-      </p:sp>
-      <p:sp>
-        <p:nvSpPr>
-          <p:cNvPr id="3" name="Marcador de contenido 2">
-            <a:extLst>
-              <a:ext uri="{FF2B5EF4-FFF2-40B4-BE49-F238E27FC236}">
-                <a16:creationId xmlns:a16="http://schemas.microsoft.com/office/drawing/2014/main" id="{B2323D8F-317C-4880-B2D2-AFF423FA06B3}"/>
-              </a:ext>
-            </a:extLst>
-          </p:cNvPr>
-          <p:cNvSpPr>
-            <a:spLocks noGrp="1"/>
-          </p:cNvSpPr>
-          <p:nvPr>
-            <p:ph idx="1"/>
-          </p:nvPr>
-        </p:nvSpPr>
-        <p:spPr/>
-        <p:txBody>
-          <a:bodyPr/>
-          <a:lstStyle/>
-          <a:p>
-            <a:pPr algn="just"/>
-            <a:r>
-              <a:rPr lang="es-ES" dirty="0"/>
-              <a:t>En una clase se define una función especial llamada “constructor</a:t>
-            </a:r>
-            <a:r>
-              <a:rPr lang="en-US" dirty="0"/>
-              <a:t>”.</a:t>
-            </a:r>
-          </a:p>
-          <a:p>
-            <a:pPr algn="just"/>
-            <a:endParaRPr lang="en-US" dirty="0"/>
-          </a:p>
-          <a:p>
-            <a:pPr algn="just"/>
-            <a:r>
-              <a:rPr lang="en-US" dirty="0"/>
-              <a:t>Al constructor se le </a:t>
-            </a:r>
-            <a:r>
-              <a:rPr lang="en-US" dirty="0" err="1"/>
-              <a:t>envían</a:t>
-            </a:r>
-            <a:r>
-              <a:rPr lang="en-US" dirty="0"/>
-              <a:t> </a:t>
-            </a:r>
-            <a:r>
-              <a:rPr lang="en-US" dirty="0" err="1"/>
-              <a:t>todos</a:t>
-            </a:r>
-            <a:r>
-              <a:rPr lang="en-US" dirty="0"/>
-              <a:t> los </a:t>
-            </a:r>
-            <a:r>
-              <a:rPr lang="en-US" dirty="0" err="1"/>
-              <a:t>atributos</a:t>
-            </a:r>
-            <a:r>
-              <a:rPr lang="en-US" dirty="0"/>
-              <a:t> que </a:t>
-            </a:r>
-            <a:r>
-              <a:rPr lang="en-US" dirty="0" err="1"/>
-              <a:t>nuestra</a:t>
-            </a:r>
-            <a:r>
-              <a:rPr lang="en-US" dirty="0"/>
-              <a:t> </a:t>
-            </a:r>
-            <a:r>
-              <a:rPr lang="en-US" dirty="0" err="1"/>
-              <a:t>plantilla</a:t>
-            </a:r>
-            <a:r>
-              <a:rPr lang="en-US" dirty="0"/>
-              <a:t> </a:t>
-            </a:r>
-            <a:r>
-              <a:rPr lang="en-US" dirty="0" err="1"/>
-              <a:t>tendrá</a:t>
-            </a:r>
-            <a:r>
-              <a:rPr lang="en-US" dirty="0"/>
-              <a:t>.</a:t>
-            </a:r>
-          </a:p>
-          <a:p>
-            <a:pPr algn="just"/>
-            <a:endParaRPr lang="en-US" dirty="0"/>
-          </a:p>
-          <a:p>
-            <a:pPr algn="just"/>
-            <a:r>
-              <a:rPr lang="en-US" dirty="0" err="1"/>
-              <a:t>Esos</a:t>
-            </a:r>
-            <a:r>
-              <a:rPr lang="en-US" dirty="0"/>
-              <a:t> </a:t>
-            </a:r>
-            <a:r>
-              <a:rPr lang="en-US" dirty="0" err="1"/>
-              <a:t>atributos</a:t>
-            </a:r>
-            <a:r>
-              <a:rPr lang="en-US" dirty="0"/>
-              <a:t> </a:t>
-            </a:r>
-            <a:r>
-              <a:rPr lang="en-US" dirty="0" err="1"/>
-              <a:t>serán</a:t>
-            </a:r>
-            <a:r>
-              <a:rPr lang="en-US" dirty="0"/>
-              <a:t> </a:t>
-            </a:r>
-            <a:r>
-              <a:rPr lang="en-US" dirty="0" err="1"/>
-              <a:t>compartidos</a:t>
-            </a:r>
-            <a:r>
-              <a:rPr lang="en-US" dirty="0"/>
-              <a:t> por </a:t>
-            </a:r>
-            <a:r>
-              <a:rPr lang="en-US" dirty="0" err="1"/>
-              <a:t>todos</a:t>
-            </a:r>
-            <a:r>
-              <a:rPr lang="en-US" dirty="0"/>
-              <a:t> los </a:t>
-            </a:r>
-            <a:r>
-              <a:rPr lang="en-US" dirty="0" err="1"/>
-              <a:t>objetos</a:t>
-            </a:r>
-            <a:r>
-              <a:rPr lang="en-US" dirty="0"/>
-              <a:t> que se </a:t>
-            </a:r>
-            <a:r>
-              <a:rPr lang="en-US" dirty="0" err="1"/>
-              <a:t>creen</a:t>
-            </a:r>
-            <a:r>
-              <a:rPr lang="en-US" dirty="0"/>
-              <a:t> de </a:t>
-            </a:r>
-            <a:r>
-              <a:rPr lang="en-US" dirty="0" err="1"/>
-              <a:t>esa</a:t>
-            </a:r>
-            <a:r>
-              <a:rPr lang="en-US" dirty="0"/>
-              <a:t> </a:t>
-            </a:r>
-            <a:r>
-              <a:rPr lang="en-US" dirty="0" err="1"/>
-              <a:t>clase</a:t>
-            </a:r>
-            <a:r>
-              <a:rPr lang="en-US" dirty="0"/>
-              <a:t>. </a:t>
-            </a:r>
-            <a:endParaRPr lang="es-ES" dirty="0"/>
-          </a:p>
-        </p:txBody>
-      </p:sp>
-    </p:spTree>
-    <p:extLst>
-      <p:ext uri="{BB962C8B-B14F-4D97-AF65-F5344CB8AC3E}">
-        <p14:creationId xmlns:p14="http://schemas.microsoft.com/office/powerpoint/2010/main" val="1711661259"/>
-      </p:ext>
-    </p:extLst>
-  </p:cSld>
-  <p:clrMapOvr>
-    <a:masterClrMapping/>
-  </p:clrMapOvr>
-</p:sld>
-</file>
-
-<file path=ppt/slides/slide52.xml><?xml version="1.0" encoding="utf-8"?>
-<p:sld xmlns:a="http://schemas.openxmlformats.org/drawingml/2006/main" xmlns:r="http://schemas.openxmlformats.org/officeDocument/2006/relationships" xmlns:p="http://schemas.openxmlformats.org/presentationml/2006/main">
-  <p:cSld>
-    <p:spTree>
-      <p:nvGrpSpPr>
-        <p:cNvPr id="1" name=""/>
-        <p:cNvGrpSpPr/>
-        <p:nvPr/>
-      </p:nvGrpSpPr>
-      <p:grpSpPr>
-        <a:xfrm>
-          <a:off x="0" y="0"/>
-          <a:ext cx="0" cy="0"/>
-          <a:chOff x="0" y="0"/>
-          <a:chExt cx="0" cy="0"/>
-        </a:xfrm>
-      </p:grpSpPr>
-      <p:sp>
-        <p:nvSpPr>
-          <p:cNvPr id="2" name="Título 1">
-            <a:extLst>
-              <a:ext uri="{FF2B5EF4-FFF2-40B4-BE49-F238E27FC236}">
-                <a16:creationId xmlns:a16="http://schemas.microsoft.com/office/drawing/2014/main" id="{7F6D2EFD-F303-41CF-9F11-50D48D204DF7}"/>
-              </a:ext>
-            </a:extLst>
-          </p:cNvPr>
-          <p:cNvSpPr>
-            <a:spLocks noGrp="1"/>
-          </p:cNvSpPr>
-          <p:nvPr>
-            <p:ph type="title"/>
-          </p:nvPr>
-        </p:nvSpPr>
-        <p:spPr/>
-        <p:txBody>
-          <a:bodyPr/>
-          <a:lstStyle/>
-          <a:p>
-            <a:endParaRPr lang="es-ES"/>
-          </a:p>
-        </p:txBody>
-      </p:sp>
-      <p:sp>
-        <p:nvSpPr>
-          <p:cNvPr id="3" name="Marcador de contenido 2">
-            <a:extLst>
-              <a:ext uri="{FF2B5EF4-FFF2-40B4-BE49-F238E27FC236}">
-                <a16:creationId xmlns:a16="http://schemas.microsoft.com/office/drawing/2014/main" id="{731A288A-6FDC-4FD8-B171-45EF3E82C3A6}"/>
-              </a:ext>
-            </a:extLst>
-          </p:cNvPr>
-          <p:cNvSpPr>
-            <a:spLocks noGrp="1"/>
-          </p:cNvSpPr>
-          <p:nvPr>
-            <p:ph idx="1"/>
-          </p:nvPr>
-        </p:nvSpPr>
-        <p:spPr/>
-        <p:txBody>
-          <a:bodyPr/>
-          <a:lstStyle/>
-          <a:p>
-            <a:endParaRPr lang="es-ES"/>
-          </a:p>
-        </p:txBody>
-      </p:sp>
-    </p:spTree>
-    <p:extLst>
-      <p:ext uri="{BB962C8B-B14F-4D97-AF65-F5344CB8AC3E}">
-        <p14:creationId xmlns:p14="http://schemas.microsoft.com/office/powerpoint/2010/main" val="957785590"/>
       </p:ext>
     </p:extLst>
   </p:cSld>

--- a/Presentacion.pptx
+++ b/Presentacion.pptx
@@ -5,7 +5,7 @@
     <p:sldMasterId id="2147483648" r:id="rId1"/>
   </p:sldMasterIdLst>
   <p:notesMasterIdLst>
-    <p:notesMasterId r:id="rId51"/>
+    <p:notesMasterId r:id="rId58"/>
   </p:notesMasterIdLst>
   <p:sldIdLst>
     <p:sldId id="256" r:id="rId2"/>
@@ -57,6 +57,13 @@
     <p:sldId id="308" r:id="rId48"/>
     <p:sldId id="310" r:id="rId49"/>
     <p:sldId id="301" r:id="rId50"/>
+    <p:sldId id="311" r:id="rId51"/>
+    <p:sldId id="312" r:id="rId52"/>
+    <p:sldId id="313" r:id="rId53"/>
+    <p:sldId id="314" r:id="rId54"/>
+    <p:sldId id="315" r:id="rId55"/>
+    <p:sldId id="316" r:id="rId56"/>
+    <p:sldId id="317" r:id="rId57"/>
   </p:sldIdLst>
   <p:sldSz cx="12192000" cy="6858000"/>
   <p:notesSz cx="6858000" cy="9144000"/>
@@ -245,7 +252,7 @@
           <a:p>
             <a:fld id="{B1F018D7-01AD-4413-ACF1-CA5C284ABF1D}" type="datetimeFigureOut">
               <a:rPr lang="es-ES" smtClean="0"/>
-              <a:t>27/04/2022</a:t>
+              <a:t>02/05/2022</a:t>
             </a:fld>
             <a:endParaRPr lang="es-ES"/>
           </a:p>
@@ -995,7 +1002,7 @@
           <a:p>
             <a:fld id="{17321F09-57B9-4431-8E2D-17B39AD68799}" type="datetimeFigureOut">
               <a:rPr lang="es-ES" smtClean="0"/>
-              <a:t>27/04/2022</a:t>
+              <a:t>02/05/2022</a:t>
             </a:fld>
             <a:endParaRPr lang="es-ES"/>
           </a:p>
@@ -1193,7 +1200,7 @@
           <a:p>
             <a:fld id="{17321F09-57B9-4431-8E2D-17B39AD68799}" type="datetimeFigureOut">
               <a:rPr lang="es-ES" smtClean="0"/>
-              <a:t>27/04/2022</a:t>
+              <a:t>02/05/2022</a:t>
             </a:fld>
             <a:endParaRPr lang="es-ES"/>
           </a:p>
@@ -1401,7 +1408,7 @@
           <a:p>
             <a:fld id="{17321F09-57B9-4431-8E2D-17B39AD68799}" type="datetimeFigureOut">
               <a:rPr lang="es-ES" smtClean="0"/>
-              <a:t>27/04/2022</a:t>
+              <a:t>02/05/2022</a:t>
             </a:fld>
             <a:endParaRPr lang="es-ES"/>
           </a:p>
@@ -1599,7 +1606,7 @@
           <a:p>
             <a:fld id="{17321F09-57B9-4431-8E2D-17B39AD68799}" type="datetimeFigureOut">
               <a:rPr lang="es-ES" smtClean="0"/>
-              <a:t>27/04/2022</a:t>
+              <a:t>02/05/2022</a:t>
             </a:fld>
             <a:endParaRPr lang="es-ES"/>
           </a:p>
@@ -1874,7 +1881,7 @@
           <a:p>
             <a:fld id="{17321F09-57B9-4431-8E2D-17B39AD68799}" type="datetimeFigureOut">
               <a:rPr lang="es-ES" smtClean="0"/>
-              <a:t>27/04/2022</a:t>
+              <a:t>02/05/2022</a:t>
             </a:fld>
             <a:endParaRPr lang="es-ES"/>
           </a:p>
@@ -2139,7 +2146,7 @@
           <a:p>
             <a:fld id="{17321F09-57B9-4431-8E2D-17B39AD68799}" type="datetimeFigureOut">
               <a:rPr lang="es-ES" smtClean="0"/>
-              <a:t>27/04/2022</a:t>
+              <a:t>02/05/2022</a:t>
             </a:fld>
             <a:endParaRPr lang="es-ES"/>
           </a:p>
@@ -2551,7 +2558,7 @@
           <a:p>
             <a:fld id="{17321F09-57B9-4431-8E2D-17B39AD68799}" type="datetimeFigureOut">
               <a:rPr lang="es-ES" smtClean="0"/>
-              <a:t>27/04/2022</a:t>
+              <a:t>02/05/2022</a:t>
             </a:fld>
             <a:endParaRPr lang="es-ES"/>
           </a:p>
@@ -2692,7 +2699,7 @@
           <a:p>
             <a:fld id="{17321F09-57B9-4431-8E2D-17B39AD68799}" type="datetimeFigureOut">
               <a:rPr lang="es-ES" smtClean="0"/>
-              <a:t>27/04/2022</a:t>
+              <a:t>02/05/2022</a:t>
             </a:fld>
             <a:endParaRPr lang="es-ES"/>
           </a:p>
@@ -2805,7 +2812,7 @@
           <a:p>
             <a:fld id="{17321F09-57B9-4431-8E2D-17B39AD68799}" type="datetimeFigureOut">
               <a:rPr lang="es-ES" smtClean="0"/>
-              <a:t>27/04/2022</a:t>
+              <a:t>02/05/2022</a:t>
             </a:fld>
             <a:endParaRPr lang="es-ES"/>
           </a:p>
@@ -3116,7 +3123,7 @@
           <a:p>
             <a:fld id="{17321F09-57B9-4431-8E2D-17B39AD68799}" type="datetimeFigureOut">
               <a:rPr lang="es-ES" smtClean="0"/>
-              <a:t>27/04/2022</a:t>
+              <a:t>02/05/2022</a:t>
             </a:fld>
             <a:endParaRPr lang="es-ES"/>
           </a:p>
@@ -3404,7 +3411,7 @@
           <a:p>
             <a:fld id="{17321F09-57B9-4431-8E2D-17B39AD68799}" type="datetimeFigureOut">
               <a:rPr lang="es-ES" smtClean="0"/>
-              <a:t>27/04/2022</a:t>
+              <a:t>02/05/2022</a:t>
             </a:fld>
             <a:endParaRPr lang="es-ES"/>
           </a:p>
@@ -3645,7 +3652,7 @@
           <a:p>
             <a:fld id="{17321F09-57B9-4431-8E2D-17B39AD68799}" type="datetimeFigureOut">
               <a:rPr lang="es-ES" smtClean="0"/>
-              <a:t>27/04/2022</a:t>
+              <a:t>02/05/2022</a:t>
             </a:fld>
             <a:endParaRPr lang="es-ES"/>
           </a:p>
@@ -11915,6 +11922,869 @@
     <p:extLst>
       <p:ext uri="{BB962C8B-B14F-4D97-AF65-F5344CB8AC3E}">
         <p14:creationId xmlns:p14="http://schemas.microsoft.com/office/powerpoint/2010/main" val="129452445"/>
+      </p:ext>
+    </p:extLst>
+  </p:cSld>
+  <p:clrMapOvr>
+    <a:masterClrMapping/>
+  </p:clrMapOvr>
+</p:sld>
+</file>
+
+<file path=ppt/slides/slide50.xml><?xml version="1.0" encoding="utf-8"?>
+<p:sld xmlns:a="http://schemas.openxmlformats.org/drawingml/2006/main" xmlns:r="http://schemas.openxmlformats.org/officeDocument/2006/relationships" xmlns:p="http://schemas.openxmlformats.org/presentationml/2006/main">
+  <p:cSld>
+    <p:spTree>
+      <p:nvGrpSpPr>
+        <p:cNvPr id="1" name=""/>
+        <p:cNvGrpSpPr/>
+        <p:nvPr/>
+      </p:nvGrpSpPr>
+      <p:grpSpPr>
+        <a:xfrm>
+          <a:off x="0" y="0"/>
+          <a:ext cx="0" cy="0"/>
+          <a:chOff x="0" y="0"/>
+          <a:chExt cx="0" cy="0"/>
+        </a:xfrm>
+      </p:grpSpPr>
+      <p:sp>
+        <p:nvSpPr>
+          <p:cNvPr id="2" name="Título 1">
+            <a:extLst>
+              <a:ext uri="{FF2B5EF4-FFF2-40B4-BE49-F238E27FC236}">
+                <a16:creationId xmlns:a16="http://schemas.microsoft.com/office/drawing/2014/main" id="{F64A06AB-D465-41AD-9AB0-711B55E384CA}"/>
+              </a:ext>
+            </a:extLst>
+          </p:cNvPr>
+          <p:cNvSpPr>
+            <a:spLocks noGrp="1"/>
+          </p:cNvSpPr>
+          <p:nvPr>
+            <p:ph type="title"/>
+          </p:nvPr>
+        </p:nvSpPr>
+        <p:spPr/>
+        <p:txBody>
+          <a:bodyPr/>
+          <a:lstStyle/>
+          <a:p>
+            <a:r>
+              <a:rPr lang="es-ES" dirty="0"/>
+              <a:t>JavaScript básico: funciones</a:t>
+            </a:r>
+          </a:p>
+        </p:txBody>
+      </p:sp>
+      <p:pic>
+        <p:nvPicPr>
+          <p:cNvPr id="5" name="Imagen 4">
+            <a:extLst>
+              <a:ext uri="{FF2B5EF4-FFF2-40B4-BE49-F238E27FC236}">
+                <a16:creationId xmlns:a16="http://schemas.microsoft.com/office/drawing/2014/main" id="{831E357D-3F2C-49C4-8601-616F468DE120}"/>
+              </a:ext>
+            </a:extLst>
+          </p:cNvPr>
+          <p:cNvPicPr>
+            <a:picLocks noChangeAspect="1"/>
+          </p:cNvPicPr>
+          <p:nvPr/>
+        </p:nvPicPr>
+        <p:blipFill>
+          <a:blip r:embed="rId2"/>
+          <a:stretch>
+            <a:fillRect/>
+          </a:stretch>
+        </p:blipFill>
+        <p:spPr>
+          <a:xfrm>
+            <a:off x="728662" y="2224087"/>
+            <a:ext cx="10734675" cy="2409825"/>
+          </a:xfrm>
+          <a:prstGeom prst="rect">
+            <a:avLst/>
+          </a:prstGeom>
+        </p:spPr>
+      </p:pic>
+    </p:spTree>
+    <p:extLst>
+      <p:ext uri="{BB962C8B-B14F-4D97-AF65-F5344CB8AC3E}">
+        <p14:creationId xmlns:p14="http://schemas.microsoft.com/office/powerpoint/2010/main" val="1970102275"/>
+      </p:ext>
+    </p:extLst>
+  </p:cSld>
+  <p:clrMapOvr>
+    <a:masterClrMapping/>
+  </p:clrMapOvr>
+</p:sld>
+</file>
+
+<file path=ppt/slides/slide51.xml><?xml version="1.0" encoding="utf-8"?>
+<p:sld xmlns:a="http://schemas.openxmlformats.org/drawingml/2006/main" xmlns:r="http://schemas.openxmlformats.org/officeDocument/2006/relationships" xmlns:p="http://schemas.openxmlformats.org/presentationml/2006/main">
+  <p:cSld>
+    <p:spTree>
+      <p:nvGrpSpPr>
+        <p:cNvPr id="1" name=""/>
+        <p:cNvGrpSpPr/>
+        <p:nvPr/>
+      </p:nvGrpSpPr>
+      <p:grpSpPr>
+        <a:xfrm>
+          <a:off x="0" y="0"/>
+          <a:ext cx="0" cy="0"/>
+          <a:chOff x="0" y="0"/>
+          <a:chExt cx="0" cy="0"/>
+        </a:xfrm>
+      </p:grpSpPr>
+      <p:sp>
+        <p:nvSpPr>
+          <p:cNvPr id="2" name="Título 1">
+            <a:extLst>
+              <a:ext uri="{FF2B5EF4-FFF2-40B4-BE49-F238E27FC236}">
+                <a16:creationId xmlns:a16="http://schemas.microsoft.com/office/drawing/2014/main" id="{765A35A7-FC45-45C7-96CF-7435BEA6AD30}"/>
+              </a:ext>
+            </a:extLst>
+          </p:cNvPr>
+          <p:cNvSpPr>
+            <a:spLocks noGrp="1"/>
+          </p:cNvSpPr>
+          <p:nvPr>
+            <p:ph type="title"/>
+          </p:nvPr>
+        </p:nvSpPr>
+        <p:spPr/>
+        <p:txBody>
+          <a:bodyPr/>
+          <a:lstStyle/>
+          <a:p>
+            <a:r>
+              <a:rPr lang="es-ES" dirty="0"/>
+              <a:t>JavaScript básico: funciones</a:t>
+            </a:r>
+          </a:p>
+        </p:txBody>
+      </p:sp>
+      <p:pic>
+        <p:nvPicPr>
+          <p:cNvPr id="5" name="Imagen 4">
+            <a:extLst>
+              <a:ext uri="{FF2B5EF4-FFF2-40B4-BE49-F238E27FC236}">
+                <a16:creationId xmlns:a16="http://schemas.microsoft.com/office/drawing/2014/main" id="{54EB4054-4AA1-4ADC-8E22-C2F690954147}"/>
+              </a:ext>
+            </a:extLst>
+          </p:cNvPr>
+          <p:cNvPicPr>
+            <a:picLocks noChangeAspect="1"/>
+          </p:cNvPicPr>
+          <p:nvPr/>
+        </p:nvPicPr>
+        <p:blipFill>
+          <a:blip r:embed="rId2"/>
+          <a:stretch>
+            <a:fillRect/>
+          </a:stretch>
+        </p:blipFill>
+        <p:spPr>
+          <a:xfrm>
+            <a:off x="628650" y="2235576"/>
+            <a:ext cx="10725150" cy="3838575"/>
+          </a:xfrm>
+          <a:prstGeom prst="rect">
+            <a:avLst/>
+          </a:prstGeom>
+        </p:spPr>
+      </p:pic>
+    </p:spTree>
+    <p:extLst>
+      <p:ext uri="{BB962C8B-B14F-4D97-AF65-F5344CB8AC3E}">
+        <p14:creationId xmlns:p14="http://schemas.microsoft.com/office/powerpoint/2010/main" val="1852149747"/>
+      </p:ext>
+    </p:extLst>
+  </p:cSld>
+  <p:clrMapOvr>
+    <a:masterClrMapping/>
+  </p:clrMapOvr>
+</p:sld>
+</file>
+
+<file path=ppt/slides/slide52.xml><?xml version="1.0" encoding="utf-8"?>
+<p:sld xmlns:a="http://schemas.openxmlformats.org/drawingml/2006/main" xmlns:r="http://schemas.openxmlformats.org/officeDocument/2006/relationships" xmlns:p="http://schemas.openxmlformats.org/presentationml/2006/main">
+  <p:cSld>
+    <p:spTree>
+      <p:nvGrpSpPr>
+        <p:cNvPr id="1" name=""/>
+        <p:cNvGrpSpPr/>
+        <p:nvPr/>
+      </p:nvGrpSpPr>
+      <p:grpSpPr>
+        <a:xfrm>
+          <a:off x="0" y="0"/>
+          <a:ext cx="0" cy="0"/>
+          <a:chOff x="0" y="0"/>
+          <a:chExt cx="0" cy="0"/>
+        </a:xfrm>
+      </p:grpSpPr>
+      <p:sp>
+        <p:nvSpPr>
+          <p:cNvPr id="2" name="Título 1">
+            <a:extLst>
+              <a:ext uri="{FF2B5EF4-FFF2-40B4-BE49-F238E27FC236}">
+                <a16:creationId xmlns:a16="http://schemas.microsoft.com/office/drawing/2014/main" id="{55E7FF7C-284B-4218-BC55-15EC9FD71371}"/>
+              </a:ext>
+            </a:extLst>
+          </p:cNvPr>
+          <p:cNvSpPr>
+            <a:spLocks noGrp="1"/>
+          </p:cNvSpPr>
+          <p:nvPr>
+            <p:ph type="title"/>
+          </p:nvPr>
+        </p:nvSpPr>
+        <p:spPr/>
+        <p:txBody>
+          <a:bodyPr/>
+          <a:lstStyle/>
+          <a:p>
+            <a:r>
+              <a:rPr lang="es-ES" dirty="0"/>
+              <a:t>JavaScript básico: funciones</a:t>
+            </a:r>
+          </a:p>
+        </p:txBody>
+      </p:sp>
+      <p:pic>
+        <p:nvPicPr>
+          <p:cNvPr id="5" name="Imagen 4">
+            <a:extLst>
+              <a:ext uri="{FF2B5EF4-FFF2-40B4-BE49-F238E27FC236}">
+                <a16:creationId xmlns:a16="http://schemas.microsoft.com/office/drawing/2014/main" id="{DC909A56-FB7E-41A3-ADCC-4307989FDED0}"/>
+              </a:ext>
+            </a:extLst>
+          </p:cNvPr>
+          <p:cNvPicPr>
+            <a:picLocks noChangeAspect="1"/>
+          </p:cNvPicPr>
+          <p:nvPr/>
+        </p:nvPicPr>
+        <p:blipFill>
+          <a:blip r:embed="rId2"/>
+          <a:stretch>
+            <a:fillRect/>
+          </a:stretch>
+        </p:blipFill>
+        <p:spPr>
+          <a:xfrm>
+            <a:off x="645098" y="1964311"/>
+            <a:ext cx="10487025" cy="4343400"/>
+          </a:xfrm>
+          <a:prstGeom prst="rect">
+            <a:avLst/>
+          </a:prstGeom>
+        </p:spPr>
+      </p:pic>
+    </p:spTree>
+    <p:extLst>
+      <p:ext uri="{BB962C8B-B14F-4D97-AF65-F5344CB8AC3E}">
+        <p14:creationId xmlns:p14="http://schemas.microsoft.com/office/powerpoint/2010/main" val="2434066262"/>
+      </p:ext>
+    </p:extLst>
+  </p:cSld>
+  <p:clrMapOvr>
+    <a:masterClrMapping/>
+  </p:clrMapOvr>
+</p:sld>
+</file>
+
+<file path=ppt/slides/slide53.xml><?xml version="1.0" encoding="utf-8"?>
+<p:sld xmlns:a="http://schemas.openxmlformats.org/drawingml/2006/main" xmlns:r="http://schemas.openxmlformats.org/officeDocument/2006/relationships" xmlns:p="http://schemas.openxmlformats.org/presentationml/2006/main">
+  <p:cSld>
+    <p:spTree>
+      <p:nvGrpSpPr>
+        <p:cNvPr id="1" name=""/>
+        <p:cNvGrpSpPr/>
+        <p:nvPr/>
+      </p:nvGrpSpPr>
+      <p:grpSpPr>
+        <a:xfrm>
+          <a:off x="0" y="0"/>
+          <a:ext cx="0" cy="0"/>
+          <a:chOff x="0" y="0"/>
+          <a:chExt cx="0" cy="0"/>
+        </a:xfrm>
+      </p:grpSpPr>
+      <p:sp>
+        <p:nvSpPr>
+          <p:cNvPr id="2" name="Título 1">
+            <a:extLst>
+              <a:ext uri="{FF2B5EF4-FFF2-40B4-BE49-F238E27FC236}">
+                <a16:creationId xmlns:a16="http://schemas.microsoft.com/office/drawing/2014/main" id="{2FBC659A-C752-4150-BBCC-10AC62BDEB07}"/>
+              </a:ext>
+            </a:extLst>
+          </p:cNvPr>
+          <p:cNvSpPr>
+            <a:spLocks noGrp="1"/>
+          </p:cNvSpPr>
+          <p:nvPr>
+            <p:ph type="title"/>
+          </p:nvPr>
+        </p:nvSpPr>
+        <p:spPr/>
+        <p:txBody>
+          <a:bodyPr/>
+          <a:lstStyle/>
+          <a:p>
+            <a:r>
+              <a:rPr lang="es-ES" dirty="0"/>
+              <a:t>JavaScript básico: funciones</a:t>
+            </a:r>
+          </a:p>
+        </p:txBody>
+      </p:sp>
+      <p:pic>
+        <p:nvPicPr>
+          <p:cNvPr id="5" name="Imagen 4">
+            <a:extLst>
+              <a:ext uri="{FF2B5EF4-FFF2-40B4-BE49-F238E27FC236}">
+                <a16:creationId xmlns:a16="http://schemas.microsoft.com/office/drawing/2014/main" id="{FFAD4AEB-199C-4679-88E0-DA174C2676E5}"/>
+              </a:ext>
+            </a:extLst>
+          </p:cNvPr>
+          <p:cNvPicPr>
+            <a:picLocks noChangeAspect="1"/>
+          </p:cNvPicPr>
+          <p:nvPr/>
+        </p:nvPicPr>
+        <p:blipFill>
+          <a:blip r:embed="rId2"/>
+          <a:stretch>
+            <a:fillRect/>
+          </a:stretch>
+        </p:blipFill>
+        <p:spPr>
+          <a:xfrm>
+            <a:off x="838200" y="2110818"/>
+            <a:ext cx="4895850" cy="1524000"/>
+          </a:xfrm>
+          <a:prstGeom prst="rect">
+            <a:avLst/>
+          </a:prstGeom>
+        </p:spPr>
+      </p:pic>
+      <p:pic>
+        <p:nvPicPr>
+          <p:cNvPr id="7" name="Imagen 6">
+            <a:extLst>
+              <a:ext uri="{FF2B5EF4-FFF2-40B4-BE49-F238E27FC236}">
+                <a16:creationId xmlns:a16="http://schemas.microsoft.com/office/drawing/2014/main" id="{E7E33337-C1EE-4F0E-912F-4EBE5A22A18B}"/>
+              </a:ext>
+            </a:extLst>
+          </p:cNvPr>
+          <p:cNvPicPr>
+            <a:picLocks noChangeAspect="1"/>
+          </p:cNvPicPr>
+          <p:nvPr/>
+        </p:nvPicPr>
+        <p:blipFill>
+          <a:blip r:embed="rId3"/>
+          <a:stretch>
+            <a:fillRect/>
+          </a:stretch>
+        </p:blipFill>
+        <p:spPr>
+          <a:xfrm>
+            <a:off x="838200" y="4054948"/>
+            <a:ext cx="4895850" cy="1438275"/>
+          </a:xfrm>
+          <a:prstGeom prst="rect">
+            <a:avLst/>
+          </a:prstGeom>
+        </p:spPr>
+      </p:pic>
+      <p:pic>
+        <p:nvPicPr>
+          <p:cNvPr id="9" name="Imagen 8">
+            <a:extLst>
+              <a:ext uri="{FF2B5EF4-FFF2-40B4-BE49-F238E27FC236}">
+                <a16:creationId xmlns:a16="http://schemas.microsoft.com/office/drawing/2014/main" id="{C1E2CCB9-0C3A-40A8-B2D2-D4BAE06C26D9}"/>
+              </a:ext>
+            </a:extLst>
+          </p:cNvPr>
+          <p:cNvPicPr>
+            <a:picLocks noChangeAspect="1"/>
+          </p:cNvPicPr>
+          <p:nvPr/>
+        </p:nvPicPr>
+        <p:blipFill>
+          <a:blip r:embed="rId4"/>
+          <a:stretch>
+            <a:fillRect/>
+          </a:stretch>
+        </p:blipFill>
+        <p:spPr>
+          <a:xfrm>
+            <a:off x="6457952" y="2162175"/>
+            <a:ext cx="4395784" cy="1472643"/>
+          </a:xfrm>
+          <a:prstGeom prst="rect">
+            <a:avLst/>
+          </a:prstGeom>
+        </p:spPr>
+      </p:pic>
+    </p:spTree>
+    <p:extLst>
+      <p:ext uri="{BB962C8B-B14F-4D97-AF65-F5344CB8AC3E}">
+        <p14:creationId xmlns:p14="http://schemas.microsoft.com/office/powerpoint/2010/main" val="1478722540"/>
+      </p:ext>
+    </p:extLst>
+  </p:cSld>
+  <p:clrMapOvr>
+    <a:masterClrMapping/>
+  </p:clrMapOvr>
+</p:sld>
+</file>
+
+<file path=ppt/slides/slide54.xml><?xml version="1.0" encoding="utf-8"?>
+<p:sld xmlns:a="http://schemas.openxmlformats.org/drawingml/2006/main" xmlns:r="http://schemas.openxmlformats.org/officeDocument/2006/relationships" xmlns:p="http://schemas.openxmlformats.org/presentationml/2006/main">
+  <p:cSld>
+    <p:spTree>
+      <p:nvGrpSpPr>
+        <p:cNvPr id="1" name=""/>
+        <p:cNvGrpSpPr/>
+        <p:nvPr/>
+      </p:nvGrpSpPr>
+      <p:grpSpPr>
+        <a:xfrm>
+          <a:off x="0" y="0"/>
+          <a:ext cx="0" cy="0"/>
+          <a:chOff x="0" y="0"/>
+          <a:chExt cx="0" cy="0"/>
+        </a:xfrm>
+      </p:grpSpPr>
+      <p:sp>
+        <p:nvSpPr>
+          <p:cNvPr id="2" name="Título 1">
+            <a:extLst>
+              <a:ext uri="{FF2B5EF4-FFF2-40B4-BE49-F238E27FC236}">
+                <a16:creationId xmlns:a16="http://schemas.microsoft.com/office/drawing/2014/main" id="{2CB82AED-A194-40F1-9B12-46A704787CCB}"/>
+              </a:ext>
+            </a:extLst>
+          </p:cNvPr>
+          <p:cNvSpPr>
+            <a:spLocks noGrp="1"/>
+          </p:cNvSpPr>
+          <p:nvPr>
+            <p:ph type="title"/>
+          </p:nvPr>
+        </p:nvSpPr>
+        <p:spPr/>
+        <p:txBody>
+          <a:bodyPr/>
+          <a:lstStyle/>
+          <a:p>
+            <a:r>
+              <a:rPr lang="es-ES" dirty="0"/>
+              <a:t>JavaScript básico: funciones</a:t>
+            </a:r>
+          </a:p>
+        </p:txBody>
+      </p:sp>
+      <p:sp>
+        <p:nvSpPr>
+          <p:cNvPr id="3" name="Marcador de contenido 2">
+            <a:extLst>
+              <a:ext uri="{FF2B5EF4-FFF2-40B4-BE49-F238E27FC236}">
+                <a16:creationId xmlns:a16="http://schemas.microsoft.com/office/drawing/2014/main" id="{1D9C827C-1333-43A7-8F4F-1B3C353BB838}"/>
+              </a:ext>
+            </a:extLst>
+          </p:cNvPr>
+          <p:cNvSpPr>
+            <a:spLocks noGrp="1"/>
+          </p:cNvSpPr>
+          <p:nvPr>
+            <p:ph idx="1"/>
+          </p:nvPr>
+        </p:nvSpPr>
+        <p:spPr/>
+        <p:txBody>
+          <a:bodyPr/>
+          <a:lstStyle/>
+          <a:p>
+            <a:pPr algn="just"/>
+            <a:r>
+              <a:rPr lang="en-US" dirty="0"/>
+              <a:t>Las </a:t>
+            </a:r>
+            <a:r>
+              <a:rPr lang="en-US" dirty="0" err="1"/>
+              <a:t>funciones</a:t>
+            </a:r>
+            <a:r>
+              <a:rPr lang="en-US" dirty="0"/>
+              <a:t> se </a:t>
+            </a:r>
+            <a:r>
+              <a:rPr lang="en-US" dirty="0" err="1"/>
+              <a:t>pueden</a:t>
+            </a:r>
+            <a:r>
+              <a:rPr lang="en-US" dirty="0"/>
+              <a:t> pasar </a:t>
+            </a:r>
+            <a:r>
+              <a:rPr lang="en-US" dirty="0" err="1"/>
+              <a:t>como</a:t>
+            </a:r>
+            <a:r>
+              <a:rPr lang="en-US" dirty="0"/>
+              <a:t> </a:t>
+            </a:r>
+            <a:r>
+              <a:rPr lang="en-US" dirty="0" err="1"/>
+              <a:t>parámetros</a:t>
+            </a:r>
+            <a:r>
+              <a:rPr lang="en-US" dirty="0"/>
+              <a:t> de </a:t>
+            </a:r>
+            <a:r>
+              <a:rPr lang="en-US" dirty="0" err="1"/>
+              <a:t>otras</a:t>
+            </a:r>
+            <a:r>
+              <a:rPr lang="en-US" dirty="0"/>
+              <a:t> </a:t>
+            </a:r>
+            <a:r>
+              <a:rPr lang="en-US" dirty="0" err="1"/>
+              <a:t>funciones</a:t>
+            </a:r>
+            <a:r>
+              <a:rPr lang="en-US" dirty="0"/>
+              <a:t>. </a:t>
+            </a:r>
+            <a:r>
+              <a:rPr lang="en-US" dirty="0" err="1"/>
+              <a:t>Cuando</a:t>
+            </a:r>
+            <a:r>
+              <a:rPr lang="en-US" dirty="0"/>
+              <a:t> </a:t>
+            </a:r>
+            <a:r>
+              <a:rPr lang="en-US" dirty="0" err="1"/>
+              <a:t>eso</a:t>
+            </a:r>
+            <a:r>
+              <a:rPr lang="en-US" dirty="0"/>
+              <a:t> </a:t>
+            </a:r>
+            <a:r>
+              <a:rPr lang="en-US" dirty="0" err="1"/>
+              <a:t>ocurre</a:t>
+            </a:r>
+            <a:r>
+              <a:rPr lang="en-US" dirty="0"/>
+              <a:t>, </a:t>
+            </a:r>
+            <a:r>
+              <a:rPr lang="en-US" dirty="0" err="1"/>
+              <a:t>en</a:t>
+            </a:r>
+            <a:r>
+              <a:rPr lang="en-US" dirty="0"/>
+              <a:t> JS se le </a:t>
+            </a:r>
+            <a:r>
+              <a:rPr lang="en-US" dirty="0" err="1"/>
+              <a:t>conoce</a:t>
+            </a:r>
+            <a:r>
+              <a:rPr lang="en-US" dirty="0"/>
+              <a:t> a la </a:t>
+            </a:r>
+            <a:r>
+              <a:rPr lang="en-US" dirty="0" err="1"/>
+              <a:t>función</a:t>
+            </a:r>
+            <a:r>
+              <a:rPr lang="en-US" dirty="0"/>
+              <a:t> </a:t>
+            </a:r>
+            <a:r>
+              <a:rPr lang="en-US" dirty="0" err="1"/>
+              <a:t>parámetro</a:t>
+            </a:r>
+            <a:r>
+              <a:rPr lang="en-US" dirty="0"/>
+              <a:t> </a:t>
+            </a:r>
+            <a:r>
+              <a:rPr lang="en-US" dirty="0" err="1"/>
+              <a:t>como</a:t>
+            </a:r>
+            <a:r>
+              <a:rPr lang="en-US" dirty="0"/>
+              <a:t> “callback”. </a:t>
+            </a:r>
+            <a:endParaRPr lang="es-ES" dirty="0"/>
+          </a:p>
+        </p:txBody>
+      </p:sp>
+      <p:pic>
+        <p:nvPicPr>
+          <p:cNvPr id="5" name="Imagen 4">
+            <a:extLst>
+              <a:ext uri="{FF2B5EF4-FFF2-40B4-BE49-F238E27FC236}">
+                <a16:creationId xmlns:a16="http://schemas.microsoft.com/office/drawing/2014/main" id="{527D9FB3-6BE9-45A0-B908-BDF64F0277FE}"/>
+              </a:ext>
+            </a:extLst>
+          </p:cNvPr>
+          <p:cNvPicPr>
+            <a:picLocks noChangeAspect="1"/>
+          </p:cNvPicPr>
+          <p:nvPr/>
+        </p:nvPicPr>
+        <p:blipFill>
+          <a:blip r:embed="rId2"/>
+          <a:stretch>
+            <a:fillRect/>
+          </a:stretch>
+        </p:blipFill>
+        <p:spPr>
+          <a:xfrm>
+            <a:off x="3957392" y="3233738"/>
+            <a:ext cx="3409950" cy="2943225"/>
+          </a:xfrm>
+          <a:prstGeom prst="rect">
+            <a:avLst/>
+          </a:prstGeom>
+        </p:spPr>
+      </p:pic>
+    </p:spTree>
+    <p:extLst>
+      <p:ext uri="{BB962C8B-B14F-4D97-AF65-F5344CB8AC3E}">
+        <p14:creationId xmlns:p14="http://schemas.microsoft.com/office/powerpoint/2010/main" val="3908320383"/>
+      </p:ext>
+    </p:extLst>
+  </p:cSld>
+  <p:clrMapOvr>
+    <a:masterClrMapping/>
+  </p:clrMapOvr>
+</p:sld>
+</file>
+
+<file path=ppt/slides/slide55.xml><?xml version="1.0" encoding="utf-8"?>
+<p:sld xmlns:a="http://schemas.openxmlformats.org/drawingml/2006/main" xmlns:r="http://schemas.openxmlformats.org/officeDocument/2006/relationships" xmlns:p="http://schemas.openxmlformats.org/presentationml/2006/main">
+  <p:cSld>
+    <p:spTree>
+      <p:nvGrpSpPr>
+        <p:cNvPr id="1" name=""/>
+        <p:cNvGrpSpPr/>
+        <p:nvPr/>
+      </p:nvGrpSpPr>
+      <p:grpSpPr>
+        <a:xfrm>
+          <a:off x="0" y="0"/>
+          <a:ext cx="0" cy="0"/>
+          <a:chOff x="0" y="0"/>
+          <a:chExt cx="0" cy="0"/>
+        </a:xfrm>
+      </p:grpSpPr>
+      <p:sp>
+        <p:nvSpPr>
+          <p:cNvPr id="2" name="Título 1">
+            <a:extLst>
+              <a:ext uri="{FF2B5EF4-FFF2-40B4-BE49-F238E27FC236}">
+                <a16:creationId xmlns:a16="http://schemas.microsoft.com/office/drawing/2014/main" id="{563BDA07-7B2C-41C6-8114-6BAF8F1772AA}"/>
+              </a:ext>
+            </a:extLst>
+          </p:cNvPr>
+          <p:cNvSpPr>
+            <a:spLocks noGrp="1"/>
+          </p:cNvSpPr>
+          <p:nvPr>
+            <p:ph type="title"/>
+          </p:nvPr>
+        </p:nvSpPr>
+        <p:spPr/>
+        <p:txBody>
+          <a:bodyPr/>
+          <a:lstStyle/>
+          <a:p>
+            <a:r>
+              <a:rPr lang="es-ES" dirty="0"/>
+              <a:t>JavaScript básico: funciones</a:t>
+            </a:r>
+          </a:p>
+        </p:txBody>
+      </p:sp>
+      <p:sp>
+        <p:nvSpPr>
+          <p:cNvPr id="3" name="Marcador de contenido 2">
+            <a:extLst>
+              <a:ext uri="{FF2B5EF4-FFF2-40B4-BE49-F238E27FC236}">
+                <a16:creationId xmlns:a16="http://schemas.microsoft.com/office/drawing/2014/main" id="{247B6B39-9619-4C92-9716-16B5B14C30E0}"/>
+              </a:ext>
+            </a:extLst>
+          </p:cNvPr>
+          <p:cNvSpPr>
+            <a:spLocks noGrp="1"/>
+          </p:cNvSpPr>
+          <p:nvPr>
+            <p:ph idx="1"/>
+          </p:nvPr>
+        </p:nvSpPr>
+        <p:spPr/>
+        <p:txBody>
+          <a:bodyPr/>
+          <a:lstStyle/>
+          <a:p>
+            <a:r>
+              <a:rPr lang="es-ES" dirty="0"/>
+              <a:t>Las funciones se pueden usar en objetos:</a:t>
+            </a:r>
+          </a:p>
+          <a:p>
+            <a:endParaRPr lang="es-ES" dirty="0"/>
+          </a:p>
+          <a:p>
+            <a:endParaRPr lang="es-ES" dirty="0"/>
+          </a:p>
+        </p:txBody>
+      </p:sp>
+      <p:pic>
+        <p:nvPicPr>
+          <p:cNvPr id="5" name="Imagen 4">
+            <a:extLst>
+              <a:ext uri="{FF2B5EF4-FFF2-40B4-BE49-F238E27FC236}">
+                <a16:creationId xmlns:a16="http://schemas.microsoft.com/office/drawing/2014/main" id="{E32090D7-F893-492D-94B2-B53EA90DDF10}"/>
+              </a:ext>
+            </a:extLst>
+          </p:cNvPr>
+          <p:cNvPicPr>
+            <a:picLocks noChangeAspect="1"/>
+          </p:cNvPicPr>
+          <p:nvPr/>
+        </p:nvPicPr>
+        <p:blipFill>
+          <a:blip r:embed="rId2"/>
+          <a:stretch>
+            <a:fillRect/>
+          </a:stretch>
+        </p:blipFill>
+        <p:spPr>
+          <a:xfrm>
+            <a:off x="2490640" y="2452688"/>
+            <a:ext cx="6324600" cy="3724275"/>
+          </a:xfrm>
+          <a:prstGeom prst="rect">
+            <a:avLst/>
+          </a:prstGeom>
+        </p:spPr>
+      </p:pic>
+    </p:spTree>
+    <p:extLst>
+      <p:ext uri="{BB962C8B-B14F-4D97-AF65-F5344CB8AC3E}">
+        <p14:creationId xmlns:p14="http://schemas.microsoft.com/office/powerpoint/2010/main" val="2090207027"/>
+      </p:ext>
+    </p:extLst>
+  </p:cSld>
+  <p:clrMapOvr>
+    <a:masterClrMapping/>
+  </p:clrMapOvr>
+</p:sld>
+</file>
+
+<file path=ppt/slides/slide56.xml><?xml version="1.0" encoding="utf-8"?>
+<p:sld xmlns:a="http://schemas.openxmlformats.org/drawingml/2006/main" xmlns:r="http://schemas.openxmlformats.org/officeDocument/2006/relationships" xmlns:p="http://schemas.openxmlformats.org/presentationml/2006/main">
+  <p:cSld>
+    <p:spTree>
+      <p:nvGrpSpPr>
+        <p:cNvPr id="1" name=""/>
+        <p:cNvGrpSpPr/>
+        <p:nvPr/>
+      </p:nvGrpSpPr>
+      <p:grpSpPr>
+        <a:xfrm>
+          <a:off x="0" y="0"/>
+          <a:ext cx="0" cy="0"/>
+          <a:chOff x="0" y="0"/>
+          <a:chExt cx="0" cy="0"/>
+        </a:xfrm>
+      </p:grpSpPr>
+      <p:sp>
+        <p:nvSpPr>
+          <p:cNvPr id="2" name="Título 1">
+            <a:extLst>
+              <a:ext uri="{FF2B5EF4-FFF2-40B4-BE49-F238E27FC236}">
+                <a16:creationId xmlns:a16="http://schemas.microsoft.com/office/drawing/2014/main" id="{AC38FEF4-6A28-47C2-B976-7D73ADC8D024}"/>
+              </a:ext>
+            </a:extLst>
+          </p:cNvPr>
+          <p:cNvSpPr>
+            <a:spLocks noGrp="1"/>
+          </p:cNvSpPr>
+          <p:nvPr>
+            <p:ph type="title"/>
+          </p:nvPr>
+        </p:nvSpPr>
+        <p:spPr/>
+        <p:txBody>
+          <a:bodyPr/>
+          <a:lstStyle/>
+          <a:p>
+            <a:r>
+              <a:rPr lang="es-ES" dirty="0"/>
+              <a:t>Time </a:t>
+            </a:r>
+            <a:r>
+              <a:rPr lang="es-ES" dirty="0" err="1"/>
+              <a:t>to</a:t>
+            </a:r>
+            <a:r>
+              <a:rPr lang="es-ES" dirty="0"/>
+              <a:t> </a:t>
+            </a:r>
+            <a:r>
+              <a:rPr lang="es-ES" dirty="0" err="1"/>
+              <a:t>practice</a:t>
+            </a:r>
+            <a:endParaRPr lang="es-ES" dirty="0"/>
+          </a:p>
+        </p:txBody>
+      </p:sp>
+      <p:sp>
+        <p:nvSpPr>
+          <p:cNvPr id="3" name="Marcador de contenido 2">
+            <a:extLst>
+              <a:ext uri="{FF2B5EF4-FFF2-40B4-BE49-F238E27FC236}">
+                <a16:creationId xmlns:a16="http://schemas.microsoft.com/office/drawing/2014/main" id="{695CCDEB-05A1-4B53-850A-C38A513AE085}"/>
+              </a:ext>
+            </a:extLst>
+          </p:cNvPr>
+          <p:cNvSpPr>
+            <a:spLocks noGrp="1"/>
+          </p:cNvSpPr>
+          <p:nvPr>
+            <p:ph idx="1"/>
+          </p:nvPr>
+        </p:nvSpPr>
+        <p:spPr/>
+        <p:txBody>
+          <a:bodyPr/>
+          <a:lstStyle/>
+          <a:p>
+            <a:r>
+              <a:rPr lang="es-ES" dirty="0"/>
+              <a:t>Refactorizar los ejercicios anteriores usando funciones.</a:t>
+            </a:r>
+          </a:p>
+        </p:txBody>
+      </p:sp>
+    </p:spTree>
+    <p:extLst>
+      <p:ext uri="{BB962C8B-B14F-4D97-AF65-F5344CB8AC3E}">
+        <p14:creationId xmlns:p14="http://schemas.microsoft.com/office/powerpoint/2010/main" val="2960504698"/>
       </p:ext>
     </p:extLst>
   </p:cSld>

--- a/Presentacion.pptx
+++ b/Presentacion.pptx
@@ -5,7 +5,7 @@
     <p:sldMasterId id="2147483648" r:id="rId1"/>
   </p:sldMasterIdLst>
   <p:notesMasterIdLst>
-    <p:notesMasterId r:id="rId58"/>
+    <p:notesMasterId r:id="rId60"/>
   </p:notesMasterIdLst>
   <p:sldIdLst>
     <p:sldId id="256" r:id="rId2"/>
@@ -64,6 +64,8 @@
     <p:sldId id="315" r:id="rId55"/>
     <p:sldId id="316" r:id="rId56"/>
     <p:sldId id="317" r:id="rId57"/>
+    <p:sldId id="318" r:id="rId58"/>
+    <p:sldId id="319" r:id="rId59"/>
   </p:sldIdLst>
   <p:sldSz cx="12192000" cy="6858000"/>
   <p:notesSz cx="6858000" cy="9144000"/>
@@ -252,7 +254,7 @@
           <a:p>
             <a:fld id="{B1F018D7-01AD-4413-ACF1-CA5C284ABF1D}" type="datetimeFigureOut">
               <a:rPr lang="es-ES" smtClean="0"/>
-              <a:t>02/05/2022</a:t>
+              <a:t>22/05/2022</a:t>
             </a:fld>
             <a:endParaRPr lang="es-ES"/>
           </a:p>
@@ -1002,7 +1004,7 @@
           <a:p>
             <a:fld id="{17321F09-57B9-4431-8E2D-17B39AD68799}" type="datetimeFigureOut">
               <a:rPr lang="es-ES" smtClean="0"/>
-              <a:t>02/05/2022</a:t>
+              <a:t>22/05/2022</a:t>
             </a:fld>
             <a:endParaRPr lang="es-ES"/>
           </a:p>
@@ -1200,7 +1202,7 @@
           <a:p>
             <a:fld id="{17321F09-57B9-4431-8E2D-17B39AD68799}" type="datetimeFigureOut">
               <a:rPr lang="es-ES" smtClean="0"/>
-              <a:t>02/05/2022</a:t>
+              <a:t>22/05/2022</a:t>
             </a:fld>
             <a:endParaRPr lang="es-ES"/>
           </a:p>
@@ -1408,7 +1410,7 @@
           <a:p>
             <a:fld id="{17321F09-57B9-4431-8E2D-17B39AD68799}" type="datetimeFigureOut">
               <a:rPr lang="es-ES" smtClean="0"/>
-              <a:t>02/05/2022</a:t>
+              <a:t>22/05/2022</a:t>
             </a:fld>
             <a:endParaRPr lang="es-ES"/>
           </a:p>
@@ -1606,7 +1608,7 @@
           <a:p>
             <a:fld id="{17321F09-57B9-4431-8E2D-17B39AD68799}" type="datetimeFigureOut">
               <a:rPr lang="es-ES" smtClean="0"/>
-              <a:t>02/05/2022</a:t>
+              <a:t>22/05/2022</a:t>
             </a:fld>
             <a:endParaRPr lang="es-ES"/>
           </a:p>
@@ -1881,7 +1883,7 @@
           <a:p>
             <a:fld id="{17321F09-57B9-4431-8E2D-17B39AD68799}" type="datetimeFigureOut">
               <a:rPr lang="es-ES" smtClean="0"/>
-              <a:t>02/05/2022</a:t>
+              <a:t>22/05/2022</a:t>
             </a:fld>
             <a:endParaRPr lang="es-ES"/>
           </a:p>
@@ -2146,7 +2148,7 @@
           <a:p>
             <a:fld id="{17321F09-57B9-4431-8E2D-17B39AD68799}" type="datetimeFigureOut">
               <a:rPr lang="es-ES" smtClean="0"/>
-              <a:t>02/05/2022</a:t>
+              <a:t>22/05/2022</a:t>
             </a:fld>
             <a:endParaRPr lang="es-ES"/>
           </a:p>
@@ -2558,7 +2560,7 @@
           <a:p>
             <a:fld id="{17321F09-57B9-4431-8E2D-17B39AD68799}" type="datetimeFigureOut">
               <a:rPr lang="es-ES" smtClean="0"/>
-              <a:t>02/05/2022</a:t>
+              <a:t>22/05/2022</a:t>
             </a:fld>
             <a:endParaRPr lang="es-ES"/>
           </a:p>
@@ -2699,7 +2701,7 @@
           <a:p>
             <a:fld id="{17321F09-57B9-4431-8E2D-17B39AD68799}" type="datetimeFigureOut">
               <a:rPr lang="es-ES" smtClean="0"/>
-              <a:t>02/05/2022</a:t>
+              <a:t>22/05/2022</a:t>
             </a:fld>
             <a:endParaRPr lang="es-ES"/>
           </a:p>
@@ -2812,7 +2814,7 @@
           <a:p>
             <a:fld id="{17321F09-57B9-4431-8E2D-17B39AD68799}" type="datetimeFigureOut">
               <a:rPr lang="es-ES" smtClean="0"/>
-              <a:t>02/05/2022</a:t>
+              <a:t>22/05/2022</a:t>
             </a:fld>
             <a:endParaRPr lang="es-ES"/>
           </a:p>
@@ -3123,7 +3125,7 @@
           <a:p>
             <a:fld id="{17321F09-57B9-4431-8E2D-17B39AD68799}" type="datetimeFigureOut">
               <a:rPr lang="es-ES" smtClean="0"/>
-              <a:t>02/05/2022</a:t>
+              <a:t>22/05/2022</a:t>
             </a:fld>
             <a:endParaRPr lang="es-ES"/>
           </a:p>
@@ -3411,7 +3413,7 @@
           <a:p>
             <a:fld id="{17321F09-57B9-4431-8E2D-17B39AD68799}" type="datetimeFigureOut">
               <a:rPr lang="es-ES" smtClean="0"/>
-              <a:t>02/05/2022</a:t>
+              <a:t>22/05/2022</a:t>
             </a:fld>
             <a:endParaRPr lang="es-ES"/>
           </a:p>
@@ -3652,7 +3654,7 @@
           <a:p>
             <a:fld id="{17321F09-57B9-4431-8E2D-17B39AD68799}" type="datetimeFigureOut">
               <a:rPr lang="es-ES" smtClean="0"/>
-              <a:t>02/05/2022</a:t>
+              <a:t>22/05/2022</a:t>
             </a:fld>
             <a:endParaRPr lang="es-ES"/>
           </a:p>
@@ -12779,12 +12781,191 @@
               <a:t>Refactorizar los ejercicios anteriores usando funciones.</a:t>
             </a:r>
           </a:p>
+          <a:p>
+            <a:endParaRPr lang="es-ES" dirty="0"/>
+          </a:p>
         </p:txBody>
       </p:sp>
     </p:spTree>
     <p:extLst>
       <p:ext uri="{BB962C8B-B14F-4D97-AF65-F5344CB8AC3E}">
         <p14:creationId xmlns:p14="http://schemas.microsoft.com/office/powerpoint/2010/main" val="2960504698"/>
+      </p:ext>
+    </p:extLst>
+  </p:cSld>
+  <p:clrMapOvr>
+    <a:masterClrMapping/>
+  </p:clrMapOvr>
+</p:sld>
+</file>
+
+<file path=ppt/slides/slide57.xml><?xml version="1.0" encoding="utf-8"?>
+<p:sld xmlns:a="http://schemas.openxmlformats.org/drawingml/2006/main" xmlns:r="http://schemas.openxmlformats.org/officeDocument/2006/relationships" xmlns:p="http://schemas.openxmlformats.org/presentationml/2006/main">
+  <p:cSld>
+    <p:spTree>
+      <p:nvGrpSpPr>
+        <p:cNvPr id="1" name=""/>
+        <p:cNvGrpSpPr/>
+        <p:nvPr/>
+      </p:nvGrpSpPr>
+      <p:grpSpPr>
+        <a:xfrm>
+          <a:off x="0" y="0"/>
+          <a:ext cx="0" cy="0"/>
+          <a:chOff x="0" y="0"/>
+          <a:chExt cx="0" cy="0"/>
+        </a:xfrm>
+      </p:grpSpPr>
+      <p:sp>
+        <p:nvSpPr>
+          <p:cNvPr id="2" name="Título 1">
+            <a:extLst>
+              <a:ext uri="{FF2B5EF4-FFF2-40B4-BE49-F238E27FC236}">
+                <a16:creationId xmlns:a16="http://schemas.microsoft.com/office/drawing/2014/main" id="{C1B59101-BCC7-4B07-AAEA-75E2C9E1EE6C}"/>
+              </a:ext>
+            </a:extLst>
+          </p:cNvPr>
+          <p:cNvSpPr>
+            <a:spLocks noGrp="1"/>
+          </p:cNvSpPr>
+          <p:nvPr>
+            <p:ph type="title"/>
+          </p:nvPr>
+        </p:nvSpPr>
+        <p:spPr/>
+        <p:txBody>
+          <a:bodyPr/>
+          <a:lstStyle/>
+          <a:p>
+            <a:r>
+              <a:rPr lang="es-ES" dirty="0"/>
+              <a:t>JavaScript y DOM</a:t>
+            </a:r>
+          </a:p>
+        </p:txBody>
+      </p:sp>
+      <p:pic>
+        <p:nvPicPr>
+          <p:cNvPr id="7" name="Imagen 6">
+            <a:extLst>
+              <a:ext uri="{FF2B5EF4-FFF2-40B4-BE49-F238E27FC236}">
+                <a16:creationId xmlns:a16="http://schemas.microsoft.com/office/drawing/2014/main" id="{91415797-8678-4334-B341-E141F326DABF}"/>
+              </a:ext>
+            </a:extLst>
+          </p:cNvPr>
+          <p:cNvPicPr>
+            <a:picLocks noChangeAspect="1"/>
+          </p:cNvPicPr>
+          <p:nvPr/>
+        </p:nvPicPr>
+        <p:blipFill>
+          <a:blip r:embed="rId2"/>
+          <a:stretch>
+            <a:fillRect/>
+          </a:stretch>
+        </p:blipFill>
+        <p:spPr>
+          <a:xfrm>
+            <a:off x="3938498" y="1598160"/>
+            <a:ext cx="4571392" cy="4721810"/>
+          </a:xfrm>
+          <a:prstGeom prst="rect">
+            <a:avLst/>
+          </a:prstGeom>
+        </p:spPr>
+      </p:pic>
+    </p:spTree>
+    <p:extLst>
+      <p:ext uri="{BB962C8B-B14F-4D97-AF65-F5344CB8AC3E}">
+        <p14:creationId xmlns:p14="http://schemas.microsoft.com/office/powerpoint/2010/main" val="2663583802"/>
+      </p:ext>
+    </p:extLst>
+  </p:cSld>
+  <p:clrMapOvr>
+    <a:masterClrMapping/>
+  </p:clrMapOvr>
+</p:sld>
+</file>
+
+<file path=ppt/slides/slide58.xml><?xml version="1.0" encoding="utf-8"?>
+<p:sld xmlns:a="http://schemas.openxmlformats.org/drawingml/2006/main" xmlns:r="http://schemas.openxmlformats.org/officeDocument/2006/relationships" xmlns:p="http://schemas.openxmlformats.org/presentationml/2006/main">
+  <p:cSld>
+    <p:spTree>
+      <p:nvGrpSpPr>
+        <p:cNvPr id="1" name=""/>
+        <p:cNvGrpSpPr/>
+        <p:nvPr/>
+      </p:nvGrpSpPr>
+      <p:grpSpPr>
+        <a:xfrm>
+          <a:off x="0" y="0"/>
+          <a:ext cx="0" cy="0"/>
+          <a:chOff x="0" y="0"/>
+          <a:chExt cx="0" cy="0"/>
+        </a:xfrm>
+      </p:grpSpPr>
+      <p:sp>
+        <p:nvSpPr>
+          <p:cNvPr id="2" name="Título 1">
+            <a:extLst>
+              <a:ext uri="{FF2B5EF4-FFF2-40B4-BE49-F238E27FC236}">
+                <a16:creationId xmlns:a16="http://schemas.microsoft.com/office/drawing/2014/main" id="{C1B59101-BCC7-4B07-AAEA-75E2C9E1EE6C}"/>
+              </a:ext>
+            </a:extLst>
+          </p:cNvPr>
+          <p:cNvSpPr>
+            <a:spLocks noGrp="1"/>
+          </p:cNvSpPr>
+          <p:nvPr>
+            <p:ph type="title"/>
+          </p:nvPr>
+        </p:nvSpPr>
+        <p:spPr/>
+        <p:txBody>
+          <a:bodyPr/>
+          <a:lstStyle/>
+          <a:p>
+            <a:r>
+              <a:rPr lang="es-ES" dirty="0"/>
+              <a:t>JavaScript y DOM</a:t>
+            </a:r>
+          </a:p>
+        </p:txBody>
+      </p:sp>
+      <p:pic>
+        <p:nvPicPr>
+          <p:cNvPr id="5" name="Imagen 4">
+            <a:extLst>
+              <a:ext uri="{FF2B5EF4-FFF2-40B4-BE49-F238E27FC236}">
+                <a16:creationId xmlns:a16="http://schemas.microsoft.com/office/drawing/2014/main" id="{76EC3A5A-B344-4FC1-A1A2-D61943A1A62F}"/>
+              </a:ext>
+            </a:extLst>
+          </p:cNvPr>
+          <p:cNvPicPr>
+            <a:picLocks noChangeAspect="1"/>
+          </p:cNvPicPr>
+          <p:nvPr/>
+        </p:nvPicPr>
+        <p:blipFill>
+          <a:blip r:embed="rId2"/>
+          <a:stretch>
+            <a:fillRect/>
+          </a:stretch>
+        </p:blipFill>
+        <p:spPr>
+          <a:xfrm>
+            <a:off x="3769052" y="1453830"/>
+            <a:ext cx="4653895" cy="5039045"/>
+          </a:xfrm>
+          <a:prstGeom prst="rect">
+            <a:avLst/>
+          </a:prstGeom>
+        </p:spPr>
+      </p:pic>
+    </p:spTree>
+    <p:extLst>
+      <p:ext uri="{BB962C8B-B14F-4D97-AF65-F5344CB8AC3E}">
+        <p14:creationId xmlns:p14="http://schemas.microsoft.com/office/powerpoint/2010/main" val="95088341"/>
       </p:ext>
     </p:extLst>
   </p:cSld>

--- a/Presentacion.pptx
+++ b/Presentacion.pptx
@@ -5,7 +5,7 @@
     <p:sldMasterId id="2147483648" r:id="rId1"/>
   </p:sldMasterIdLst>
   <p:notesMasterIdLst>
-    <p:notesMasterId r:id="rId60"/>
+    <p:notesMasterId r:id="rId63"/>
   </p:notesMasterIdLst>
   <p:sldIdLst>
     <p:sldId id="256" r:id="rId2"/>
@@ -56,16 +56,19 @@
     <p:sldId id="307" r:id="rId47"/>
     <p:sldId id="308" r:id="rId48"/>
     <p:sldId id="310" r:id="rId49"/>
-    <p:sldId id="301" r:id="rId50"/>
-    <p:sldId id="311" r:id="rId51"/>
-    <p:sldId id="312" r:id="rId52"/>
-    <p:sldId id="313" r:id="rId53"/>
-    <p:sldId id="314" r:id="rId54"/>
-    <p:sldId id="315" r:id="rId55"/>
-    <p:sldId id="316" r:id="rId56"/>
-    <p:sldId id="317" r:id="rId57"/>
-    <p:sldId id="318" r:id="rId58"/>
-    <p:sldId id="319" r:id="rId59"/>
+    <p:sldId id="311" r:id="rId50"/>
+    <p:sldId id="312" r:id="rId51"/>
+    <p:sldId id="313" r:id="rId52"/>
+    <p:sldId id="314" r:id="rId53"/>
+    <p:sldId id="315" r:id="rId54"/>
+    <p:sldId id="316" r:id="rId55"/>
+    <p:sldId id="317" r:id="rId56"/>
+    <p:sldId id="320" r:id="rId57"/>
+    <p:sldId id="321" r:id="rId58"/>
+    <p:sldId id="322" r:id="rId59"/>
+    <p:sldId id="323" r:id="rId60"/>
+    <p:sldId id="318" r:id="rId61"/>
+    <p:sldId id="319" r:id="rId62"/>
   </p:sldIdLst>
   <p:sldSz cx="12192000" cy="6858000"/>
   <p:notesSz cx="6858000" cy="9144000"/>
@@ -254,7 +257,7 @@
           <a:p>
             <a:fld id="{B1F018D7-01AD-4413-ACF1-CA5C284ABF1D}" type="datetimeFigureOut">
               <a:rPr lang="es-ES" smtClean="0"/>
-              <a:t>22/05/2022</a:t>
+              <a:t>23/05/2022</a:t>
             </a:fld>
             <a:endParaRPr lang="es-ES"/>
           </a:p>
@@ -1004,7 +1007,7 @@
           <a:p>
             <a:fld id="{17321F09-57B9-4431-8E2D-17B39AD68799}" type="datetimeFigureOut">
               <a:rPr lang="es-ES" smtClean="0"/>
-              <a:t>22/05/2022</a:t>
+              <a:t>23/05/2022</a:t>
             </a:fld>
             <a:endParaRPr lang="es-ES"/>
           </a:p>
@@ -1202,7 +1205,7 @@
           <a:p>
             <a:fld id="{17321F09-57B9-4431-8E2D-17B39AD68799}" type="datetimeFigureOut">
               <a:rPr lang="es-ES" smtClean="0"/>
-              <a:t>22/05/2022</a:t>
+              <a:t>23/05/2022</a:t>
             </a:fld>
             <a:endParaRPr lang="es-ES"/>
           </a:p>
@@ -1410,7 +1413,7 @@
           <a:p>
             <a:fld id="{17321F09-57B9-4431-8E2D-17B39AD68799}" type="datetimeFigureOut">
               <a:rPr lang="es-ES" smtClean="0"/>
-              <a:t>22/05/2022</a:t>
+              <a:t>23/05/2022</a:t>
             </a:fld>
             <a:endParaRPr lang="es-ES"/>
           </a:p>
@@ -1608,7 +1611,7 @@
           <a:p>
             <a:fld id="{17321F09-57B9-4431-8E2D-17B39AD68799}" type="datetimeFigureOut">
               <a:rPr lang="es-ES" smtClean="0"/>
-              <a:t>22/05/2022</a:t>
+              <a:t>23/05/2022</a:t>
             </a:fld>
             <a:endParaRPr lang="es-ES"/>
           </a:p>
@@ -1883,7 +1886,7 @@
           <a:p>
             <a:fld id="{17321F09-57B9-4431-8E2D-17B39AD68799}" type="datetimeFigureOut">
               <a:rPr lang="es-ES" smtClean="0"/>
-              <a:t>22/05/2022</a:t>
+              <a:t>23/05/2022</a:t>
             </a:fld>
             <a:endParaRPr lang="es-ES"/>
           </a:p>
@@ -2148,7 +2151,7 @@
           <a:p>
             <a:fld id="{17321F09-57B9-4431-8E2D-17B39AD68799}" type="datetimeFigureOut">
               <a:rPr lang="es-ES" smtClean="0"/>
-              <a:t>22/05/2022</a:t>
+              <a:t>23/05/2022</a:t>
             </a:fld>
             <a:endParaRPr lang="es-ES"/>
           </a:p>
@@ -2560,7 +2563,7 @@
           <a:p>
             <a:fld id="{17321F09-57B9-4431-8E2D-17B39AD68799}" type="datetimeFigureOut">
               <a:rPr lang="es-ES" smtClean="0"/>
-              <a:t>22/05/2022</a:t>
+              <a:t>23/05/2022</a:t>
             </a:fld>
             <a:endParaRPr lang="es-ES"/>
           </a:p>
@@ -2701,7 +2704,7 @@
           <a:p>
             <a:fld id="{17321F09-57B9-4431-8E2D-17B39AD68799}" type="datetimeFigureOut">
               <a:rPr lang="es-ES" smtClean="0"/>
-              <a:t>22/05/2022</a:t>
+              <a:t>23/05/2022</a:t>
             </a:fld>
             <a:endParaRPr lang="es-ES"/>
           </a:p>
@@ -2814,7 +2817,7 @@
           <a:p>
             <a:fld id="{17321F09-57B9-4431-8E2D-17B39AD68799}" type="datetimeFigureOut">
               <a:rPr lang="es-ES" smtClean="0"/>
-              <a:t>22/05/2022</a:t>
+              <a:t>23/05/2022</a:t>
             </a:fld>
             <a:endParaRPr lang="es-ES"/>
           </a:p>
@@ -3125,7 +3128,7 @@
           <a:p>
             <a:fld id="{17321F09-57B9-4431-8E2D-17B39AD68799}" type="datetimeFigureOut">
               <a:rPr lang="es-ES" smtClean="0"/>
-              <a:t>22/05/2022</a:t>
+              <a:t>23/05/2022</a:t>
             </a:fld>
             <a:endParaRPr lang="es-ES"/>
           </a:p>
@@ -3413,7 +3416,7 @@
           <a:p>
             <a:fld id="{17321F09-57B9-4431-8E2D-17B39AD68799}" type="datetimeFigureOut">
               <a:rPr lang="es-ES" smtClean="0"/>
-              <a:t>22/05/2022</a:t>
+              <a:t>23/05/2022</a:t>
             </a:fld>
             <a:endParaRPr lang="es-ES"/>
           </a:p>
@@ -3654,7 +3657,7 @@
           <a:p>
             <a:fld id="{17321F09-57B9-4431-8E2D-17B39AD68799}" type="datetimeFigureOut">
               <a:rPr lang="es-ES" smtClean="0"/>
-              <a:t>22/05/2022</a:t>
+              <a:t>23/05/2022</a:t>
             </a:fld>
             <a:endParaRPr lang="es-ES"/>
           </a:p>
@@ -11521,7 +11524,7 @@
         </p:spPr>
         <p:txBody>
           <a:bodyPr>
-            <a:normAutofit fontScale="92500"/>
+            <a:normAutofit/>
           </a:bodyPr>
           <a:lstStyle/>
           <a:p>
@@ -11666,15 +11669,6 @@
             <a:r>
               <a:rPr lang="en-US" dirty="0"/>
               <a:t> -1.</a:t>
-            </a:r>
-          </a:p>
-          <a:p>
-            <a:pPr marL="0" indent="0" algn="just">
-              <a:buNone/>
-            </a:pPr>
-            <a:r>
-              <a:rPr lang="es-ES" dirty="0"/>
-              <a:t>12- Dado un array de números, devolver true si todos los elementos son pares. False en caso contrario.</a:t>
             </a:r>
           </a:p>
         </p:txBody>
@@ -11693,247 +11687,6 @@
 </file>
 
 <file path=ppt/slides/slide49.xml><?xml version="1.0" encoding="utf-8"?>
-<p:sld xmlns:a="http://schemas.openxmlformats.org/drawingml/2006/main" xmlns:r="http://schemas.openxmlformats.org/officeDocument/2006/relationships" xmlns:p="http://schemas.openxmlformats.org/presentationml/2006/main">
-  <p:cSld>
-    <p:spTree>
-      <p:nvGrpSpPr>
-        <p:cNvPr id="1" name=""/>
-        <p:cNvGrpSpPr/>
-        <p:nvPr/>
-      </p:nvGrpSpPr>
-      <p:grpSpPr>
-        <a:xfrm>
-          <a:off x="0" y="0"/>
-          <a:ext cx="0" cy="0"/>
-          <a:chOff x="0" y="0"/>
-          <a:chExt cx="0" cy="0"/>
-        </a:xfrm>
-      </p:grpSpPr>
-      <p:sp>
-        <p:nvSpPr>
-          <p:cNvPr id="2" name="Título 1">
-            <a:extLst>
-              <a:ext uri="{FF2B5EF4-FFF2-40B4-BE49-F238E27FC236}">
-                <a16:creationId xmlns:a16="http://schemas.microsoft.com/office/drawing/2014/main" id="{7F6D2EFD-F303-41CF-9F11-50D48D204DF7}"/>
-              </a:ext>
-            </a:extLst>
-          </p:cNvPr>
-          <p:cNvSpPr>
-            <a:spLocks noGrp="1"/>
-          </p:cNvSpPr>
-          <p:nvPr>
-            <p:ph type="title"/>
-          </p:nvPr>
-        </p:nvSpPr>
-        <p:spPr/>
-        <p:txBody>
-          <a:bodyPr/>
-          <a:lstStyle/>
-          <a:p>
-            <a:r>
-              <a:rPr lang="es-ES" dirty="0"/>
-              <a:t>Time </a:t>
-            </a:r>
-            <a:r>
-              <a:rPr lang="es-ES" dirty="0" err="1"/>
-              <a:t>to</a:t>
-            </a:r>
-            <a:r>
-              <a:rPr lang="es-ES" dirty="0"/>
-              <a:t> </a:t>
-            </a:r>
-            <a:r>
-              <a:rPr lang="es-ES" dirty="0" err="1"/>
-              <a:t>practice</a:t>
-            </a:r>
-            <a:endParaRPr lang="es-ES" dirty="0"/>
-          </a:p>
-        </p:txBody>
-      </p:sp>
-      <p:sp>
-        <p:nvSpPr>
-          <p:cNvPr id="3" name="Marcador de contenido 2">
-            <a:extLst>
-              <a:ext uri="{FF2B5EF4-FFF2-40B4-BE49-F238E27FC236}">
-                <a16:creationId xmlns:a16="http://schemas.microsoft.com/office/drawing/2014/main" id="{731A288A-6FDC-4FD8-B171-45EF3E82C3A6}"/>
-              </a:ext>
-            </a:extLst>
-          </p:cNvPr>
-          <p:cNvSpPr>
-            <a:spLocks noGrp="1"/>
-          </p:cNvSpPr>
-          <p:nvPr>
-            <p:ph idx="1"/>
-          </p:nvPr>
-        </p:nvSpPr>
-        <p:spPr/>
-        <p:txBody>
-          <a:bodyPr/>
-          <a:lstStyle/>
-          <a:p>
-            <a:r>
-              <a:rPr lang="es-ES" dirty="0"/>
-              <a:t>13- Dado un array de números, devolver un array con los números pares.</a:t>
-            </a:r>
-          </a:p>
-          <a:p>
-            <a:r>
-              <a:rPr lang="es-ES" dirty="0"/>
-              <a:t>14- Agregar un elemento en un array de números al final.</a:t>
-            </a:r>
-          </a:p>
-          <a:p>
-            <a:r>
-              <a:rPr lang="es-ES" dirty="0"/>
-              <a:t>15- Dados 2 </a:t>
-            </a:r>
-            <a:r>
-              <a:rPr lang="es-ES" dirty="0" err="1"/>
-              <a:t>arrays</a:t>
-            </a:r>
-            <a:r>
-              <a:rPr lang="es-ES" dirty="0"/>
-              <a:t> de números, devolver un array con la unión </a:t>
-            </a:r>
-            <a:r>
-              <a:rPr lang="es-ES"/>
-              <a:t>de los anteriores.</a:t>
-            </a:r>
-            <a:endParaRPr lang="es-ES" dirty="0"/>
-          </a:p>
-          <a:p>
-            <a:endParaRPr lang="es-ES" dirty="0"/>
-          </a:p>
-        </p:txBody>
-      </p:sp>
-    </p:spTree>
-    <p:extLst>
-      <p:ext uri="{BB962C8B-B14F-4D97-AF65-F5344CB8AC3E}">
-        <p14:creationId xmlns:p14="http://schemas.microsoft.com/office/powerpoint/2010/main" val="957785590"/>
-      </p:ext>
-    </p:extLst>
-  </p:cSld>
-  <p:clrMapOvr>
-    <a:masterClrMapping/>
-  </p:clrMapOvr>
-</p:sld>
-</file>
-
-<file path=ppt/slides/slide5.xml><?xml version="1.0" encoding="utf-8"?>
-<p:sld xmlns:a="http://schemas.openxmlformats.org/drawingml/2006/main" xmlns:r="http://schemas.openxmlformats.org/officeDocument/2006/relationships" xmlns:p="http://schemas.openxmlformats.org/presentationml/2006/main">
-  <p:cSld>
-    <p:spTree>
-      <p:nvGrpSpPr>
-        <p:cNvPr id="1" name=""/>
-        <p:cNvGrpSpPr/>
-        <p:nvPr/>
-      </p:nvGrpSpPr>
-      <p:grpSpPr>
-        <a:xfrm>
-          <a:off x="0" y="0"/>
-          <a:ext cx="0" cy="0"/>
-          <a:chOff x="0" y="0"/>
-          <a:chExt cx="0" cy="0"/>
-        </a:xfrm>
-      </p:grpSpPr>
-      <p:sp>
-        <p:nvSpPr>
-          <p:cNvPr id="2" name="Título 1">
-            <a:extLst>
-              <a:ext uri="{FF2B5EF4-FFF2-40B4-BE49-F238E27FC236}">
-                <a16:creationId xmlns:a16="http://schemas.microsoft.com/office/drawing/2014/main" id="{1280A393-407B-440E-B731-B604A7E78E76}"/>
-              </a:ext>
-            </a:extLst>
-          </p:cNvPr>
-          <p:cNvSpPr>
-            <a:spLocks noGrp="1"/>
-          </p:cNvSpPr>
-          <p:nvPr>
-            <p:ph type="title"/>
-          </p:nvPr>
-        </p:nvSpPr>
-        <p:spPr/>
-        <p:txBody>
-          <a:bodyPr/>
-          <a:lstStyle/>
-          <a:p>
-            <a:r>
-              <a:rPr lang="es-ES" dirty="0"/>
-              <a:t>Requisitos</a:t>
-            </a:r>
-          </a:p>
-        </p:txBody>
-      </p:sp>
-      <p:sp>
-        <p:nvSpPr>
-          <p:cNvPr id="3" name="Marcador de contenido 2">
-            <a:extLst>
-              <a:ext uri="{FF2B5EF4-FFF2-40B4-BE49-F238E27FC236}">
-                <a16:creationId xmlns:a16="http://schemas.microsoft.com/office/drawing/2014/main" id="{22DEC23A-6199-4323-883A-15FC89F30DB8}"/>
-              </a:ext>
-            </a:extLst>
-          </p:cNvPr>
-          <p:cNvSpPr>
-            <a:spLocks noGrp="1"/>
-          </p:cNvSpPr>
-          <p:nvPr>
-            <p:ph idx="1"/>
-          </p:nvPr>
-        </p:nvSpPr>
-        <p:spPr/>
-        <p:txBody>
-          <a:bodyPr/>
-          <a:lstStyle/>
-          <a:p>
-            <a:pPr algn="just"/>
-            <a:r>
-              <a:rPr lang="es-ES" dirty="0"/>
-              <a:t>Git</a:t>
-            </a:r>
-          </a:p>
-          <a:p>
-            <a:pPr algn="just"/>
-            <a:r>
-              <a:rPr lang="es-ES" dirty="0" err="1"/>
-              <a:t>NodeJS</a:t>
-            </a:r>
-            <a:endParaRPr lang="es-ES" dirty="0"/>
-          </a:p>
-          <a:p>
-            <a:pPr algn="just"/>
-            <a:r>
-              <a:rPr lang="es-ES" dirty="0"/>
-              <a:t>Visual Studio </a:t>
-            </a:r>
-            <a:r>
-              <a:rPr lang="es-ES" dirty="0" err="1"/>
-              <a:t>Code</a:t>
-            </a:r>
-            <a:endParaRPr lang="es-ES" dirty="0"/>
-          </a:p>
-          <a:p>
-            <a:pPr algn="just"/>
-            <a:r>
-              <a:rPr lang="es-ES" dirty="0"/>
-              <a:t>OpenSSL</a:t>
-            </a:r>
-          </a:p>
-        </p:txBody>
-      </p:sp>
-    </p:spTree>
-    <p:extLst>
-      <p:ext uri="{BB962C8B-B14F-4D97-AF65-F5344CB8AC3E}">
-        <p14:creationId xmlns:p14="http://schemas.microsoft.com/office/powerpoint/2010/main" val="129452445"/>
-      </p:ext>
-    </p:extLst>
-  </p:cSld>
-  <p:clrMapOvr>
-    <a:masterClrMapping/>
-  </p:clrMapOvr>
-</p:sld>
-</file>
-
-<file path=ppt/slides/slide50.xml><?xml version="1.0" encoding="utf-8"?>
 <p:sld xmlns:a="http://schemas.openxmlformats.org/drawingml/2006/main" xmlns:r="http://schemas.openxmlformats.org/officeDocument/2006/relationships" xmlns:p="http://schemas.openxmlformats.org/presentationml/2006/main">
   <p:cSld>
     <p:spTree>
@@ -12021,7 +11774,121 @@
 </p:sld>
 </file>
 
-<file path=ppt/slides/slide51.xml><?xml version="1.0" encoding="utf-8"?>
+<file path=ppt/slides/slide5.xml><?xml version="1.0" encoding="utf-8"?>
+<p:sld xmlns:a="http://schemas.openxmlformats.org/drawingml/2006/main" xmlns:r="http://schemas.openxmlformats.org/officeDocument/2006/relationships" xmlns:p="http://schemas.openxmlformats.org/presentationml/2006/main">
+  <p:cSld>
+    <p:spTree>
+      <p:nvGrpSpPr>
+        <p:cNvPr id="1" name=""/>
+        <p:cNvGrpSpPr/>
+        <p:nvPr/>
+      </p:nvGrpSpPr>
+      <p:grpSpPr>
+        <a:xfrm>
+          <a:off x="0" y="0"/>
+          <a:ext cx="0" cy="0"/>
+          <a:chOff x="0" y="0"/>
+          <a:chExt cx="0" cy="0"/>
+        </a:xfrm>
+      </p:grpSpPr>
+      <p:sp>
+        <p:nvSpPr>
+          <p:cNvPr id="2" name="Título 1">
+            <a:extLst>
+              <a:ext uri="{FF2B5EF4-FFF2-40B4-BE49-F238E27FC236}">
+                <a16:creationId xmlns:a16="http://schemas.microsoft.com/office/drawing/2014/main" id="{1280A393-407B-440E-B731-B604A7E78E76}"/>
+              </a:ext>
+            </a:extLst>
+          </p:cNvPr>
+          <p:cNvSpPr>
+            <a:spLocks noGrp="1"/>
+          </p:cNvSpPr>
+          <p:nvPr>
+            <p:ph type="title"/>
+          </p:nvPr>
+        </p:nvSpPr>
+        <p:spPr/>
+        <p:txBody>
+          <a:bodyPr/>
+          <a:lstStyle/>
+          <a:p>
+            <a:r>
+              <a:rPr lang="es-ES" dirty="0"/>
+              <a:t>Requisitos</a:t>
+            </a:r>
+          </a:p>
+        </p:txBody>
+      </p:sp>
+      <p:sp>
+        <p:nvSpPr>
+          <p:cNvPr id="3" name="Marcador de contenido 2">
+            <a:extLst>
+              <a:ext uri="{FF2B5EF4-FFF2-40B4-BE49-F238E27FC236}">
+                <a16:creationId xmlns:a16="http://schemas.microsoft.com/office/drawing/2014/main" id="{22DEC23A-6199-4323-883A-15FC89F30DB8}"/>
+              </a:ext>
+            </a:extLst>
+          </p:cNvPr>
+          <p:cNvSpPr>
+            <a:spLocks noGrp="1"/>
+          </p:cNvSpPr>
+          <p:nvPr>
+            <p:ph idx="1"/>
+          </p:nvPr>
+        </p:nvSpPr>
+        <p:spPr/>
+        <p:txBody>
+          <a:bodyPr/>
+          <a:lstStyle/>
+          <a:p>
+            <a:pPr algn="just"/>
+            <a:r>
+              <a:rPr lang="es-ES" dirty="0"/>
+              <a:t>Git</a:t>
+            </a:r>
+          </a:p>
+          <a:p>
+            <a:pPr algn="just"/>
+            <a:r>
+              <a:rPr lang="es-ES" dirty="0" err="1"/>
+              <a:t>NodeJS</a:t>
+            </a:r>
+            <a:endParaRPr lang="es-ES" dirty="0"/>
+          </a:p>
+          <a:p>
+            <a:pPr algn="just"/>
+            <a:r>
+              <a:rPr lang="es-ES" dirty="0"/>
+              <a:t>Visual Studio </a:t>
+            </a:r>
+            <a:r>
+              <a:rPr lang="es-ES" dirty="0" err="1"/>
+              <a:t>Code</a:t>
+            </a:r>
+            <a:endParaRPr lang="es-ES" dirty="0"/>
+          </a:p>
+          <a:p>
+            <a:pPr algn="just"/>
+            <a:r>
+              <a:rPr lang="es-ES" dirty="0"/>
+              <a:t>OpenSSL</a:t>
+            </a:r>
+          </a:p>
+        </p:txBody>
+      </p:sp>
+    </p:spTree>
+    <p:extLst>
+      <p:ext uri="{BB962C8B-B14F-4D97-AF65-F5344CB8AC3E}">
+        <p14:creationId xmlns:p14="http://schemas.microsoft.com/office/powerpoint/2010/main" val="129452445"/>
+      </p:ext>
+    </p:extLst>
+  </p:cSld>
+  <p:clrMapOvr>
+    <a:masterClrMapping/>
+  </p:clrMapOvr>
+</p:sld>
+</file>
+
+<file path=ppt/slides/slide50.xml><?xml version="1.0" encoding="utf-8"?>
 <p:sld xmlns:a="http://schemas.openxmlformats.org/drawingml/2006/main" xmlns:r="http://schemas.openxmlformats.org/officeDocument/2006/relationships" xmlns:p="http://schemas.openxmlformats.org/presentationml/2006/main">
   <p:cSld>
     <p:spTree>
@@ -12109,7 +11976,7 @@
 </p:sld>
 </file>
 
-<file path=ppt/slides/slide52.xml><?xml version="1.0" encoding="utf-8"?>
+<file path=ppt/slides/slide51.xml><?xml version="1.0" encoding="utf-8"?>
 <p:sld xmlns:a="http://schemas.openxmlformats.org/drawingml/2006/main" xmlns:r="http://schemas.openxmlformats.org/officeDocument/2006/relationships" xmlns:p="http://schemas.openxmlformats.org/presentationml/2006/main">
   <p:cSld>
     <p:spTree>
@@ -12197,7 +12064,7 @@
 </p:sld>
 </file>
 
-<file path=ppt/slides/slide53.xml><?xml version="1.0" encoding="utf-8"?>
+<file path=ppt/slides/slide52.xml><?xml version="1.0" encoding="utf-8"?>
 <p:sld xmlns:a="http://schemas.openxmlformats.org/drawingml/2006/main" xmlns:r="http://schemas.openxmlformats.org/officeDocument/2006/relationships" xmlns:p="http://schemas.openxmlformats.org/presentationml/2006/main">
   <p:cSld>
     <p:spTree>
@@ -12345,7 +12212,7 @@
 </p:sld>
 </file>
 
-<file path=ppt/slides/slide54.xml><?xml version="1.0" encoding="utf-8"?>
+<file path=ppt/slides/slide53.xml><?xml version="1.0" encoding="utf-8"?>
 <p:sld xmlns:a="http://schemas.openxmlformats.org/drawingml/2006/main" xmlns:r="http://schemas.openxmlformats.org/officeDocument/2006/relationships" xmlns:p="http://schemas.openxmlformats.org/presentationml/2006/main">
   <p:cSld>
     <p:spTree>
@@ -12575,7 +12442,7 @@
 </p:sld>
 </file>
 
-<file path=ppt/slides/slide55.xml><?xml version="1.0" encoding="utf-8"?>
+<file path=ppt/slides/slide54.xml><?xml version="1.0" encoding="utf-8"?>
 <p:sld xmlns:a="http://schemas.openxmlformats.org/drawingml/2006/main" xmlns:r="http://schemas.openxmlformats.org/officeDocument/2006/relationships" xmlns:p="http://schemas.openxmlformats.org/presentationml/2006/main">
   <p:cSld>
     <p:spTree>
@@ -12697,6 +12564,157 @@
 </p:sld>
 </file>
 
+<file path=ppt/slides/slide55.xml><?xml version="1.0" encoding="utf-8"?>
+<p:sld xmlns:a="http://schemas.openxmlformats.org/drawingml/2006/main" xmlns:r="http://schemas.openxmlformats.org/officeDocument/2006/relationships" xmlns:p="http://schemas.openxmlformats.org/presentationml/2006/main">
+  <p:cSld>
+    <p:spTree>
+      <p:nvGrpSpPr>
+        <p:cNvPr id="1" name=""/>
+        <p:cNvGrpSpPr/>
+        <p:nvPr/>
+      </p:nvGrpSpPr>
+      <p:grpSpPr>
+        <a:xfrm>
+          <a:off x="0" y="0"/>
+          <a:ext cx="0" cy="0"/>
+          <a:chOff x="0" y="0"/>
+          <a:chExt cx="0" cy="0"/>
+        </a:xfrm>
+      </p:grpSpPr>
+      <p:sp>
+        <p:nvSpPr>
+          <p:cNvPr id="2" name="Título 1">
+            <a:extLst>
+              <a:ext uri="{FF2B5EF4-FFF2-40B4-BE49-F238E27FC236}">
+                <a16:creationId xmlns:a16="http://schemas.microsoft.com/office/drawing/2014/main" id="{AC38FEF4-6A28-47C2-B976-7D73ADC8D024}"/>
+              </a:ext>
+            </a:extLst>
+          </p:cNvPr>
+          <p:cNvSpPr>
+            <a:spLocks noGrp="1"/>
+          </p:cNvSpPr>
+          <p:nvPr>
+            <p:ph type="title"/>
+          </p:nvPr>
+        </p:nvSpPr>
+        <p:spPr/>
+        <p:txBody>
+          <a:bodyPr/>
+          <a:lstStyle/>
+          <a:p>
+            <a:r>
+              <a:rPr lang="es-ES" dirty="0"/>
+              <a:t>Time </a:t>
+            </a:r>
+            <a:r>
+              <a:rPr lang="es-ES" dirty="0" err="1"/>
+              <a:t>to</a:t>
+            </a:r>
+            <a:r>
+              <a:rPr lang="es-ES" dirty="0"/>
+              <a:t> </a:t>
+            </a:r>
+            <a:r>
+              <a:rPr lang="es-ES" dirty="0" err="1"/>
+              <a:t>practice</a:t>
+            </a:r>
+            <a:endParaRPr lang="es-ES" dirty="0"/>
+          </a:p>
+        </p:txBody>
+      </p:sp>
+      <p:sp>
+        <p:nvSpPr>
+          <p:cNvPr id="3" name="Marcador de contenido 2">
+            <a:extLst>
+              <a:ext uri="{FF2B5EF4-FFF2-40B4-BE49-F238E27FC236}">
+                <a16:creationId xmlns:a16="http://schemas.microsoft.com/office/drawing/2014/main" id="{695CCDEB-05A1-4B53-850A-C38A513AE085}"/>
+              </a:ext>
+            </a:extLst>
+          </p:cNvPr>
+          <p:cNvSpPr>
+            <a:spLocks noGrp="1"/>
+          </p:cNvSpPr>
+          <p:nvPr>
+            <p:ph idx="1"/>
+          </p:nvPr>
+        </p:nvSpPr>
+        <p:spPr/>
+        <p:txBody>
+          <a:bodyPr/>
+          <a:lstStyle/>
+          <a:p>
+            <a:pPr algn="just"/>
+            <a:r>
+              <a:rPr lang="es-ES" dirty="0"/>
+              <a:t>Refactorizar los ejercicios anteriores usando funciones.</a:t>
+            </a:r>
+          </a:p>
+          <a:p>
+            <a:pPr algn="just"/>
+            <a:endParaRPr lang="es-ES" dirty="0"/>
+          </a:p>
+          <a:p>
+            <a:pPr marL="0" indent="0" algn="just">
+              <a:buNone/>
+            </a:pPr>
+            <a:r>
+              <a:rPr lang="es-ES" dirty="0"/>
+              <a:t>12- Dado un array de números, devolver true si todos los elementos son pares. False en caso contrario.</a:t>
+            </a:r>
+          </a:p>
+          <a:p>
+            <a:pPr marL="0" indent="0" algn="just">
+              <a:buNone/>
+            </a:pPr>
+            <a:r>
+              <a:rPr lang="es-ES" dirty="0"/>
+              <a:t>13- Dado un array de números, devolver un array con los números pares.</a:t>
+            </a:r>
+          </a:p>
+          <a:p>
+            <a:pPr marL="0" indent="0" algn="just">
+              <a:buNone/>
+            </a:pPr>
+            <a:r>
+              <a:rPr lang="es-ES" dirty="0"/>
+              <a:t>14- Dados 2 </a:t>
+            </a:r>
+            <a:r>
+              <a:rPr lang="es-ES" dirty="0" err="1"/>
+              <a:t>arrays</a:t>
+            </a:r>
+            <a:r>
+              <a:rPr lang="es-ES" dirty="0"/>
+              <a:t> de números, devolver un array con la unión de los anteriores.</a:t>
+            </a:r>
+          </a:p>
+          <a:p>
+            <a:pPr algn="just"/>
+            <a:endParaRPr lang="es-ES" dirty="0"/>
+          </a:p>
+          <a:p>
+            <a:pPr algn="just"/>
+            <a:endParaRPr lang="es-ES" dirty="0"/>
+          </a:p>
+          <a:p>
+            <a:pPr algn="just"/>
+            <a:endParaRPr lang="es-ES" dirty="0"/>
+          </a:p>
+        </p:txBody>
+      </p:sp>
+    </p:spTree>
+    <p:extLst>
+      <p:ext uri="{BB962C8B-B14F-4D97-AF65-F5344CB8AC3E}">
+        <p14:creationId xmlns:p14="http://schemas.microsoft.com/office/powerpoint/2010/main" val="2960504698"/>
+      </p:ext>
+    </p:extLst>
+  </p:cSld>
+  <p:clrMapOvr>
+    <a:masterClrMapping/>
+  </p:clrMapOvr>
+</p:sld>
+</file>
+
 <file path=ppt/slides/slide56.xml><?xml version="1.0" encoding="utf-8"?>
 <p:sld xmlns:a="http://schemas.openxmlformats.org/drawingml/2006/main" xmlns:r="http://schemas.openxmlformats.org/officeDocument/2006/relationships" xmlns:p="http://schemas.openxmlformats.org/presentationml/2006/main">
   <p:cSld>
@@ -12719,7 +12737,7 @@
           <p:cNvPr id="2" name="Título 1">
             <a:extLst>
               <a:ext uri="{FF2B5EF4-FFF2-40B4-BE49-F238E27FC236}">
-                <a16:creationId xmlns:a16="http://schemas.microsoft.com/office/drawing/2014/main" id="{AC38FEF4-6A28-47C2-B976-7D73ADC8D024}"/>
+                <a16:creationId xmlns:a16="http://schemas.microsoft.com/office/drawing/2014/main" id="{C05320AE-F38A-44E4-864C-2DBA9822E3DB}"/>
               </a:ext>
             </a:extLst>
           </p:cNvPr>
@@ -12737,59 +12755,45 @@
           <a:p>
             <a:r>
               <a:rPr lang="es-ES" dirty="0"/>
-              <a:t>Time </a:t>
-            </a:r>
-            <a:r>
-              <a:rPr lang="es-ES" dirty="0" err="1"/>
-              <a:t>to</a:t>
-            </a:r>
-            <a:r>
-              <a:rPr lang="es-ES" dirty="0"/>
-              <a:t> </a:t>
-            </a:r>
-            <a:r>
-              <a:rPr lang="es-ES" dirty="0" err="1"/>
-              <a:t>practice</a:t>
-            </a:r>
-            <a:endParaRPr lang="es-ES" dirty="0"/>
-          </a:p>
-        </p:txBody>
-      </p:sp>
-      <p:sp>
-        <p:nvSpPr>
-          <p:cNvPr id="3" name="Marcador de contenido 2">
-            <a:extLst>
-              <a:ext uri="{FF2B5EF4-FFF2-40B4-BE49-F238E27FC236}">
-                <a16:creationId xmlns:a16="http://schemas.microsoft.com/office/drawing/2014/main" id="{695CCDEB-05A1-4B53-850A-C38A513AE085}"/>
-              </a:ext>
-            </a:extLst>
-          </p:cNvPr>
-          <p:cNvSpPr>
-            <a:spLocks noGrp="1"/>
-          </p:cNvSpPr>
-          <p:nvPr>
-            <p:ph idx="1"/>
-          </p:nvPr>
-        </p:nvSpPr>
-        <p:spPr/>
-        <p:txBody>
-          <a:bodyPr/>
-          <a:lstStyle/>
-          <a:p>
-            <a:r>
-              <a:rPr lang="es-ES" dirty="0"/>
-              <a:t>Refactorizar los ejercicios anteriores usando funciones.</a:t>
-            </a:r>
-          </a:p>
-          <a:p>
-            <a:endParaRPr lang="es-ES" dirty="0"/>
-          </a:p>
-        </p:txBody>
-      </p:sp>
+              <a:t>JavaScript básico: clases</a:t>
+            </a:r>
+          </a:p>
+        </p:txBody>
+      </p:sp>
+      <p:pic>
+        <p:nvPicPr>
+          <p:cNvPr id="5" name="Imagen 4">
+            <a:extLst>
+              <a:ext uri="{FF2B5EF4-FFF2-40B4-BE49-F238E27FC236}">
+                <a16:creationId xmlns:a16="http://schemas.microsoft.com/office/drawing/2014/main" id="{04DA7739-36C9-4DCE-9BE5-23CBA14F6037}"/>
+              </a:ext>
+            </a:extLst>
+          </p:cNvPr>
+          <p:cNvPicPr>
+            <a:picLocks noChangeAspect="1"/>
+          </p:cNvPicPr>
+          <p:nvPr/>
+        </p:nvPicPr>
+        <p:blipFill>
+          <a:blip r:embed="rId2"/>
+          <a:stretch>
+            <a:fillRect/>
+          </a:stretch>
+        </p:blipFill>
+        <p:spPr>
+          <a:xfrm>
+            <a:off x="741427" y="1587729"/>
+            <a:ext cx="4600575" cy="2419350"/>
+          </a:xfrm>
+          <a:prstGeom prst="rect">
+            <a:avLst/>
+          </a:prstGeom>
+        </p:spPr>
+      </p:pic>
     </p:spTree>
     <p:extLst>
       <p:ext uri="{BB962C8B-B14F-4D97-AF65-F5344CB8AC3E}">
-        <p14:creationId xmlns:p14="http://schemas.microsoft.com/office/powerpoint/2010/main" val="2960504698"/>
+        <p14:creationId xmlns:p14="http://schemas.microsoft.com/office/powerpoint/2010/main" val="2633129373"/>
       </p:ext>
     </p:extLst>
   </p:cSld>
@@ -12800,6 +12804,435 @@
 </file>
 
 <file path=ppt/slides/slide57.xml><?xml version="1.0" encoding="utf-8"?>
+<p:sld xmlns:a="http://schemas.openxmlformats.org/drawingml/2006/main" xmlns:r="http://schemas.openxmlformats.org/officeDocument/2006/relationships" xmlns:p="http://schemas.openxmlformats.org/presentationml/2006/main">
+  <p:cSld>
+    <p:spTree>
+      <p:nvGrpSpPr>
+        <p:cNvPr id="1" name=""/>
+        <p:cNvGrpSpPr/>
+        <p:nvPr/>
+      </p:nvGrpSpPr>
+      <p:grpSpPr>
+        <a:xfrm>
+          <a:off x="0" y="0"/>
+          <a:ext cx="0" cy="0"/>
+          <a:chOff x="0" y="0"/>
+          <a:chExt cx="0" cy="0"/>
+        </a:xfrm>
+      </p:grpSpPr>
+      <p:sp>
+        <p:nvSpPr>
+          <p:cNvPr id="2" name="Título 1">
+            <a:extLst>
+              <a:ext uri="{FF2B5EF4-FFF2-40B4-BE49-F238E27FC236}">
+                <a16:creationId xmlns:a16="http://schemas.microsoft.com/office/drawing/2014/main" id="{C05320AE-F38A-44E4-864C-2DBA9822E3DB}"/>
+              </a:ext>
+            </a:extLst>
+          </p:cNvPr>
+          <p:cNvSpPr>
+            <a:spLocks noGrp="1"/>
+          </p:cNvSpPr>
+          <p:nvPr>
+            <p:ph type="title"/>
+          </p:nvPr>
+        </p:nvSpPr>
+        <p:spPr/>
+        <p:txBody>
+          <a:bodyPr/>
+          <a:lstStyle/>
+          <a:p>
+            <a:r>
+              <a:rPr lang="es-ES" dirty="0"/>
+              <a:t>JavaScript básico: clases</a:t>
+            </a:r>
+          </a:p>
+        </p:txBody>
+      </p:sp>
+      <p:pic>
+        <p:nvPicPr>
+          <p:cNvPr id="7" name="Imagen 6">
+            <a:extLst>
+              <a:ext uri="{FF2B5EF4-FFF2-40B4-BE49-F238E27FC236}">
+                <a16:creationId xmlns:a16="http://schemas.microsoft.com/office/drawing/2014/main" id="{92FE260E-CD65-412F-8E12-64C543036D34}"/>
+              </a:ext>
+            </a:extLst>
+          </p:cNvPr>
+          <p:cNvPicPr>
+            <a:picLocks noChangeAspect="1"/>
+          </p:cNvPicPr>
+          <p:nvPr/>
+        </p:nvPicPr>
+        <p:blipFill>
+          <a:blip r:embed="rId2"/>
+          <a:stretch>
+            <a:fillRect/>
+          </a:stretch>
+        </p:blipFill>
+        <p:spPr>
+          <a:xfrm>
+            <a:off x="4036979" y="1500480"/>
+            <a:ext cx="5440396" cy="5095582"/>
+          </a:xfrm>
+          <a:prstGeom prst="rect">
+            <a:avLst/>
+          </a:prstGeom>
+        </p:spPr>
+      </p:pic>
+    </p:spTree>
+    <p:extLst>
+      <p:ext uri="{BB962C8B-B14F-4D97-AF65-F5344CB8AC3E}">
+        <p14:creationId xmlns:p14="http://schemas.microsoft.com/office/powerpoint/2010/main" val="1828468284"/>
+      </p:ext>
+    </p:extLst>
+  </p:cSld>
+  <p:clrMapOvr>
+    <a:masterClrMapping/>
+  </p:clrMapOvr>
+</p:sld>
+</file>
+
+<file path=ppt/slides/slide58.xml><?xml version="1.0" encoding="utf-8"?>
+<p:sld xmlns:a="http://schemas.openxmlformats.org/drawingml/2006/main" xmlns:r="http://schemas.openxmlformats.org/officeDocument/2006/relationships" xmlns:p="http://schemas.openxmlformats.org/presentationml/2006/main">
+  <p:cSld>
+    <p:spTree>
+      <p:nvGrpSpPr>
+        <p:cNvPr id="1" name=""/>
+        <p:cNvGrpSpPr/>
+        <p:nvPr/>
+      </p:nvGrpSpPr>
+      <p:grpSpPr>
+        <a:xfrm>
+          <a:off x="0" y="0"/>
+          <a:ext cx="0" cy="0"/>
+          <a:chOff x="0" y="0"/>
+          <a:chExt cx="0" cy="0"/>
+        </a:xfrm>
+      </p:grpSpPr>
+      <p:sp>
+        <p:nvSpPr>
+          <p:cNvPr id="2" name="Título 1">
+            <a:extLst>
+              <a:ext uri="{FF2B5EF4-FFF2-40B4-BE49-F238E27FC236}">
+                <a16:creationId xmlns:a16="http://schemas.microsoft.com/office/drawing/2014/main" id="{C05320AE-F38A-44E4-864C-2DBA9822E3DB}"/>
+              </a:ext>
+            </a:extLst>
+          </p:cNvPr>
+          <p:cNvSpPr>
+            <a:spLocks noGrp="1"/>
+          </p:cNvSpPr>
+          <p:nvPr>
+            <p:ph type="title"/>
+          </p:nvPr>
+        </p:nvSpPr>
+        <p:spPr/>
+        <p:txBody>
+          <a:bodyPr/>
+          <a:lstStyle/>
+          <a:p>
+            <a:r>
+              <a:rPr lang="es-ES" dirty="0"/>
+              <a:t>JavaScript básico: herencia</a:t>
+            </a:r>
+          </a:p>
+        </p:txBody>
+      </p:sp>
+      <p:pic>
+        <p:nvPicPr>
+          <p:cNvPr id="4" name="Imagen 3">
+            <a:extLst>
+              <a:ext uri="{FF2B5EF4-FFF2-40B4-BE49-F238E27FC236}">
+                <a16:creationId xmlns:a16="http://schemas.microsoft.com/office/drawing/2014/main" id="{3230D79D-579E-43FD-A63D-C3C01FF8FFD7}"/>
+              </a:ext>
+            </a:extLst>
+          </p:cNvPr>
+          <p:cNvPicPr>
+            <a:picLocks noChangeAspect="1"/>
+          </p:cNvPicPr>
+          <p:nvPr/>
+        </p:nvPicPr>
+        <p:blipFill>
+          <a:blip r:embed="rId2"/>
+          <a:stretch>
+            <a:fillRect/>
+          </a:stretch>
+        </p:blipFill>
+        <p:spPr>
+          <a:xfrm>
+            <a:off x="3058311" y="1346069"/>
+            <a:ext cx="5924550" cy="5410200"/>
+          </a:xfrm>
+          <a:prstGeom prst="rect">
+            <a:avLst/>
+          </a:prstGeom>
+        </p:spPr>
+      </p:pic>
+    </p:spTree>
+    <p:extLst>
+      <p:ext uri="{BB962C8B-B14F-4D97-AF65-F5344CB8AC3E}">
+        <p14:creationId xmlns:p14="http://schemas.microsoft.com/office/powerpoint/2010/main" val="303350085"/>
+      </p:ext>
+    </p:extLst>
+  </p:cSld>
+  <p:clrMapOvr>
+    <a:masterClrMapping/>
+  </p:clrMapOvr>
+</p:sld>
+</file>
+
+<file path=ppt/slides/slide59.xml><?xml version="1.0" encoding="utf-8"?>
+<p:sld xmlns:a="http://schemas.openxmlformats.org/drawingml/2006/main" xmlns:r="http://schemas.openxmlformats.org/officeDocument/2006/relationships" xmlns:p="http://schemas.openxmlformats.org/presentationml/2006/main">
+  <p:cSld>
+    <p:spTree>
+      <p:nvGrpSpPr>
+        <p:cNvPr id="1" name=""/>
+        <p:cNvGrpSpPr/>
+        <p:nvPr/>
+      </p:nvGrpSpPr>
+      <p:grpSpPr>
+        <a:xfrm>
+          <a:off x="0" y="0"/>
+          <a:ext cx="0" cy="0"/>
+          <a:chOff x="0" y="0"/>
+          <a:chExt cx="0" cy="0"/>
+        </a:xfrm>
+      </p:grpSpPr>
+      <p:sp>
+        <p:nvSpPr>
+          <p:cNvPr id="2" name="Título 1">
+            <a:extLst>
+              <a:ext uri="{FF2B5EF4-FFF2-40B4-BE49-F238E27FC236}">
+                <a16:creationId xmlns:a16="http://schemas.microsoft.com/office/drawing/2014/main" id="{C05320AE-F38A-44E4-864C-2DBA9822E3DB}"/>
+              </a:ext>
+            </a:extLst>
+          </p:cNvPr>
+          <p:cNvSpPr>
+            <a:spLocks noGrp="1"/>
+          </p:cNvSpPr>
+          <p:nvPr>
+            <p:ph type="title"/>
+          </p:nvPr>
+        </p:nvSpPr>
+        <p:spPr/>
+        <p:txBody>
+          <a:bodyPr/>
+          <a:lstStyle/>
+          <a:p>
+            <a:r>
+              <a:rPr lang="es-ES" dirty="0"/>
+              <a:t>JavaScript básico: herencia</a:t>
+            </a:r>
+          </a:p>
+        </p:txBody>
+      </p:sp>
+      <p:pic>
+        <p:nvPicPr>
+          <p:cNvPr id="5" name="Imagen 4">
+            <a:extLst>
+              <a:ext uri="{FF2B5EF4-FFF2-40B4-BE49-F238E27FC236}">
+                <a16:creationId xmlns:a16="http://schemas.microsoft.com/office/drawing/2014/main" id="{31109AF3-2652-4D3A-9188-90936A7239B5}"/>
+              </a:ext>
+            </a:extLst>
+          </p:cNvPr>
+          <p:cNvPicPr>
+            <a:picLocks noChangeAspect="1"/>
+          </p:cNvPicPr>
+          <p:nvPr/>
+        </p:nvPicPr>
+        <p:blipFill>
+          <a:blip r:embed="rId2"/>
+          <a:stretch>
+            <a:fillRect/>
+          </a:stretch>
+        </p:blipFill>
+        <p:spPr>
+          <a:xfrm>
+            <a:off x="2275138" y="1459149"/>
+            <a:ext cx="7641724" cy="5150188"/>
+          </a:xfrm>
+          <a:prstGeom prst="rect">
+            <a:avLst/>
+          </a:prstGeom>
+        </p:spPr>
+      </p:pic>
+    </p:spTree>
+    <p:extLst>
+      <p:ext uri="{BB962C8B-B14F-4D97-AF65-F5344CB8AC3E}">
+        <p14:creationId xmlns:p14="http://schemas.microsoft.com/office/powerpoint/2010/main" val="1421981903"/>
+      </p:ext>
+    </p:extLst>
+  </p:cSld>
+  <p:clrMapOvr>
+    <a:masterClrMapping/>
+  </p:clrMapOvr>
+</p:sld>
+</file>
+
+<file path=ppt/slides/slide6.xml><?xml version="1.0" encoding="utf-8"?>
+<p:sld xmlns:a="http://schemas.openxmlformats.org/drawingml/2006/main" xmlns:r="http://schemas.openxmlformats.org/officeDocument/2006/relationships" xmlns:p="http://schemas.openxmlformats.org/presentationml/2006/main">
+  <p:cSld>
+    <p:spTree>
+      <p:nvGrpSpPr>
+        <p:cNvPr id="1" name=""/>
+        <p:cNvGrpSpPr/>
+        <p:nvPr/>
+      </p:nvGrpSpPr>
+      <p:grpSpPr>
+        <a:xfrm>
+          <a:off x="0" y="0"/>
+          <a:ext cx="0" cy="0"/>
+          <a:chOff x="0" y="0"/>
+          <a:chExt cx="0" cy="0"/>
+        </a:xfrm>
+      </p:grpSpPr>
+      <p:sp>
+        <p:nvSpPr>
+          <p:cNvPr id="2" name="Título 1">
+            <a:extLst>
+              <a:ext uri="{FF2B5EF4-FFF2-40B4-BE49-F238E27FC236}">
+                <a16:creationId xmlns:a16="http://schemas.microsoft.com/office/drawing/2014/main" id="{0F4331B6-8FF2-4B71-8D0F-F8EA3F9B512C}"/>
+              </a:ext>
+            </a:extLst>
+          </p:cNvPr>
+          <p:cNvSpPr>
+            <a:spLocks noGrp="1"/>
+          </p:cNvSpPr>
+          <p:nvPr>
+            <p:ph type="title"/>
+          </p:nvPr>
+        </p:nvSpPr>
+        <p:spPr/>
+        <p:txBody>
+          <a:bodyPr/>
+          <a:lstStyle/>
+          <a:p>
+            <a:r>
+              <a:rPr lang="es-ES" dirty="0"/>
+              <a:t>Trabajando con</a:t>
+            </a:r>
+          </a:p>
+        </p:txBody>
+      </p:sp>
+      <p:pic>
+        <p:nvPicPr>
+          <p:cNvPr id="9" name="Imagen 8">
+            <a:extLst>
+              <a:ext uri="{FF2B5EF4-FFF2-40B4-BE49-F238E27FC236}">
+                <a16:creationId xmlns:a16="http://schemas.microsoft.com/office/drawing/2014/main" id="{ADBA540F-E5D2-42CE-8A81-93C90C9FE4AE}"/>
+              </a:ext>
+            </a:extLst>
+          </p:cNvPr>
+          <p:cNvPicPr>
+            <a:picLocks noChangeAspect="1"/>
+          </p:cNvPicPr>
+          <p:nvPr/>
+        </p:nvPicPr>
+        <p:blipFill>
+          <a:blip r:embed="rId2"/>
+          <a:stretch>
+            <a:fillRect/>
+          </a:stretch>
+        </p:blipFill>
+        <p:spPr>
+          <a:xfrm>
+            <a:off x="83090" y="1789890"/>
+            <a:ext cx="6369084" cy="4393862"/>
+          </a:xfrm>
+          <a:prstGeom prst="rect">
+            <a:avLst/>
+          </a:prstGeom>
+        </p:spPr>
+      </p:pic>
+      <p:pic>
+        <p:nvPicPr>
+          <p:cNvPr id="11" name="Imagen 10">
+            <a:extLst>
+              <a:ext uri="{FF2B5EF4-FFF2-40B4-BE49-F238E27FC236}">
+                <a16:creationId xmlns:a16="http://schemas.microsoft.com/office/drawing/2014/main" id="{E455584D-56E3-41D5-A497-A70CD52F8A70}"/>
+              </a:ext>
+            </a:extLst>
+          </p:cNvPr>
+          <p:cNvPicPr>
+            <a:picLocks noChangeAspect="1"/>
+          </p:cNvPicPr>
+          <p:nvPr/>
+        </p:nvPicPr>
+        <p:blipFill>
+          <a:blip r:embed="rId3"/>
+          <a:stretch>
+            <a:fillRect/>
+          </a:stretch>
+        </p:blipFill>
+        <p:spPr>
+          <a:xfrm>
+            <a:off x="7173797" y="1690688"/>
+            <a:ext cx="4387721" cy="4629070"/>
+          </a:xfrm>
+          <a:prstGeom prst="rect">
+            <a:avLst/>
+          </a:prstGeom>
+        </p:spPr>
+      </p:pic>
+      <p:pic>
+        <p:nvPicPr>
+          <p:cNvPr id="5" name="Picture 2" descr="⇨ Introducción a git: Comandos y funciones de git más frecuentes">
+            <a:extLst>
+              <a:ext uri="{FF2B5EF4-FFF2-40B4-BE49-F238E27FC236}">
+                <a16:creationId xmlns:a16="http://schemas.microsoft.com/office/drawing/2014/main" id="{11A8FE93-BEF8-4BBD-8A60-F55C1284CE7A}"/>
+              </a:ext>
+            </a:extLst>
+          </p:cNvPr>
+          <p:cNvPicPr>
+            <a:picLocks noChangeAspect="1" noChangeArrowheads="1"/>
+          </p:cNvPicPr>
+          <p:nvPr/>
+        </p:nvPicPr>
+        <p:blipFill>
+          <a:blip r:embed="rId4">
+            <a:extLst>
+              <a:ext uri="{28A0092B-C50C-407E-A947-70E740481C1C}">
+                <a14:useLocalDpi xmlns:a14="http://schemas.microsoft.com/office/drawing/2010/main" val="0"/>
+              </a:ext>
+            </a:extLst>
+          </a:blip>
+          <a:srcRect/>
+          <a:stretch>
+            <a:fillRect/>
+          </a:stretch>
+        </p:blipFill>
+        <p:spPr bwMode="auto">
+          <a:xfrm>
+            <a:off x="4395318" y="537449"/>
+            <a:ext cx="1520415" cy="980913"/>
+          </a:xfrm>
+          <a:prstGeom prst="rect">
+            <a:avLst/>
+          </a:prstGeom>
+          <a:noFill/>
+          <a:extLst>
+            <a:ext uri="{909E8E84-426E-40DD-AFC4-6F175D3DCCD1}">
+              <a14:hiddenFill xmlns:a14="http://schemas.microsoft.com/office/drawing/2010/main">
+                <a:solidFill>
+                  <a:srgbClr val="FFFFFF"/>
+                </a:solidFill>
+              </a14:hiddenFill>
+            </a:ext>
+          </a:extLst>
+        </p:spPr>
+      </p:pic>
+    </p:spTree>
+    <p:extLst>
+      <p:ext uri="{BB962C8B-B14F-4D97-AF65-F5344CB8AC3E}">
+        <p14:creationId xmlns:p14="http://schemas.microsoft.com/office/powerpoint/2010/main" val="2441548227"/>
+      </p:ext>
+    </p:extLst>
+  </p:cSld>
+  <p:clrMapOvr>
+    <a:masterClrMapping/>
+  </p:clrMapOvr>
+</p:sld>
+</file>
+
+<file path=ppt/slides/slide60.xml><?xml version="1.0" encoding="utf-8"?>
 <p:sld xmlns:a="http://schemas.openxmlformats.org/drawingml/2006/main" xmlns:r="http://schemas.openxmlformats.org/officeDocument/2006/relationships" xmlns:p="http://schemas.openxmlformats.org/presentationml/2006/main">
   <p:cSld>
     <p:spTree>
@@ -12887,7 +13320,7 @@
 </p:sld>
 </file>
 
-<file path=ppt/slides/slide58.xml><?xml version="1.0" encoding="utf-8"?>
+<file path=ppt/slides/slide61.xml><?xml version="1.0" encoding="utf-8"?>
 <p:sld xmlns:a="http://schemas.openxmlformats.org/drawingml/2006/main" xmlns:r="http://schemas.openxmlformats.org/officeDocument/2006/relationships" xmlns:p="http://schemas.openxmlformats.org/presentationml/2006/main">
   <p:cSld>
     <p:spTree>
@@ -12966,171 +13399,6 @@
     <p:extLst>
       <p:ext uri="{BB962C8B-B14F-4D97-AF65-F5344CB8AC3E}">
         <p14:creationId xmlns:p14="http://schemas.microsoft.com/office/powerpoint/2010/main" val="95088341"/>
-      </p:ext>
-    </p:extLst>
-  </p:cSld>
-  <p:clrMapOvr>
-    <a:masterClrMapping/>
-  </p:clrMapOvr>
-</p:sld>
-</file>
-
-<file path=ppt/slides/slide6.xml><?xml version="1.0" encoding="utf-8"?>
-<p:sld xmlns:a="http://schemas.openxmlformats.org/drawingml/2006/main" xmlns:r="http://schemas.openxmlformats.org/officeDocument/2006/relationships" xmlns:p="http://schemas.openxmlformats.org/presentationml/2006/main">
-  <p:cSld>
-    <p:spTree>
-      <p:nvGrpSpPr>
-        <p:cNvPr id="1" name=""/>
-        <p:cNvGrpSpPr/>
-        <p:nvPr/>
-      </p:nvGrpSpPr>
-      <p:grpSpPr>
-        <a:xfrm>
-          <a:off x="0" y="0"/>
-          <a:ext cx="0" cy="0"/>
-          <a:chOff x="0" y="0"/>
-          <a:chExt cx="0" cy="0"/>
-        </a:xfrm>
-      </p:grpSpPr>
-      <p:sp>
-        <p:nvSpPr>
-          <p:cNvPr id="2" name="Título 1">
-            <a:extLst>
-              <a:ext uri="{FF2B5EF4-FFF2-40B4-BE49-F238E27FC236}">
-                <a16:creationId xmlns:a16="http://schemas.microsoft.com/office/drawing/2014/main" id="{0F4331B6-8FF2-4B71-8D0F-F8EA3F9B512C}"/>
-              </a:ext>
-            </a:extLst>
-          </p:cNvPr>
-          <p:cNvSpPr>
-            <a:spLocks noGrp="1"/>
-          </p:cNvSpPr>
-          <p:nvPr>
-            <p:ph type="title"/>
-          </p:nvPr>
-        </p:nvSpPr>
-        <p:spPr/>
-        <p:txBody>
-          <a:bodyPr/>
-          <a:lstStyle/>
-          <a:p>
-            <a:r>
-              <a:rPr lang="es-ES" dirty="0"/>
-              <a:t>Trabajando con</a:t>
-            </a:r>
-          </a:p>
-        </p:txBody>
-      </p:sp>
-      <p:pic>
-        <p:nvPicPr>
-          <p:cNvPr id="9" name="Imagen 8">
-            <a:extLst>
-              <a:ext uri="{FF2B5EF4-FFF2-40B4-BE49-F238E27FC236}">
-                <a16:creationId xmlns:a16="http://schemas.microsoft.com/office/drawing/2014/main" id="{ADBA540F-E5D2-42CE-8A81-93C90C9FE4AE}"/>
-              </a:ext>
-            </a:extLst>
-          </p:cNvPr>
-          <p:cNvPicPr>
-            <a:picLocks noChangeAspect="1"/>
-          </p:cNvPicPr>
-          <p:nvPr/>
-        </p:nvPicPr>
-        <p:blipFill>
-          <a:blip r:embed="rId2"/>
-          <a:stretch>
-            <a:fillRect/>
-          </a:stretch>
-        </p:blipFill>
-        <p:spPr>
-          <a:xfrm>
-            <a:off x="83090" y="1789890"/>
-            <a:ext cx="6369084" cy="4393862"/>
-          </a:xfrm>
-          <a:prstGeom prst="rect">
-            <a:avLst/>
-          </a:prstGeom>
-        </p:spPr>
-      </p:pic>
-      <p:pic>
-        <p:nvPicPr>
-          <p:cNvPr id="11" name="Imagen 10">
-            <a:extLst>
-              <a:ext uri="{FF2B5EF4-FFF2-40B4-BE49-F238E27FC236}">
-                <a16:creationId xmlns:a16="http://schemas.microsoft.com/office/drawing/2014/main" id="{E455584D-56E3-41D5-A497-A70CD52F8A70}"/>
-              </a:ext>
-            </a:extLst>
-          </p:cNvPr>
-          <p:cNvPicPr>
-            <a:picLocks noChangeAspect="1"/>
-          </p:cNvPicPr>
-          <p:nvPr/>
-        </p:nvPicPr>
-        <p:blipFill>
-          <a:blip r:embed="rId3"/>
-          <a:stretch>
-            <a:fillRect/>
-          </a:stretch>
-        </p:blipFill>
-        <p:spPr>
-          <a:xfrm>
-            <a:off x="7173797" y="1690688"/>
-            <a:ext cx="4387721" cy="4629070"/>
-          </a:xfrm>
-          <a:prstGeom prst="rect">
-            <a:avLst/>
-          </a:prstGeom>
-        </p:spPr>
-      </p:pic>
-      <p:pic>
-        <p:nvPicPr>
-          <p:cNvPr id="5" name="Picture 2" descr="⇨ Introducción a git: Comandos y funciones de git más frecuentes">
-            <a:extLst>
-              <a:ext uri="{FF2B5EF4-FFF2-40B4-BE49-F238E27FC236}">
-                <a16:creationId xmlns:a16="http://schemas.microsoft.com/office/drawing/2014/main" id="{11A8FE93-BEF8-4BBD-8A60-F55C1284CE7A}"/>
-              </a:ext>
-            </a:extLst>
-          </p:cNvPr>
-          <p:cNvPicPr>
-            <a:picLocks noChangeAspect="1" noChangeArrowheads="1"/>
-          </p:cNvPicPr>
-          <p:nvPr/>
-        </p:nvPicPr>
-        <p:blipFill>
-          <a:blip r:embed="rId4">
-            <a:extLst>
-              <a:ext uri="{28A0092B-C50C-407E-A947-70E740481C1C}">
-                <a14:useLocalDpi xmlns:a14="http://schemas.microsoft.com/office/drawing/2010/main" val="0"/>
-              </a:ext>
-            </a:extLst>
-          </a:blip>
-          <a:srcRect/>
-          <a:stretch>
-            <a:fillRect/>
-          </a:stretch>
-        </p:blipFill>
-        <p:spPr bwMode="auto">
-          <a:xfrm>
-            <a:off x="4395318" y="537449"/>
-            <a:ext cx="1520415" cy="980913"/>
-          </a:xfrm>
-          <a:prstGeom prst="rect">
-            <a:avLst/>
-          </a:prstGeom>
-          <a:noFill/>
-          <a:extLst>
-            <a:ext uri="{909E8E84-426E-40DD-AFC4-6F175D3DCCD1}">
-              <a14:hiddenFill xmlns:a14="http://schemas.microsoft.com/office/drawing/2010/main">
-                <a:solidFill>
-                  <a:srgbClr val="FFFFFF"/>
-                </a:solidFill>
-              </a14:hiddenFill>
-            </a:ext>
-          </a:extLst>
-        </p:spPr>
-      </p:pic>
-    </p:spTree>
-    <p:extLst>
-      <p:ext uri="{BB962C8B-B14F-4D97-AF65-F5344CB8AC3E}">
-        <p14:creationId xmlns:p14="http://schemas.microsoft.com/office/powerpoint/2010/main" val="2441548227"/>
       </p:ext>
     </p:extLst>
   </p:cSld>

--- a/Presentacion.pptx
+++ b/Presentacion.pptx
@@ -5,7 +5,7 @@
     <p:sldMasterId id="2147483648" r:id="rId1"/>
   </p:sldMasterIdLst>
   <p:notesMasterIdLst>
-    <p:notesMasterId r:id="rId63"/>
+    <p:notesMasterId r:id="rId65"/>
   </p:notesMasterIdLst>
   <p:sldIdLst>
     <p:sldId id="256" r:id="rId2"/>
@@ -67,8 +67,10 @@
     <p:sldId id="321" r:id="rId58"/>
     <p:sldId id="322" r:id="rId59"/>
     <p:sldId id="323" r:id="rId60"/>
-    <p:sldId id="318" r:id="rId61"/>
-    <p:sldId id="319" r:id="rId62"/>
+    <p:sldId id="324" r:id="rId61"/>
+    <p:sldId id="325" r:id="rId62"/>
+    <p:sldId id="318" r:id="rId63"/>
+    <p:sldId id="319" r:id="rId64"/>
   </p:sldIdLst>
   <p:sldSz cx="12192000" cy="6858000"/>
   <p:notesSz cx="6858000" cy="9144000"/>
@@ -257,7 +259,7 @@
           <a:p>
             <a:fld id="{B1F018D7-01AD-4413-ACF1-CA5C284ABF1D}" type="datetimeFigureOut">
               <a:rPr lang="es-ES" smtClean="0"/>
-              <a:t>23/05/2022</a:t>
+              <a:t>25/05/2022</a:t>
             </a:fld>
             <a:endParaRPr lang="es-ES"/>
           </a:p>
@@ -1007,7 +1009,7 @@
           <a:p>
             <a:fld id="{17321F09-57B9-4431-8E2D-17B39AD68799}" type="datetimeFigureOut">
               <a:rPr lang="es-ES" smtClean="0"/>
-              <a:t>23/05/2022</a:t>
+              <a:t>25/05/2022</a:t>
             </a:fld>
             <a:endParaRPr lang="es-ES"/>
           </a:p>
@@ -1205,7 +1207,7 @@
           <a:p>
             <a:fld id="{17321F09-57B9-4431-8E2D-17B39AD68799}" type="datetimeFigureOut">
               <a:rPr lang="es-ES" smtClean="0"/>
-              <a:t>23/05/2022</a:t>
+              <a:t>25/05/2022</a:t>
             </a:fld>
             <a:endParaRPr lang="es-ES"/>
           </a:p>
@@ -1413,7 +1415,7 @@
           <a:p>
             <a:fld id="{17321F09-57B9-4431-8E2D-17B39AD68799}" type="datetimeFigureOut">
               <a:rPr lang="es-ES" smtClean="0"/>
-              <a:t>23/05/2022</a:t>
+              <a:t>25/05/2022</a:t>
             </a:fld>
             <a:endParaRPr lang="es-ES"/>
           </a:p>
@@ -1611,7 +1613,7 @@
           <a:p>
             <a:fld id="{17321F09-57B9-4431-8E2D-17B39AD68799}" type="datetimeFigureOut">
               <a:rPr lang="es-ES" smtClean="0"/>
-              <a:t>23/05/2022</a:t>
+              <a:t>25/05/2022</a:t>
             </a:fld>
             <a:endParaRPr lang="es-ES"/>
           </a:p>
@@ -1886,7 +1888,7 @@
           <a:p>
             <a:fld id="{17321F09-57B9-4431-8E2D-17B39AD68799}" type="datetimeFigureOut">
               <a:rPr lang="es-ES" smtClean="0"/>
-              <a:t>23/05/2022</a:t>
+              <a:t>25/05/2022</a:t>
             </a:fld>
             <a:endParaRPr lang="es-ES"/>
           </a:p>
@@ -2151,7 +2153,7 @@
           <a:p>
             <a:fld id="{17321F09-57B9-4431-8E2D-17B39AD68799}" type="datetimeFigureOut">
               <a:rPr lang="es-ES" smtClean="0"/>
-              <a:t>23/05/2022</a:t>
+              <a:t>25/05/2022</a:t>
             </a:fld>
             <a:endParaRPr lang="es-ES"/>
           </a:p>
@@ -2563,7 +2565,7 @@
           <a:p>
             <a:fld id="{17321F09-57B9-4431-8E2D-17B39AD68799}" type="datetimeFigureOut">
               <a:rPr lang="es-ES" smtClean="0"/>
-              <a:t>23/05/2022</a:t>
+              <a:t>25/05/2022</a:t>
             </a:fld>
             <a:endParaRPr lang="es-ES"/>
           </a:p>
@@ -2704,7 +2706,7 @@
           <a:p>
             <a:fld id="{17321F09-57B9-4431-8E2D-17B39AD68799}" type="datetimeFigureOut">
               <a:rPr lang="es-ES" smtClean="0"/>
-              <a:t>23/05/2022</a:t>
+              <a:t>25/05/2022</a:t>
             </a:fld>
             <a:endParaRPr lang="es-ES"/>
           </a:p>
@@ -2817,7 +2819,7 @@
           <a:p>
             <a:fld id="{17321F09-57B9-4431-8E2D-17B39AD68799}" type="datetimeFigureOut">
               <a:rPr lang="es-ES" smtClean="0"/>
-              <a:t>23/05/2022</a:t>
+              <a:t>25/05/2022</a:t>
             </a:fld>
             <a:endParaRPr lang="es-ES"/>
           </a:p>
@@ -3128,7 +3130,7 @@
           <a:p>
             <a:fld id="{17321F09-57B9-4431-8E2D-17B39AD68799}" type="datetimeFigureOut">
               <a:rPr lang="es-ES" smtClean="0"/>
-              <a:t>23/05/2022</a:t>
+              <a:t>25/05/2022</a:t>
             </a:fld>
             <a:endParaRPr lang="es-ES"/>
           </a:p>
@@ -3416,7 +3418,7 @@
           <a:p>
             <a:fld id="{17321F09-57B9-4431-8E2D-17B39AD68799}" type="datetimeFigureOut">
               <a:rPr lang="es-ES" smtClean="0"/>
-              <a:t>23/05/2022</a:t>
+              <a:t>25/05/2022</a:t>
             </a:fld>
             <a:endParaRPr lang="es-ES"/>
           </a:p>
@@ -3657,7 +3659,7 @@
           <a:p>
             <a:fld id="{17321F09-57B9-4431-8E2D-17B39AD68799}" type="datetimeFigureOut">
               <a:rPr lang="es-ES" smtClean="0"/>
-              <a:t>23/05/2022</a:t>
+              <a:t>25/05/2022</a:t>
             </a:fld>
             <a:endParaRPr lang="es-ES"/>
           </a:p>
@@ -13254,6 +13256,237 @@
           <p:cNvPr id="2" name="Título 1">
             <a:extLst>
               <a:ext uri="{FF2B5EF4-FFF2-40B4-BE49-F238E27FC236}">
+                <a16:creationId xmlns:a16="http://schemas.microsoft.com/office/drawing/2014/main" id="{6427BDD5-911B-4CCE-BE91-D4DC7AA4A364}"/>
+              </a:ext>
+            </a:extLst>
+          </p:cNvPr>
+          <p:cNvSpPr>
+            <a:spLocks noGrp="1"/>
+          </p:cNvSpPr>
+          <p:nvPr>
+            <p:ph type="title"/>
+          </p:nvPr>
+        </p:nvSpPr>
+        <p:spPr/>
+        <p:txBody>
+          <a:bodyPr/>
+          <a:lstStyle/>
+          <a:p>
+            <a:r>
+              <a:rPr lang="es-ES" dirty="0"/>
+              <a:t>Time </a:t>
+            </a:r>
+            <a:r>
+              <a:rPr lang="es-ES" dirty="0" err="1"/>
+              <a:t>to</a:t>
+            </a:r>
+            <a:r>
+              <a:rPr lang="es-ES" dirty="0"/>
+              <a:t> </a:t>
+            </a:r>
+            <a:r>
+              <a:rPr lang="es-ES" dirty="0" err="1"/>
+              <a:t>practice</a:t>
+            </a:r>
+            <a:endParaRPr lang="es-ES" dirty="0"/>
+          </a:p>
+        </p:txBody>
+      </p:sp>
+      <p:sp>
+        <p:nvSpPr>
+          <p:cNvPr id="3" name="Marcador de contenido 2">
+            <a:extLst>
+              <a:ext uri="{FF2B5EF4-FFF2-40B4-BE49-F238E27FC236}">
+                <a16:creationId xmlns:a16="http://schemas.microsoft.com/office/drawing/2014/main" id="{DC1C2442-9DC4-4C32-BAD4-BAD0BE89B28F}"/>
+              </a:ext>
+            </a:extLst>
+          </p:cNvPr>
+          <p:cNvSpPr>
+            <a:spLocks noGrp="1"/>
+          </p:cNvSpPr>
+          <p:nvPr>
+            <p:ph idx="1"/>
+          </p:nvPr>
+        </p:nvSpPr>
+        <p:spPr/>
+        <p:txBody>
+          <a:bodyPr/>
+          <a:lstStyle/>
+          <a:p>
+            <a:pPr algn="just"/>
+            <a:r>
+              <a:rPr lang="es-ES" dirty="0"/>
+              <a:t>Se desea guardar la información de una universidad. De esta se conoce el nombre y la dirección. La universidad cuenta con un conjunto de facultades de las que se conoce su nombre y si tienen sitio web disponible. En cada facultad hay estudiantes y trabajadores. De ambos se conoce el nombre y el DNI. De los trabajadores se conoce además el salario mensual y de los estudiantes se conoce el año actual que cursan (asumiendo 4 años de carrera). </a:t>
+            </a:r>
+          </a:p>
+        </p:txBody>
+      </p:sp>
+    </p:spTree>
+    <p:extLst>
+      <p:ext uri="{BB962C8B-B14F-4D97-AF65-F5344CB8AC3E}">
+        <p14:creationId xmlns:p14="http://schemas.microsoft.com/office/powerpoint/2010/main" val="455349279"/>
+      </p:ext>
+    </p:extLst>
+  </p:cSld>
+  <p:clrMapOvr>
+    <a:masterClrMapping/>
+  </p:clrMapOvr>
+</p:sld>
+</file>
+
+<file path=ppt/slides/slide61.xml><?xml version="1.0" encoding="utf-8"?>
+<p:sld xmlns:a="http://schemas.openxmlformats.org/drawingml/2006/main" xmlns:r="http://schemas.openxmlformats.org/officeDocument/2006/relationships" xmlns:p="http://schemas.openxmlformats.org/presentationml/2006/main">
+  <p:cSld>
+    <p:spTree>
+      <p:nvGrpSpPr>
+        <p:cNvPr id="1" name=""/>
+        <p:cNvGrpSpPr/>
+        <p:nvPr/>
+      </p:nvGrpSpPr>
+      <p:grpSpPr>
+        <a:xfrm>
+          <a:off x="0" y="0"/>
+          <a:ext cx="0" cy="0"/>
+          <a:chOff x="0" y="0"/>
+          <a:chExt cx="0" cy="0"/>
+        </a:xfrm>
+      </p:grpSpPr>
+      <p:sp>
+        <p:nvSpPr>
+          <p:cNvPr id="2" name="Título 1">
+            <a:extLst>
+              <a:ext uri="{FF2B5EF4-FFF2-40B4-BE49-F238E27FC236}">
+                <a16:creationId xmlns:a16="http://schemas.microsoft.com/office/drawing/2014/main" id="{F752910F-FD3F-4819-9CDB-6B72EDF3ED8A}"/>
+              </a:ext>
+            </a:extLst>
+          </p:cNvPr>
+          <p:cNvSpPr>
+            <a:spLocks noGrp="1"/>
+          </p:cNvSpPr>
+          <p:nvPr>
+            <p:ph type="title"/>
+          </p:nvPr>
+        </p:nvSpPr>
+        <p:spPr/>
+        <p:txBody>
+          <a:bodyPr/>
+          <a:lstStyle/>
+          <a:p>
+            <a:r>
+              <a:rPr lang="es-ES" dirty="0"/>
+              <a:t>Time </a:t>
+            </a:r>
+            <a:r>
+              <a:rPr lang="es-ES" dirty="0" err="1"/>
+              <a:t>to</a:t>
+            </a:r>
+            <a:r>
+              <a:rPr lang="es-ES" dirty="0"/>
+              <a:t> </a:t>
+            </a:r>
+            <a:r>
+              <a:rPr lang="es-ES" dirty="0" err="1"/>
+              <a:t>practice</a:t>
+            </a:r>
+            <a:endParaRPr lang="es-ES" dirty="0"/>
+          </a:p>
+        </p:txBody>
+      </p:sp>
+      <p:sp>
+        <p:nvSpPr>
+          <p:cNvPr id="3" name="Marcador de contenido 2">
+            <a:extLst>
+              <a:ext uri="{FF2B5EF4-FFF2-40B4-BE49-F238E27FC236}">
+                <a16:creationId xmlns:a16="http://schemas.microsoft.com/office/drawing/2014/main" id="{CC943EFD-7B92-45DF-B7AE-F43E7924CE48}"/>
+              </a:ext>
+            </a:extLst>
+          </p:cNvPr>
+          <p:cNvSpPr>
+            <a:spLocks noGrp="1"/>
+          </p:cNvSpPr>
+          <p:nvPr>
+            <p:ph idx="1"/>
+          </p:nvPr>
+        </p:nvSpPr>
+        <p:spPr/>
+        <p:txBody>
+          <a:bodyPr/>
+          <a:lstStyle/>
+          <a:p>
+            <a:pPr marL="0" indent="0">
+              <a:buNone/>
+            </a:pPr>
+            <a:r>
+              <a:rPr lang="es-ES" dirty="0"/>
+              <a:t>Implementar las siguientes funcionalidades:</a:t>
+            </a:r>
+          </a:p>
+          <a:p>
+            <a:r>
+              <a:rPr lang="es-ES" dirty="0"/>
+              <a:t>Devolver el nombre de la primera facultad que no tiene sitio web.</a:t>
+            </a:r>
+          </a:p>
+          <a:p>
+            <a:r>
+              <a:rPr lang="es-ES" dirty="0"/>
+              <a:t>Devolver el nombre de todas las facultades que tienen estudiantes cursando el último año de la carrera. Además del nombre, devolver para cada facultad la cantidad de estudiantes.</a:t>
+            </a:r>
+          </a:p>
+          <a:p>
+            <a:r>
+              <a:rPr lang="es-ES" dirty="0"/>
+              <a:t>Devolver los trabajadores que cobran el mayor salario, agrupados por el nombre de la facultad donde trabajan (asumir que un trabajador solamente trabaja en </a:t>
+            </a:r>
+            <a:r>
+              <a:rPr lang="es-ES"/>
+              <a:t>una facultad)</a:t>
+            </a:r>
+            <a:endParaRPr lang="es-ES" dirty="0"/>
+          </a:p>
+          <a:p>
+            <a:endParaRPr lang="es-ES" dirty="0"/>
+          </a:p>
+          <a:p>
+            <a:endParaRPr lang="es-ES" dirty="0"/>
+          </a:p>
+        </p:txBody>
+      </p:sp>
+    </p:spTree>
+    <p:extLst>
+      <p:ext uri="{BB962C8B-B14F-4D97-AF65-F5344CB8AC3E}">
+        <p14:creationId xmlns:p14="http://schemas.microsoft.com/office/powerpoint/2010/main" val="2243920849"/>
+      </p:ext>
+    </p:extLst>
+  </p:cSld>
+  <p:clrMapOvr>
+    <a:masterClrMapping/>
+  </p:clrMapOvr>
+</p:sld>
+</file>
+
+<file path=ppt/slides/slide62.xml><?xml version="1.0" encoding="utf-8"?>
+<p:sld xmlns:a="http://schemas.openxmlformats.org/drawingml/2006/main" xmlns:r="http://schemas.openxmlformats.org/officeDocument/2006/relationships" xmlns:p="http://schemas.openxmlformats.org/presentationml/2006/main">
+  <p:cSld>
+    <p:spTree>
+      <p:nvGrpSpPr>
+        <p:cNvPr id="1" name=""/>
+        <p:cNvGrpSpPr/>
+        <p:nvPr/>
+      </p:nvGrpSpPr>
+      <p:grpSpPr>
+        <a:xfrm>
+          <a:off x="0" y="0"/>
+          <a:ext cx="0" cy="0"/>
+          <a:chOff x="0" y="0"/>
+          <a:chExt cx="0" cy="0"/>
+        </a:xfrm>
+      </p:grpSpPr>
+      <p:sp>
+        <p:nvSpPr>
+          <p:cNvPr id="2" name="Título 1">
+            <a:extLst>
+              <a:ext uri="{FF2B5EF4-FFF2-40B4-BE49-F238E27FC236}">
                 <a16:creationId xmlns:a16="http://schemas.microsoft.com/office/drawing/2014/main" id="{C1B59101-BCC7-4B07-AAEA-75E2C9E1EE6C}"/>
               </a:ext>
             </a:extLst>
@@ -13320,7 +13553,7 @@
 </p:sld>
 </file>
 
-<file path=ppt/slides/slide61.xml><?xml version="1.0" encoding="utf-8"?>
+<file path=ppt/slides/slide63.xml><?xml version="1.0" encoding="utf-8"?>
 <p:sld xmlns:a="http://schemas.openxmlformats.org/drawingml/2006/main" xmlns:r="http://schemas.openxmlformats.org/officeDocument/2006/relationships" xmlns:p="http://schemas.openxmlformats.org/presentationml/2006/main">
   <p:cSld>
     <p:spTree>

--- a/Presentacion.pptx
+++ b/Presentacion.pptx
@@ -5,7 +5,7 @@
     <p:sldMasterId id="2147483648" r:id="rId1"/>
   </p:sldMasterIdLst>
   <p:notesMasterIdLst>
-    <p:notesMasterId r:id="rId65"/>
+    <p:notesMasterId r:id="rId69"/>
   </p:notesMasterIdLst>
   <p:sldIdLst>
     <p:sldId id="256" r:id="rId2"/>
@@ -71,6 +71,10 @@
     <p:sldId id="325" r:id="rId62"/>
     <p:sldId id="318" r:id="rId63"/>
     <p:sldId id="319" r:id="rId64"/>
+    <p:sldId id="327" r:id="rId65"/>
+    <p:sldId id="326" r:id="rId66"/>
+    <p:sldId id="328" r:id="rId67"/>
+    <p:sldId id="329" r:id="rId68"/>
   </p:sldIdLst>
   <p:sldSz cx="12192000" cy="6858000"/>
   <p:notesSz cx="6858000" cy="9144000"/>
@@ -259,7 +263,7 @@
           <a:p>
             <a:fld id="{B1F018D7-01AD-4413-ACF1-CA5C284ABF1D}" type="datetimeFigureOut">
               <a:rPr lang="es-ES" smtClean="0"/>
-              <a:t>25/05/2022</a:t>
+              <a:t>22/06/2022</a:t>
             </a:fld>
             <a:endParaRPr lang="es-ES"/>
           </a:p>
@@ -1009,7 +1013,7 @@
           <a:p>
             <a:fld id="{17321F09-57B9-4431-8E2D-17B39AD68799}" type="datetimeFigureOut">
               <a:rPr lang="es-ES" smtClean="0"/>
-              <a:t>25/05/2022</a:t>
+              <a:t>22/06/2022</a:t>
             </a:fld>
             <a:endParaRPr lang="es-ES"/>
           </a:p>
@@ -1207,7 +1211,7 @@
           <a:p>
             <a:fld id="{17321F09-57B9-4431-8E2D-17B39AD68799}" type="datetimeFigureOut">
               <a:rPr lang="es-ES" smtClean="0"/>
-              <a:t>25/05/2022</a:t>
+              <a:t>22/06/2022</a:t>
             </a:fld>
             <a:endParaRPr lang="es-ES"/>
           </a:p>
@@ -1415,7 +1419,7 @@
           <a:p>
             <a:fld id="{17321F09-57B9-4431-8E2D-17B39AD68799}" type="datetimeFigureOut">
               <a:rPr lang="es-ES" smtClean="0"/>
-              <a:t>25/05/2022</a:t>
+              <a:t>22/06/2022</a:t>
             </a:fld>
             <a:endParaRPr lang="es-ES"/>
           </a:p>
@@ -1613,7 +1617,7 @@
           <a:p>
             <a:fld id="{17321F09-57B9-4431-8E2D-17B39AD68799}" type="datetimeFigureOut">
               <a:rPr lang="es-ES" smtClean="0"/>
-              <a:t>25/05/2022</a:t>
+              <a:t>22/06/2022</a:t>
             </a:fld>
             <a:endParaRPr lang="es-ES"/>
           </a:p>
@@ -1888,7 +1892,7 @@
           <a:p>
             <a:fld id="{17321F09-57B9-4431-8E2D-17B39AD68799}" type="datetimeFigureOut">
               <a:rPr lang="es-ES" smtClean="0"/>
-              <a:t>25/05/2022</a:t>
+              <a:t>22/06/2022</a:t>
             </a:fld>
             <a:endParaRPr lang="es-ES"/>
           </a:p>
@@ -2153,7 +2157,7 @@
           <a:p>
             <a:fld id="{17321F09-57B9-4431-8E2D-17B39AD68799}" type="datetimeFigureOut">
               <a:rPr lang="es-ES" smtClean="0"/>
-              <a:t>25/05/2022</a:t>
+              <a:t>22/06/2022</a:t>
             </a:fld>
             <a:endParaRPr lang="es-ES"/>
           </a:p>
@@ -2565,7 +2569,7 @@
           <a:p>
             <a:fld id="{17321F09-57B9-4431-8E2D-17B39AD68799}" type="datetimeFigureOut">
               <a:rPr lang="es-ES" smtClean="0"/>
-              <a:t>25/05/2022</a:t>
+              <a:t>22/06/2022</a:t>
             </a:fld>
             <a:endParaRPr lang="es-ES"/>
           </a:p>
@@ -2706,7 +2710,7 @@
           <a:p>
             <a:fld id="{17321F09-57B9-4431-8E2D-17B39AD68799}" type="datetimeFigureOut">
               <a:rPr lang="es-ES" smtClean="0"/>
-              <a:t>25/05/2022</a:t>
+              <a:t>22/06/2022</a:t>
             </a:fld>
             <a:endParaRPr lang="es-ES"/>
           </a:p>
@@ -2819,7 +2823,7 @@
           <a:p>
             <a:fld id="{17321F09-57B9-4431-8E2D-17B39AD68799}" type="datetimeFigureOut">
               <a:rPr lang="es-ES" smtClean="0"/>
-              <a:t>25/05/2022</a:t>
+              <a:t>22/06/2022</a:t>
             </a:fld>
             <a:endParaRPr lang="es-ES"/>
           </a:p>
@@ -3130,7 +3134,7 @@
           <a:p>
             <a:fld id="{17321F09-57B9-4431-8E2D-17B39AD68799}" type="datetimeFigureOut">
               <a:rPr lang="es-ES" smtClean="0"/>
-              <a:t>25/05/2022</a:t>
+              <a:t>22/06/2022</a:t>
             </a:fld>
             <a:endParaRPr lang="es-ES"/>
           </a:p>
@@ -3418,7 +3422,7 @@
           <a:p>
             <a:fld id="{17321F09-57B9-4431-8E2D-17B39AD68799}" type="datetimeFigureOut">
               <a:rPr lang="es-ES" smtClean="0"/>
-              <a:t>25/05/2022</a:t>
+              <a:t>22/06/2022</a:t>
             </a:fld>
             <a:endParaRPr lang="es-ES"/>
           </a:p>
@@ -3659,7 +3663,7 @@
           <a:p>
             <a:fld id="{17321F09-57B9-4431-8E2D-17B39AD68799}" type="datetimeFigureOut">
               <a:rPr lang="es-ES" smtClean="0"/>
-              <a:t>25/05/2022</a:t>
+              <a:t>22/06/2022</a:t>
             </a:fld>
             <a:endParaRPr lang="es-ES"/>
           </a:p>
@@ -13632,6 +13636,536 @@
     <p:extLst>
       <p:ext uri="{BB962C8B-B14F-4D97-AF65-F5344CB8AC3E}">
         <p14:creationId xmlns:p14="http://schemas.microsoft.com/office/powerpoint/2010/main" val="95088341"/>
+      </p:ext>
+    </p:extLst>
+  </p:cSld>
+  <p:clrMapOvr>
+    <a:masterClrMapping/>
+  </p:clrMapOvr>
+</p:sld>
+</file>
+
+<file path=ppt/slides/slide64.xml><?xml version="1.0" encoding="utf-8"?>
+<p:sld xmlns:a="http://schemas.openxmlformats.org/drawingml/2006/main" xmlns:r="http://schemas.openxmlformats.org/officeDocument/2006/relationships" xmlns:p="http://schemas.openxmlformats.org/presentationml/2006/main">
+  <p:cSld>
+    <p:spTree>
+      <p:nvGrpSpPr>
+        <p:cNvPr id="1" name=""/>
+        <p:cNvGrpSpPr/>
+        <p:nvPr/>
+      </p:nvGrpSpPr>
+      <p:grpSpPr>
+        <a:xfrm>
+          <a:off x="0" y="0"/>
+          <a:ext cx="0" cy="0"/>
+          <a:chOff x="0" y="0"/>
+          <a:chExt cx="0" cy="0"/>
+        </a:xfrm>
+      </p:grpSpPr>
+      <p:sp>
+        <p:nvSpPr>
+          <p:cNvPr id="2" name="Título 1">
+            <a:extLst>
+              <a:ext uri="{FF2B5EF4-FFF2-40B4-BE49-F238E27FC236}">
+                <a16:creationId xmlns:a16="http://schemas.microsoft.com/office/drawing/2014/main" id="{F13DA793-802D-4721-BE53-EB2BE8BD870F}"/>
+              </a:ext>
+            </a:extLst>
+          </p:cNvPr>
+          <p:cNvSpPr>
+            <a:spLocks noGrp="1"/>
+          </p:cNvSpPr>
+          <p:nvPr>
+            <p:ph type="title"/>
+          </p:nvPr>
+        </p:nvSpPr>
+        <p:spPr/>
+        <p:txBody>
+          <a:bodyPr/>
+          <a:lstStyle/>
+          <a:p>
+            <a:r>
+              <a:rPr lang="es-ES" dirty="0"/>
+              <a:t>JSON</a:t>
+            </a:r>
+          </a:p>
+        </p:txBody>
+      </p:sp>
+      <p:sp>
+        <p:nvSpPr>
+          <p:cNvPr id="3" name="Marcador de contenido 2">
+            <a:extLst>
+              <a:ext uri="{FF2B5EF4-FFF2-40B4-BE49-F238E27FC236}">
+                <a16:creationId xmlns:a16="http://schemas.microsoft.com/office/drawing/2014/main" id="{88B786AA-CF69-418E-8EBB-D053948D1202}"/>
+              </a:ext>
+            </a:extLst>
+          </p:cNvPr>
+          <p:cNvSpPr>
+            <a:spLocks noGrp="1"/>
+          </p:cNvSpPr>
+          <p:nvPr>
+            <p:ph idx="1"/>
+          </p:nvPr>
+        </p:nvSpPr>
+        <p:spPr/>
+        <p:txBody>
+          <a:bodyPr/>
+          <a:lstStyle/>
+          <a:p>
+            <a:pPr algn="just"/>
+            <a:r>
+              <a:rPr lang="es-ES" dirty="0"/>
+              <a:t>Formato para el intercambio de datos entre aplicaciones basado en la notación de objetos de JavaScript (de ahí el nombre: </a:t>
+            </a:r>
+            <a:r>
+              <a:rPr lang="es-ES" dirty="0">
+                <a:solidFill>
+                  <a:srgbClr val="FF0000"/>
+                </a:solidFill>
+              </a:rPr>
+              <a:t>J</a:t>
+            </a:r>
+            <a:r>
+              <a:rPr lang="es-ES" dirty="0"/>
+              <a:t>ava</a:t>
+            </a:r>
+            <a:r>
+              <a:rPr lang="es-ES" dirty="0">
+                <a:solidFill>
+                  <a:srgbClr val="FF0000"/>
+                </a:solidFill>
+              </a:rPr>
+              <a:t>S</a:t>
+            </a:r>
+            <a:r>
+              <a:rPr lang="es-ES" dirty="0"/>
+              <a:t>cript </a:t>
+            </a:r>
+            <a:r>
+              <a:rPr lang="es-ES" dirty="0" err="1">
+                <a:solidFill>
+                  <a:srgbClr val="FF0000"/>
+                </a:solidFill>
+              </a:rPr>
+              <a:t>O</a:t>
+            </a:r>
+            <a:r>
+              <a:rPr lang="es-ES" dirty="0" err="1"/>
+              <a:t>bject</a:t>
+            </a:r>
+            <a:r>
+              <a:rPr lang="es-ES" dirty="0"/>
+              <a:t> </a:t>
+            </a:r>
+            <a:r>
+              <a:rPr lang="es-ES" dirty="0" err="1">
+                <a:solidFill>
+                  <a:srgbClr val="FF0000"/>
+                </a:solidFill>
+              </a:rPr>
+              <a:t>N</a:t>
+            </a:r>
+            <a:r>
+              <a:rPr lang="es-ES" dirty="0" err="1"/>
+              <a:t>otation</a:t>
+            </a:r>
+            <a:r>
+              <a:rPr lang="es-ES" dirty="0"/>
+              <a:t>). </a:t>
+            </a:r>
+          </a:p>
+          <a:p>
+            <a:pPr algn="just"/>
+            <a:endParaRPr lang="es-ES" dirty="0"/>
+          </a:p>
+          <a:p>
+            <a:pPr algn="just"/>
+            <a:endParaRPr lang="es-ES" dirty="0"/>
+          </a:p>
+        </p:txBody>
+      </p:sp>
+    </p:spTree>
+    <p:extLst>
+      <p:ext uri="{BB962C8B-B14F-4D97-AF65-F5344CB8AC3E}">
+        <p14:creationId xmlns:p14="http://schemas.microsoft.com/office/powerpoint/2010/main" val="4223183445"/>
+      </p:ext>
+    </p:extLst>
+  </p:cSld>
+  <p:clrMapOvr>
+    <a:masterClrMapping/>
+  </p:clrMapOvr>
+</p:sld>
+</file>
+
+<file path=ppt/slides/slide65.xml><?xml version="1.0" encoding="utf-8"?>
+<p:sld xmlns:a="http://schemas.openxmlformats.org/drawingml/2006/main" xmlns:r="http://schemas.openxmlformats.org/officeDocument/2006/relationships" xmlns:p="http://schemas.openxmlformats.org/presentationml/2006/main">
+  <p:cSld>
+    <p:spTree>
+      <p:nvGrpSpPr>
+        <p:cNvPr id="1" name=""/>
+        <p:cNvGrpSpPr/>
+        <p:nvPr/>
+      </p:nvGrpSpPr>
+      <p:grpSpPr>
+        <a:xfrm>
+          <a:off x="0" y="0"/>
+          <a:ext cx="0" cy="0"/>
+          <a:chOff x="0" y="0"/>
+          <a:chExt cx="0" cy="0"/>
+        </a:xfrm>
+      </p:grpSpPr>
+      <p:sp>
+        <p:nvSpPr>
+          <p:cNvPr id="2" name="Título 1">
+            <a:extLst>
+              <a:ext uri="{FF2B5EF4-FFF2-40B4-BE49-F238E27FC236}">
+                <a16:creationId xmlns:a16="http://schemas.microsoft.com/office/drawing/2014/main" id="{B40C5924-40AE-4D09-B4EC-87FBC82FA346}"/>
+              </a:ext>
+            </a:extLst>
+          </p:cNvPr>
+          <p:cNvSpPr>
+            <a:spLocks noGrp="1"/>
+          </p:cNvSpPr>
+          <p:nvPr>
+            <p:ph type="title"/>
+          </p:nvPr>
+        </p:nvSpPr>
+        <p:spPr/>
+        <p:txBody>
+          <a:bodyPr/>
+          <a:lstStyle/>
+          <a:p>
+            <a:r>
+              <a:rPr lang="es-ES" dirty="0"/>
+              <a:t>JSON	</a:t>
+            </a:r>
+          </a:p>
+        </p:txBody>
+      </p:sp>
+      <p:sp>
+        <p:nvSpPr>
+          <p:cNvPr id="3" name="Marcador de contenido 2">
+            <a:extLst>
+              <a:ext uri="{FF2B5EF4-FFF2-40B4-BE49-F238E27FC236}">
+                <a16:creationId xmlns:a16="http://schemas.microsoft.com/office/drawing/2014/main" id="{EBB998A9-8FC0-4AC9-9AB2-C32A4CB78891}"/>
+              </a:ext>
+            </a:extLst>
+          </p:cNvPr>
+          <p:cNvSpPr>
+            <a:spLocks noGrp="1"/>
+          </p:cNvSpPr>
+          <p:nvPr>
+            <p:ph idx="1"/>
+          </p:nvPr>
+        </p:nvSpPr>
+        <p:spPr/>
+        <p:txBody>
+          <a:bodyPr/>
+          <a:lstStyle/>
+          <a:p>
+            <a:pPr algn="just"/>
+            <a:r>
+              <a:rPr lang="es-ES" dirty="0"/>
+              <a:t>Consideremos el siguiente objeto:</a:t>
+            </a:r>
+          </a:p>
+          <a:p>
+            <a:pPr marL="0" indent="0" algn="just">
+              <a:buNone/>
+            </a:pPr>
+            <a:r>
+              <a:rPr lang="en-US" dirty="0"/>
+              <a:t>var object = {</a:t>
+            </a:r>
+          </a:p>
+          <a:p>
+            <a:pPr marL="0" indent="0" algn="just">
+              <a:buNone/>
+            </a:pPr>
+            <a:r>
+              <a:rPr lang="en-US" dirty="0"/>
+              <a:t>    name: "Alain",</a:t>
+            </a:r>
+          </a:p>
+          <a:p>
+            <a:pPr marL="0" indent="0" algn="just">
+              <a:buNone/>
+            </a:pPr>
+            <a:r>
+              <a:rPr lang="en-US" dirty="0"/>
+              <a:t>    age: 33</a:t>
+            </a:r>
+          </a:p>
+          <a:p>
+            <a:pPr marL="0" indent="0" algn="just">
+              <a:buNone/>
+            </a:pPr>
+            <a:r>
+              <a:rPr lang="en-US" dirty="0"/>
+              <a:t>}</a:t>
+            </a:r>
+          </a:p>
+          <a:p>
+            <a:pPr marL="0" indent="0" algn="just">
+              <a:buNone/>
+            </a:pPr>
+            <a:endParaRPr lang="en-US" dirty="0"/>
+          </a:p>
+          <a:p>
+            <a:pPr algn="just"/>
+            <a:r>
+              <a:rPr lang="en-US" dirty="0" err="1"/>
+              <a:t>Usando</a:t>
+            </a:r>
+            <a:r>
+              <a:rPr lang="en-US" dirty="0"/>
+              <a:t> </a:t>
+            </a:r>
+            <a:r>
+              <a:rPr lang="en-US" dirty="0" err="1"/>
+              <a:t>JSON.stringify</a:t>
+            </a:r>
+            <a:r>
+              <a:rPr lang="en-US" dirty="0"/>
+              <a:t>(object) </a:t>
+            </a:r>
+            <a:r>
+              <a:rPr lang="en-US" dirty="0" err="1"/>
+              <a:t>obtenemos</a:t>
+            </a:r>
+            <a:r>
+              <a:rPr lang="en-US" dirty="0"/>
+              <a:t> la </a:t>
+            </a:r>
+            <a:r>
+              <a:rPr lang="en-US" dirty="0" err="1"/>
+              <a:t>siguiente</a:t>
+            </a:r>
+            <a:r>
+              <a:rPr lang="en-US" dirty="0"/>
+              <a:t> </a:t>
+            </a:r>
+            <a:r>
+              <a:rPr lang="en-US" dirty="0" err="1"/>
+              <a:t>salida</a:t>
+            </a:r>
+            <a:r>
+              <a:rPr lang="en-US" dirty="0"/>
+              <a:t>:</a:t>
+            </a:r>
+            <a:endParaRPr lang="es-ES" dirty="0"/>
+          </a:p>
+          <a:p>
+            <a:pPr marL="0" indent="0" algn="just">
+              <a:buNone/>
+            </a:pPr>
+            <a:r>
+              <a:rPr lang="es-ES" dirty="0"/>
+              <a:t>{"name":"Alain","age":33}</a:t>
+            </a:r>
+          </a:p>
+        </p:txBody>
+      </p:sp>
+    </p:spTree>
+    <p:extLst>
+      <p:ext uri="{BB962C8B-B14F-4D97-AF65-F5344CB8AC3E}">
+        <p14:creationId xmlns:p14="http://schemas.microsoft.com/office/powerpoint/2010/main" val="2455558053"/>
+      </p:ext>
+    </p:extLst>
+  </p:cSld>
+  <p:clrMapOvr>
+    <a:masterClrMapping/>
+  </p:clrMapOvr>
+</p:sld>
+</file>
+
+<file path=ppt/slides/slide66.xml><?xml version="1.0" encoding="utf-8"?>
+<p:sld xmlns:a="http://schemas.openxmlformats.org/drawingml/2006/main" xmlns:r="http://schemas.openxmlformats.org/officeDocument/2006/relationships" xmlns:p="http://schemas.openxmlformats.org/presentationml/2006/main">
+  <p:cSld>
+    <p:spTree>
+      <p:nvGrpSpPr>
+        <p:cNvPr id="1" name=""/>
+        <p:cNvGrpSpPr/>
+        <p:nvPr/>
+      </p:nvGrpSpPr>
+      <p:grpSpPr>
+        <a:xfrm>
+          <a:off x="0" y="0"/>
+          <a:ext cx="0" cy="0"/>
+          <a:chOff x="0" y="0"/>
+          <a:chExt cx="0" cy="0"/>
+        </a:xfrm>
+      </p:grpSpPr>
+      <p:sp>
+        <p:nvSpPr>
+          <p:cNvPr id="2" name="Título 1">
+            <a:extLst>
+              <a:ext uri="{FF2B5EF4-FFF2-40B4-BE49-F238E27FC236}">
+                <a16:creationId xmlns:a16="http://schemas.microsoft.com/office/drawing/2014/main" id="{7B2D1E48-5375-4402-9E5D-D16B1A0487BA}"/>
+              </a:ext>
+            </a:extLst>
+          </p:cNvPr>
+          <p:cNvSpPr>
+            <a:spLocks noGrp="1"/>
+          </p:cNvSpPr>
+          <p:nvPr>
+            <p:ph type="title"/>
+          </p:nvPr>
+        </p:nvSpPr>
+        <p:spPr/>
+        <p:txBody>
+          <a:bodyPr/>
+          <a:lstStyle/>
+          <a:p>
+            <a:r>
+              <a:rPr lang="es-ES" dirty="0"/>
+              <a:t>JSON</a:t>
+            </a:r>
+          </a:p>
+        </p:txBody>
+      </p:sp>
+      <p:sp>
+        <p:nvSpPr>
+          <p:cNvPr id="3" name="Marcador de contenido 2">
+            <a:extLst>
+              <a:ext uri="{FF2B5EF4-FFF2-40B4-BE49-F238E27FC236}">
+                <a16:creationId xmlns:a16="http://schemas.microsoft.com/office/drawing/2014/main" id="{818F9E0E-B70A-4BB1-8CDD-AC561880F6A7}"/>
+              </a:ext>
+            </a:extLst>
+          </p:cNvPr>
+          <p:cNvSpPr>
+            <a:spLocks noGrp="1"/>
+          </p:cNvSpPr>
+          <p:nvPr>
+            <p:ph idx="1"/>
+          </p:nvPr>
+        </p:nvSpPr>
+        <p:spPr/>
+        <p:txBody>
+          <a:bodyPr/>
+          <a:lstStyle/>
+          <a:p>
+            <a:pPr algn="just"/>
+            <a:r>
+              <a:rPr lang="es-ES" dirty="0"/>
+              <a:t>El proceso inverso: </a:t>
+            </a:r>
+            <a:r>
+              <a:rPr lang="es-ES" dirty="0" err="1"/>
+              <a:t>JSON.parse</a:t>
+            </a:r>
+            <a:r>
+              <a:rPr lang="es-ES" dirty="0"/>
+              <a:t>(</a:t>
+            </a:r>
+            <a:r>
+              <a:rPr lang="es-ES" dirty="0" err="1"/>
+              <a:t>string</a:t>
+            </a:r>
+            <a:r>
+              <a:rPr lang="es-ES" dirty="0"/>
+              <a:t>) convierte un </a:t>
+            </a:r>
+            <a:r>
+              <a:rPr lang="es-ES" dirty="0" err="1"/>
+              <a:t>string</a:t>
+            </a:r>
+            <a:r>
+              <a:rPr lang="es-ES" dirty="0"/>
+              <a:t> en un objeto de JavaScript.</a:t>
+            </a:r>
+          </a:p>
+        </p:txBody>
+      </p:sp>
+    </p:spTree>
+    <p:extLst>
+      <p:ext uri="{BB962C8B-B14F-4D97-AF65-F5344CB8AC3E}">
+        <p14:creationId xmlns:p14="http://schemas.microsoft.com/office/powerpoint/2010/main" val="2498164590"/>
+      </p:ext>
+    </p:extLst>
+  </p:cSld>
+  <p:clrMapOvr>
+    <a:masterClrMapping/>
+  </p:clrMapOvr>
+</p:sld>
+</file>
+
+<file path=ppt/slides/slide67.xml><?xml version="1.0" encoding="utf-8"?>
+<p:sld xmlns:a="http://schemas.openxmlformats.org/drawingml/2006/main" xmlns:r="http://schemas.openxmlformats.org/officeDocument/2006/relationships" xmlns:p="http://schemas.openxmlformats.org/presentationml/2006/main">
+  <p:cSld>
+    <p:spTree>
+      <p:nvGrpSpPr>
+        <p:cNvPr id="1" name=""/>
+        <p:cNvGrpSpPr/>
+        <p:nvPr/>
+      </p:nvGrpSpPr>
+      <p:grpSpPr>
+        <a:xfrm>
+          <a:off x="0" y="0"/>
+          <a:ext cx="0" cy="0"/>
+          <a:chOff x="0" y="0"/>
+          <a:chExt cx="0" cy="0"/>
+        </a:xfrm>
+      </p:grpSpPr>
+      <p:sp>
+        <p:nvSpPr>
+          <p:cNvPr id="2" name="Título 1">
+            <a:extLst>
+              <a:ext uri="{FF2B5EF4-FFF2-40B4-BE49-F238E27FC236}">
+                <a16:creationId xmlns:a16="http://schemas.microsoft.com/office/drawing/2014/main" id="{4606B7D1-4A24-4871-8DD2-AAC8EDEDC1EB}"/>
+              </a:ext>
+            </a:extLst>
+          </p:cNvPr>
+          <p:cNvSpPr>
+            <a:spLocks noGrp="1"/>
+          </p:cNvSpPr>
+          <p:nvPr>
+            <p:ph type="title"/>
+          </p:nvPr>
+        </p:nvSpPr>
+        <p:spPr/>
+        <p:txBody>
+          <a:bodyPr/>
+          <a:lstStyle/>
+          <a:p>
+            <a:r>
+              <a:rPr lang="es-ES" dirty="0"/>
+              <a:t>JSON</a:t>
+            </a:r>
+          </a:p>
+        </p:txBody>
+      </p:sp>
+      <p:sp>
+        <p:nvSpPr>
+          <p:cNvPr id="3" name="Marcador de contenido 2">
+            <a:extLst>
+              <a:ext uri="{FF2B5EF4-FFF2-40B4-BE49-F238E27FC236}">
+                <a16:creationId xmlns:a16="http://schemas.microsoft.com/office/drawing/2014/main" id="{B0164C92-6605-48DF-BEA5-36CE47FC6AF1}"/>
+              </a:ext>
+            </a:extLst>
+          </p:cNvPr>
+          <p:cNvSpPr>
+            <a:spLocks noGrp="1"/>
+          </p:cNvSpPr>
+          <p:nvPr>
+            <p:ph idx="1"/>
+          </p:nvPr>
+        </p:nvSpPr>
+        <p:spPr/>
+        <p:txBody>
+          <a:bodyPr/>
+          <a:lstStyle/>
+          <a:p>
+            <a:r>
+              <a:rPr lang="es-ES" dirty="0"/>
+              <a:t>Jugar con la siguiente API: https://api.coindesk.com/v1/bpi/currentprice.json</a:t>
+            </a:r>
+          </a:p>
+        </p:txBody>
+      </p:sp>
+    </p:spTree>
+    <p:extLst>
+      <p:ext uri="{BB962C8B-B14F-4D97-AF65-F5344CB8AC3E}">
+        <p14:creationId xmlns:p14="http://schemas.microsoft.com/office/powerpoint/2010/main" val="2218097879"/>
       </p:ext>
     </p:extLst>
   </p:cSld>
